--- a/assets/documents/SQLSatBR Sponsor Slides - 2025.pptx
+++ b/assets/documents/SQLSatBR Sponsor Slides - 2025.pptx
@@ -3,13 +3,15 @@
 <p:presentation xmlns:a="http://schemas.openxmlformats.org/drawingml/2006/main" xmlns:r="http://schemas.openxmlformats.org/officeDocument/2006/relationships" xmlns:p="http://schemas.openxmlformats.org/presentationml/2006/main" saveSubsetFonts="1">
   <p:sldMasterIdLst>
     <p:sldMasterId id="2147483648" r:id="rId1"/>
+    <p:sldMasterId id="2147483660" r:id="rId2"/>
   </p:sldMasterIdLst>
   <p:notesMasterIdLst>
-    <p:notesMasterId r:id="rId4"/>
+    <p:notesMasterId r:id="rId6"/>
   </p:notesMasterIdLst>
   <p:sldIdLst>
-    <p:sldId id="257" r:id="rId2"/>
-    <p:sldId id="256" r:id="rId3"/>
+    <p:sldId id="258" r:id="rId3"/>
+    <p:sldId id="259" r:id="rId4"/>
+    <p:sldId id="257" r:id="rId5"/>
   </p:sldIdLst>
   <p:sldSz cx="12192000" cy="6858000"/>
   <p:notesSz cx="6858000" cy="9144000"/>
@@ -206,7 +208,7 @@
           <a:p>
             <a:fld id="{C3E812A2-BA0E-4022-8B99-492E73CBDA70}" type="datetimeFigureOut">
               <a:rPr lang="en-US" smtClean="0"/>
-              <a:t>7/18/2025</a:t>
+              <a:t>7/21/2025</a:t>
             </a:fld>
             <a:endParaRPr lang="en-US"/>
           </a:p>
@@ -620,7 +622,7 @@
           <a:p>
             <a:fld id="{A83C7DF5-044A-406B-8FFF-0DDD724F8DE9}" type="datetime1">
               <a:rPr lang="en-US" smtClean="0"/>
-              <a:t>7/18/2025</a:t>
+              <a:t>7/21/2025</a:t>
             </a:fld>
             <a:endParaRPr lang="en-US"/>
           </a:p>
@@ -821,7 +823,7 @@
           <a:p>
             <a:fld id="{B95AE8A4-8F4B-4961-875C-96FC351CC633}" type="datetime1">
               <a:rPr lang="en-US" smtClean="0"/>
-              <a:t>7/18/2025</a:t>
+              <a:t>7/21/2025</a:t>
             </a:fld>
             <a:endParaRPr lang="en-US"/>
           </a:p>
@@ -1032,7 +1034,7 @@
           <a:p>
             <a:fld id="{88BEDFB3-CFB3-4FC0-807C-52111A144021}" type="datetime1">
               <a:rPr lang="en-US" smtClean="0"/>
-              <a:t>7/18/2025</a:t>
+              <a:t>7/21/2025</a:t>
             </a:fld>
             <a:endParaRPr lang="en-US"/>
           </a:p>
@@ -1099,6 +1101,2207 @@
     <p:extLst>
       <p:ext uri="{BB962C8B-B14F-4D97-AF65-F5344CB8AC3E}">
         <p14:creationId xmlns:p14="http://schemas.microsoft.com/office/powerpoint/2010/main" val="372874161"/>
+      </p:ext>
+    </p:extLst>
+  </p:cSld>
+  <p:clrMapOvr>
+    <a:masterClrMapping/>
+  </p:clrMapOvr>
+</p:sldLayout>
+</file>
+
+<file path=ppt/slideLayouts/slideLayout12.xml><?xml version="1.0" encoding="utf-8"?>
+<p:sldLayout xmlns:a="http://schemas.openxmlformats.org/drawingml/2006/main" xmlns:r="http://schemas.openxmlformats.org/officeDocument/2006/relationships" xmlns:p="http://schemas.openxmlformats.org/presentationml/2006/main" type="title" preserve="1">
+  <p:cSld name="Title Slide">
+    <p:spTree>
+      <p:nvGrpSpPr>
+        <p:cNvPr id="1" name=""/>
+        <p:cNvGrpSpPr/>
+        <p:nvPr/>
+      </p:nvGrpSpPr>
+      <p:grpSpPr>
+        <a:xfrm>
+          <a:off x="0" y="0"/>
+          <a:ext cx="0" cy="0"/>
+          <a:chOff x="0" y="0"/>
+          <a:chExt cx="0" cy="0"/>
+        </a:xfrm>
+      </p:grpSpPr>
+      <p:sp>
+        <p:nvSpPr>
+          <p:cNvPr id="2" name="Title 1">
+            <a:extLst>
+              <a:ext uri="{FF2B5EF4-FFF2-40B4-BE49-F238E27FC236}">
+                <a16:creationId xmlns:a16="http://schemas.microsoft.com/office/drawing/2014/main" id="{ADA93F20-A6D2-3BDB-01AE-396AF3967B13}"/>
+              </a:ext>
+            </a:extLst>
+          </p:cNvPr>
+          <p:cNvSpPr>
+            <a:spLocks noGrp="1"/>
+          </p:cNvSpPr>
+          <p:nvPr>
+            <p:ph type="ctrTitle"/>
+          </p:nvPr>
+        </p:nvSpPr>
+        <p:spPr>
+          <a:xfrm>
+            <a:off x="1524000" y="1122363"/>
+            <a:ext cx="9144000" cy="2387600"/>
+          </a:xfrm>
+          <a:prstGeom prst="rect">
+            <a:avLst/>
+          </a:prstGeom>
+        </p:spPr>
+        <p:txBody>
+          <a:bodyPr anchor="b"/>
+          <a:lstStyle>
+            <a:lvl1pPr algn="ctr">
+              <a:defRPr sz="6000"/>
+            </a:lvl1pPr>
+          </a:lstStyle>
+          <a:p>
+            <a:r>
+              <a:rPr lang="en-US"/>
+              <a:t>Click to edit Master title style</a:t>
+            </a:r>
+          </a:p>
+        </p:txBody>
+      </p:sp>
+      <p:sp>
+        <p:nvSpPr>
+          <p:cNvPr id="3" name="Subtitle 2">
+            <a:extLst>
+              <a:ext uri="{FF2B5EF4-FFF2-40B4-BE49-F238E27FC236}">
+                <a16:creationId xmlns:a16="http://schemas.microsoft.com/office/drawing/2014/main" id="{40701829-38BE-D9BE-557A-101D67CCFC0F}"/>
+              </a:ext>
+            </a:extLst>
+          </p:cNvPr>
+          <p:cNvSpPr>
+            <a:spLocks noGrp="1"/>
+          </p:cNvSpPr>
+          <p:nvPr>
+            <p:ph type="subTitle" idx="1"/>
+          </p:nvPr>
+        </p:nvSpPr>
+        <p:spPr>
+          <a:xfrm>
+            <a:off x="1524000" y="3602038"/>
+            <a:ext cx="9144000" cy="1655762"/>
+          </a:xfrm>
+          <a:prstGeom prst="rect">
+            <a:avLst/>
+          </a:prstGeom>
+        </p:spPr>
+        <p:txBody>
+          <a:bodyPr/>
+          <a:lstStyle>
+            <a:lvl1pPr marL="0" indent="0" algn="ctr">
+              <a:buNone/>
+              <a:defRPr sz="2400"/>
+            </a:lvl1pPr>
+            <a:lvl2pPr marL="457200" indent="0" algn="ctr">
+              <a:buNone/>
+              <a:defRPr sz="2000"/>
+            </a:lvl2pPr>
+            <a:lvl3pPr marL="914400" indent="0" algn="ctr">
+              <a:buNone/>
+              <a:defRPr sz="1800"/>
+            </a:lvl3pPr>
+            <a:lvl4pPr marL="1371600" indent="0" algn="ctr">
+              <a:buNone/>
+              <a:defRPr sz="1600"/>
+            </a:lvl4pPr>
+            <a:lvl5pPr marL="1828800" indent="0" algn="ctr">
+              <a:buNone/>
+              <a:defRPr sz="1600"/>
+            </a:lvl5pPr>
+            <a:lvl6pPr marL="2286000" indent="0" algn="ctr">
+              <a:buNone/>
+              <a:defRPr sz="1600"/>
+            </a:lvl6pPr>
+            <a:lvl7pPr marL="2743200" indent="0" algn="ctr">
+              <a:buNone/>
+              <a:defRPr sz="1600"/>
+            </a:lvl7pPr>
+            <a:lvl8pPr marL="3200400" indent="0" algn="ctr">
+              <a:buNone/>
+              <a:defRPr sz="1600"/>
+            </a:lvl8pPr>
+            <a:lvl9pPr marL="3657600" indent="0" algn="ctr">
+              <a:buNone/>
+              <a:defRPr sz="1600"/>
+            </a:lvl9pPr>
+          </a:lstStyle>
+          <a:p>
+            <a:r>
+              <a:rPr lang="en-US"/>
+              <a:t>Click to edit Master subtitle style</a:t>
+            </a:r>
+          </a:p>
+        </p:txBody>
+      </p:sp>
+      <p:sp>
+        <p:nvSpPr>
+          <p:cNvPr id="4" name="Date Placeholder 3">
+            <a:extLst>
+              <a:ext uri="{FF2B5EF4-FFF2-40B4-BE49-F238E27FC236}">
+                <a16:creationId xmlns:a16="http://schemas.microsoft.com/office/drawing/2014/main" id="{9F8EA550-A8DD-8790-E808-7CCEA8C10B09}"/>
+              </a:ext>
+            </a:extLst>
+          </p:cNvPr>
+          <p:cNvSpPr>
+            <a:spLocks noGrp="1"/>
+          </p:cNvSpPr>
+          <p:nvPr>
+            <p:ph type="dt" sz="half" idx="10"/>
+          </p:nvPr>
+        </p:nvSpPr>
+        <p:spPr>
+          <a:xfrm>
+            <a:off x="838200" y="6356350"/>
+            <a:ext cx="2743200" cy="365125"/>
+          </a:xfrm>
+          <a:prstGeom prst="rect">
+            <a:avLst/>
+          </a:prstGeom>
+        </p:spPr>
+        <p:txBody>
+          <a:bodyPr/>
+          <a:lstStyle/>
+          <a:p>
+            <a:fld id="{0C6C1A25-4366-4F4A-8222-0600C7D6B40D}" type="datetimeFigureOut">
+              <a:rPr lang="en-US" smtClean="0"/>
+              <a:t>7/21/2025</a:t>
+            </a:fld>
+            <a:endParaRPr lang="en-US"/>
+          </a:p>
+        </p:txBody>
+      </p:sp>
+      <p:sp>
+        <p:nvSpPr>
+          <p:cNvPr id="5" name="Footer Placeholder 4">
+            <a:extLst>
+              <a:ext uri="{FF2B5EF4-FFF2-40B4-BE49-F238E27FC236}">
+                <a16:creationId xmlns:a16="http://schemas.microsoft.com/office/drawing/2014/main" id="{ECFDFB50-14B9-E794-8A84-0423EEFF86D9}"/>
+              </a:ext>
+            </a:extLst>
+          </p:cNvPr>
+          <p:cNvSpPr>
+            <a:spLocks noGrp="1"/>
+          </p:cNvSpPr>
+          <p:nvPr>
+            <p:ph type="ftr" sz="quarter" idx="11"/>
+          </p:nvPr>
+        </p:nvSpPr>
+        <p:spPr>
+          <a:xfrm>
+            <a:off x="4038600" y="6356350"/>
+            <a:ext cx="4114800" cy="365125"/>
+          </a:xfrm>
+          <a:prstGeom prst="rect">
+            <a:avLst/>
+          </a:prstGeom>
+        </p:spPr>
+        <p:txBody>
+          <a:bodyPr/>
+          <a:lstStyle/>
+          <a:p>
+            <a:endParaRPr lang="en-US"/>
+          </a:p>
+        </p:txBody>
+      </p:sp>
+      <p:sp>
+        <p:nvSpPr>
+          <p:cNvPr id="6" name="Slide Number Placeholder 5">
+            <a:extLst>
+              <a:ext uri="{FF2B5EF4-FFF2-40B4-BE49-F238E27FC236}">
+                <a16:creationId xmlns:a16="http://schemas.microsoft.com/office/drawing/2014/main" id="{6671C493-BBC5-9C0E-1F17-5C110B4FB236}"/>
+              </a:ext>
+            </a:extLst>
+          </p:cNvPr>
+          <p:cNvSpPr>
+            <a:spLocks noGrp="1"/>
+          </p:cNvSpPr>
+          <p:nvPr>
+            <p:ph type="sldNum" sz="quarter" idx="12"/>
+          </p:nvPr>
+        </p:nvSpPr>
+        <p:spPr>
+          <a:xfrm>
+            <a:off x="8610600" y="6356350"/>
+            <a:ext cx="2743200" cy="365125"/>
+          </a:xfrm>
+          <a:prstGeom prst="rect">
+            <a:avLst/>
+          </a:prstGeom>
+        </p:spPr>
+        <p:txBody>
+          <a:bodyPr/>
+          <a:lstStyle/>
+          <a:p>
+            <a:fld id="{94834FE6-5E49-41F4-BD3E-674FC4ACDD29}" type="slidenum">
+              <a:rPr lang="en-US" smtClean="0"/>
+              <a:t>‹#›</a:t>
+            </a:fld>
+            <a:endParaRPr lang="en-US"/>
+          </a:p>
+        </p:txBody>
+      </p:sp>
+    </p:spTree>
+    <p:extLst>
+      <p:ext uri="{BB962C8B-B14F-4D97-AF65-F5344CB8AC3E}">
+        <p14:creationId xmlns:p14="http://schemas.microsoft.com/office/powerpoint/2010/main" val="3987200502"/>
+      </p:ext>
+    </p:extLst>
+  </p:cSld>
+  <p:clrMapOvr>
+    <a:masterClrMapping/>
+  </p:clrMapOvr>
+</p:sldLayout>
+</file>
+
+<file path=ppt/slideLayouts/slideLayout13.xml><?xml version="1.0" encoding="utf-8"?>
+<p:sldLayout xmlns:a="http://schemas.openxmlformats.org/drawingml/2006/main" xmlns:r="http://schemas.openxmlformats.org/officeDocument/2006/relationships" xmlns:p="http://schemas.openxmlformats.org/presentationml/2006/main" type="obj" preserve="1">
+  <p:cSld name="Title and Content">
+    <p:spTree>
+      <p:nvGrpSpPr>
+        <p:cNvPr id="1" name=""/>
+        <p:cNvGrpSpPr/>
+        <p:nvPr/>
+      </p:nvGrpSpPr>
+      <p:grpSpPr>
+        <a:xfrm>
+          <a:off x="0" y="0"/>
+          <a:ext cx="0" cy="0"/>
+          <a:chOff x="0" y="0"/>
+          <a:chExt cx="0" cy="0"/>
+        </a:xfrm>
+      </p:grpSpPr>
+      <p:sp>
+        <p:nvSpPr>
+          <p:cNvPr id="2" name="Title 1">
+            <a:extLst>
+              <a:ext uri="{FF2B5EF4-FFF2-40B4-BE49-F238E27FC236}">
+                <a16:creationId xmlns:a16="http://schemas.microsoft.com/office/drawing/2014/main" id="{DF6E5420-110C-1B7E-AC41-E85383F74700}"/>
+              </a:ext>
+            </a:extLst>
+          </p:cNvPr>
+          <p:cNvSpPr>
+            <a:spLocks noGrp="1"/>
+          </p:cNvSpPr>
+          <p:nvPr>
+            <p:ph type="title"/>
+          </p:nvPr>
+        </p:nvSpPr>
+        <p:spPr>
+          <a:xfrm>
+            <a:off x="838200" y="365125"/>
+            <a:ext cx="10515600" cy="1325563"/>
+          </a:xfrm>
+          <a:prstGeom prst="rect">
+            <a:avLst/>
+          </a:prstGeom>
+        </p:spPr>
+        <p:txBody>
+          <a:bodyPr/>
+          <a:lstStyle/>
+          <a:p>
+            <a:r>
+              <a:rPr lang="en-US"/>
+              <a:t>Click to edit Master title style</a:t>
+            </a:r>
+          </a:p>
+        </p:txBody>
+      </p:sp>
+      <p:sp>
+        <p:nvSpPr>
+          <p:cNvPr id="3" name="Content Placeholder 2">
+            <a:extLst>
+              <a:ext uri="{FF2B5EF4-FFF2-40B4-BE49-F238E27FC236}">
+                <a16:creationId xmlns:a16="http://schemas.microsoft.com/office/drawing/2014/main" id="{16A54BDA-CE8A-3A17-E0D8-5A29FBC52C84}"/>
+              </a:ext>
+            </a:extLst>
+          </p:cNvPr>
+          <p:cNvSpPr>
+            <a:spLocks noGrp="1"/>
+          </p:cNvSpPr>
+          <p:nvPr>
+            <p:ph idx="1"/>
+          </p:nvPr>
+        </p:nvSpPr>
+        <p:spPr>
+          <a:xfrm>
+            <a:off x="838200" y="1825625"/>
+            <a:ext cx="10515600" cy="4351338"/>
+          </a:xfrm>
+          <a:prstGeom prst="rect">
+            <a:avLst/>
+          </a:prstGeom>
+        </p:spPr>
+        <p:txBody>
+          <a:bodyPr/>
+          <a:lstStyle/>
+          <a:p>
+            <a:pPr lvl="0"/>
+            <a:r>
+              <a:rPr lang="en-US"/>
+              <a:t>Click to edit Master text styles</a:t>
+            </a:r>
+          </a:p>
+          <a:p>
+            <a:pPr lvl="1"/>
+            <a:r>
+              <a:rPr lang="en-US"/>
+              <a:t>Second level</a:t>
+            </a:r>
+          </a:p>
+          <a:p>
+            <a:pPr lvl="2"/>
+            <a:r>
+              <a:rPr lang="en-US"/>
+              <a:t>Third level</a:t>
+            </a:r>
+          </a:p>
+          <a:p>
+            <a:pPr lvl="3"/>
+            <a:r>
+              <a:rPr lang="en-US"/>
+              <a:t>Fourth level</a:t>
+            </a:r>
+          </a:p>
+          <a:p>
+            <a:pPr lvl="4"/>
+            <a:r>
+              <a:rPr lang="en-US"/>
+              <a:t>Fifth level</a:t>
+            </a:r>
+          </a:p>
+        </p:txBody>
+      </p:sp>
+      <p:sp>
+        <p:nvSpPr>
+          <p:cNvPr id="4" name="Date Placeholder 3">
+            <a:extLst>
+              <a:ext uri="{FF2B5EF4-FFF2-40B4-BE49-F238E27FC236}">
+                <a16:creationId xmlns:a16="http://schemas.microsoft.com/office/drawing/2014/main" id="{842C8B1E-C3ED-E965-6FAA-88F06D3EB592}"/>
+              </a:ext>
+            </a:extLst>
+          </p:cNvPr>
+          <p:cNvSpPr>
+            <a:spLocks noGrp="1"/>
+          </p:cNvSpPr>
+          <p:nvPr>
+            <p:ph type="dt" sz="half" idx="10"/>
+          </p:nvPr>
+        </p:nvSpPr>
+        <p:spPr>
+          <a:xfrm>
+            <a:off x="838200" y="6356350"/>
+            <a:ext cx="2743200" cy="365125"/>
+          </a:xfrm>
+          <a:prstGeom prst="rect">
+            <a:avLst/>
+          </a:prstGeom>
+        </p:spPr>
+        <p:txBody>
+          <a:bodyPr/>
+          <a:lstStyle/>
+          <a:p>
+            <a:fld id="{0C6C1A25-4366-4F4A-8222-0600C7D6B40D}" type="datetimeFigureOut">
+              <a:rPr lang="en-US" smtClean="0"/>
+              <a:t>7/21/2025</a:t>
+            </a:fld>
+            <a:endParaRPr lang="en-US"/>
+          </a:p>
+        </p:txBody>
+      </p:sp>
+      <p:sp>
+        <p:nvSpPr>
+          <p:cNvPr id="5" name="Footer Placeholder 4">
+            <a:extLst>
+              <a:ext uri="{FF2B5EF4-FFF2-40B4-BE49-F238E27FC236}">
+                <a16:creationId xmlns:a16="http://schemas.microsoft.com/office/drawing/2014/main" id="{3D896156-08E8-94AD-982A-5A65A6AB5C96}"/>
+              </a:ext>
+            </a:extLst>
+          </p:cNvPr>
+          <p:cNvSpPr>
+            <a:spLocks noGrp="1"/>
+          </p:cNvSpPr>
+          <p:nvPr>
+            <p:ph type="ftr" sz="quarter" idx="11"/>
+          </p:nvPr>
+        </p:nvSpPr>
+        <p:spPr>
+          <a:xfrm>
+            <a:off x="4038600" y="6356350"/>
+            <a:ext cx="4114800" cy="365125"/>
+          </a:xfrm>
+          <a:prstGeom prst="rect">
+            <a:avLst/>
+          </a:prstGeom>
+        </p:spPr>
+        <p:txBody>
+          <a:bodyPr/>
+          <a:lstStyle/>
+          <a:p>
+            <a:endParaRPr lang="en-US"/>
+          </a:p>
+        </p:txBody>
+      </p:sp>
+      <p:sp>
+        <p:nvSpPr>
+          <p:cNvPr id="6" name="Slide Number Placeholder 5">
+            <a:extLst>
+              <a:ext uri="{FF2B5EF4-FFF2-40B4-BE49-F238E27FC236}">
+                <a16:creationId xmlns:a16="http://schemas.microsoft.com/office/drawing/2014/main" id="{1AE848D6-60D8-6070-4C22-F24D9382A738}"/>
+              </a:ext>
+            </a:extLst>
+          </p:cNvPr>
+          <p:cNvSpPr>
+            <a:spLocks noGrp="1"/>
+          </p:cNvSpPr>
+          <p:nvPr>
+            <p:ph type="sldNum" sz="quarter" idx="12"/>
+          </p:nvPr>
+        </p:nvSpPr>
+        <p:spPr>
+          <a:xfrm>
+            <a:off x="8610600" y="6356350"/>
+            <a:ext cx="2743200" cy="365125"/>
+          </a:xfrm>
+          <a:prstGeom prst="rect">
+            <a:avLst/>
+          </a:prstGeom>
+        </p:spPr>
+        <p:txBody>
+          <a:bodyPr/>
+          <a:lstStyle/>
+          <a:p>
+            <a:fld id="{94834FE6-5E49-41F4-BD3E-674FC4ACDD29}" type="slidenum">
+              <a:rPr lang="en-US" smtClean="0"/>
+              <a:t>‹#›</a:t>
+            </a:fld>
+            <a:endParaRPr lang="en-US"/>
+          </a:p>
+        </p:txBody>
+      </p:sp>
+    </p:spTree>
+    <p:extLst>
+      <p:ext uri="{BB962C8B-B14F-4D97-AF65-F5344CB8AC3E}">
+        <p14:creationId xmlns:p14="http://schemas.microsoft.com/office/powerpoint/2010/main" val="1502564250"/>
+      </p:ext>
+    </p:extLst>
+  </p:cSld>
+  <p:clrMapOvr>
+    <a:masterClrMapping/>
+  </p:clrMapOvr>
+</p:sldLayout>
+</file>
+
+<file path=ppt/slideLayouts/slideLayout14.xml><?xml version="1.0" encoding="utf-8"?>
+<p:sldLayout xmlns:a="http://schemas.openxmlformats.org/drawingml/2006/main" xmlns:r="http://schemas.openxmlformats.org/officeDocument/2006/relationships" xmlns:p="http://schemas.openxmlformats.org/presentationml/2006/main" type="secHead" preserve="1">
+  <p:cSld name="Section Header">
+    <p:spTree>
+      <p:nvGrpSpPr>
+        <p:cNvPr id="1" name=""/>
+        <p:cNvGrpSpPr/>
+        <p:nvPr/>
+      </p:nvGrpSpPr>
+      <p:grpSpPr>
+        <a:xfrm>
+          <a:off x="0" y="0"/>
+          <a:ext cx="0" cy="0"/>
+          <a:chOff x="0" y="0"/>
+          <a:chExt cx="0" cy="0"/>
+        </a:xfrm>
+      </p:grpSpPr>
+      <p:sp>
+        <p:nvSpPr>
+          <p:cNvPr id="2" name="Title 1">
+            <a:extLst>
+              <a:ext uri="{FF2B5EF4-FFF2-40B4-BE49-F238E27FC236}">
+                <a16:creationId xmlns:a16="http://schemas.microsoft.com/office/drawing/2014/main" id="{26E3047C-69C3-3E7D-4BCC-C69F4F17F671}"/>
+              </a:ext>
+            </a:extLst>
+          </p:cNvPr>
+          <p:cNvSpPr>
+            <a:spLocks noGrp="1"/>
+          </p:cNvSpPr>
+          <p:nvPr>
+            <p:ph type="title"/>
+          </p:nvPr>
+        </p:nvSpPr>
+        <p:spPr>
+          <a:xfrm>
+            <a:off x="831850" y="1709738"/>
+            <a:ext cx="10515600" cy="2852737"/>
+          </a:xfrm>
+          <a:prstGeom prst="rect">
+            <a:avLst/>
+          </a:prstGeom>
+        </p:spPr>
+        <p:txBody>
+          <a:bodyPr anchor="b"/>
+          <a:lstStyle>
+            <a:lvl1pPr>
+              <a:defRPr sz="6000"/>
+            </a:lvl1pPr>
+          </a:lstStyle>
+          <a:p>
+            <a:r>
+              <a:rPr lang="en-US"/>
+              <a:t>Click to edit Master title style</a:t>
+            </a:r>
+          </a:p>
+        </p:txBody>
+      </p:sp>
+      <p:sp>
+        <p:nvSpPr>
+          <p:cNvPr id="3" name="Text Placeholder 2">
+            <a:extLst>
+              <a:ext uri="{FF2B5EF4-FFF2-40B4-BE49-F238E27FC236}">
+                <a16:creationId xmlns:a16="http://schemas.microsoft.com/office/drawing/2014/main" id="{62BA9A9B-ACE3-E111-2738-A5038B7D676A}"/>
+              </a:ext>
+            </a:extLst>
+          </p:cNvPr>
+          <p:cNvSpPr>
+            <a:spLocks noGrp="1"/>
+          </p:cNvSpPr>
+          <p:nvPr>
+            <p:ph type="body" idx="1"/>
+          </p:nvPr>
+        </p:nvSpPr>
+        <p:spPr>
+          <a:xfrm>
+            <a:off x="831850" y="4589463"/>
+            <a:ext cx="10515600" cy="1500187"/>
+          </a:xfrm>
+          <a:prstGeom prst="rect">
+            <a:avLst/>
+          </a:prstGeom>
+        </p:spPr>
+        <p:txBody>
+          <a:bodyPr/>
+          <a:lstStyle>
+            <a:lvl1pPr marL="0" indent="0">
+              <a:buNone/>
+              <a:defRPr sz="2400">
+                <a:solidFill>
+                  <a:schemeClr val="tx1">
+                    <a:tint val="82000"/>
+                  </a:schemeClr>
+                </a:solidFill>
+              </a:defRPr>
+            </a:lvl1pPr>
+            <a:lvl2pPr marL="457200" indent="0">
+              <a:buNone/>
+              <a:defRPr sz="2000">
+                <a:solidFill>
+                  <a:schemeClr val="tx1">
+                    <a:tint val="82000"/>
+                  </a:schemeClr>
+                </a:solidFill>
+              </a:defRPr>
+            </a:lvl2pPr>
+            <a:lvl3pPr marL="914400" indent="0">
+              <a:buNone/>
+              <a:defRPr sz="1800">
+                <a:solidFill>
+                  <a:schemeClr val="tx1">
+                    <a:tint val="82000"/>
+                  </a:schemeClr>
+                </a:solidFill>
+              </a:defRPr>
+            </a:lvl3pPr>
+            <a:lvl4pPr marL="1371600" indent="0">
+              <a:buNone/>
+              <a:defRPr sz="1600">
+                <a:solidFill>
+                  <a:schemeClr val="tx1">
+                    <a:tint val="82000"/>
+                  </a:schemeClr>
+                </a:solidFill>
+              </a:defRPr>
+            </a:lvl4pPr>
+            <a:lvl5pPr marL="1828800" indent="0">
+              <a:buNone/>
+              <a:defRPr sz="1600">
+                <a:solidFill>
+                  <a:schemeClr val="tx1">
+                    <a:tint val="82000"/>
+                  </a:schemeClr>
+                </a:solidFill>
+              </a:defRPr>
+            </a:lvl5pPr>
+            <a:lvl6pPr marL="2286000" indent="0">
+              <a:buNone/>
+              <a:defRPr sz="1600">
+                <a:solidFill>
+                  <a:schemeClr val="tx1">
+                    <a:tint val="82000"/>
+                  </a:schemeClr>
+                </a:solidFill>
+              </a:defRPr>
+            </a:lvl6pPr>
+            <a:lvl7pPr marL="2743200" indent="0">
+              <a:buNone/>
+              <a:defRPr sz="1600">
+                <a:solidFill>
+                  <a:schemeClr val="tx1">
+                    <a:tint val="82000"/>
+                  </a:schemeClr>
+                </a:solidFill>
+              </a:defRPr>
+            </a:lvl7pPr>
+            <a:lvl8pPr marL="3200400" indent="0">
+              <a:buNone/>
+              <a:defRPr sz="1600">
+                <a:solidFill>
+                  <a:schemeClr val="tx1">
+                    <a:tint val="82000"/>
+                  </a:schemeClr>
+                </a:solidFill>
+              </a:defRPr>
+            </a:lvl8pPr>
+            <a:lvl9pPr marL="3657600" indent="0">
+              <a:buNone/>
+              <a:defRPr sz="1600">
+                <a:solidFill>
+                  <a:schemeClr val="tx1">
+                    <a:tint val="82000"/>
+                  </a:schemeClr>
+                </a:solidFill>
+              </a:defRPr>
+            </a:lvl9pPr>
+          </a:lstStyle>
+          <a:p>
+            <a:pPr lvl="0"/>
+            <a:r>
+              <a:rPr lang="en-US"/>
+              <a:t>Click to edit Master text styles</a:t>
+            </a:r>
+          </a:p>
+        </p:txBody>
+      </p:sp>
+      <p:sp>
+        <p:nvSpPr>
+          <p:cNvPr id="4" name="Date Placeholder 3">
+            <a:extLst>
+              <a:ext uri="{FF2B5EF4-FFF2-40B4-BE49-F238E27FC236}">
+                <a16:creationId xmlns:a16="http://schemas.microsoft.com/office/drawing/2014/main" id="{3EEB7BF4-97A5-A98A-3A0B-F23238EFCD2F}"/>
+              </a:ext>
+            </a:extLst>
+          </p:cNvPr>
+          <p:cNvSpPr>
+            <a:spLocks noGrp="1"/>
+          </p:cNvSpPr>
+          <p:nvPr>
+            <p:ph type="dt" sz="half" idx="10"/>
+          </p:nvPr>
+        </p:nvSpPr>
+        <p:spPr>
+          <a:xfrm>
+            <a:off x="838200" y="6356350"/>
+            <a:ext cx="2743200" cy="365125"/>
+          </a:xfrm>
+          <a:prstGeom prst="rect">
+            <a:avLst/>
+          </a:prstGeom>
+        </p:spPr>
+        <p:txBody>
+          <a:bodyPr/>
+          <a:lstStyle/>
+          <a:p>
+            <a:fld id="{0C6C1A25-4366-4F4A-8222-0600C7D6B40D}" type="datetimeFigureOut">
+              <a:rPr lang="en-US" smtClean="0"/>
+              <a:t>7/21/2025</a:t>
+            </a:fld>
+            <a:endParaRPr lang="en-US"/>
+          </a:p>
+        </p:txBody>
+      </p:sp>
+      <p:sp>
+        <p:nvSpPr>
+          <p:cNvPr id="5" name="Footer Placeholder 4">
+            <a:extLst>
+              <a:ext uri="{FF2B5EF4-FFF2-40B4-BE49-F238E27FC236}">
+                <a16:creationId xmlns:a16="http://schemas.microsoft.com/office/drawing/2014/main" id="{35AC4C6C-FB5A-B120-47E2-519E63FC06C0}"/>
+              </a:ext>
+            </a:extLst>
+          </p:cNvPr>
+          <p:cNvSpPr>
+            <a:spLocks noGrp="1"/>
+          </p:cNvSpPr>
+          <p:nvPr>
+            <p:ph type="ftr" sz="quarter" idx="11"/>
+          </p:nvPr>
+        </p:nvSpPr>
+        <p:spPr>
+          <a:xfrm>
+            <a:off x="4038600" y="6356350"/>
+            <a:ext cx="4114800" cy="365125"/>
+          </a:xfrm>
+          <a:prstGeom prst="rect">
+            <a:avLst/>
+          </a:prstGeom>
+        </p:spPr>
+        <p:txBody>
+          <a:bodyPr/>
+          <a:lstStyle/>
+          <a:p>
+            <a:endParaRPr lang="en-US"/>
+          </a:p>
+        </p:txBody>
+      </p:sp>
+      <p:sp>
+        <p:nvSpPr>
+          <p:cNvPr id="6" name="Slide Number Placeholder 5">
+            <a:extLst>
+              <a:ext uri="{FF2B5EF4-FFF2-40B4-BE49-F238E27FC236}">
+                <a16:creationId xmlns:a16="http://schemas.microsoft.com/office/drawing/2014/main" id="{32769ED1-EF32-C2ED-8A3E-7D6AC3C53F8C}"/>
+              </a:ext>
+            </a:extLst>
+          </p:cNvPr>
+          <p:cNvSpPr>
+            <a:spLocks noGrp="1"/>
+          </p:cNvSpPr>
+          <p:nvPr>
+            <p:ph type="sldNum" sz="quarter" idx="12"/>
+          </p:nvPr>
+        </p:nvSpPr>
+        <p:spPr>
+          <a:xfrm>
+            <a:off x="8610600" y="6356350"/>
+            <a:ext cx="2743200" cy="365125"/>
+          </a:xfrm>
+          <a:prstGeom prst="rect">
+            <a:avLst/>
+          </a:prstGeom>
+        </p:spPr>
+        <p:txBody>
+          <a:bodyPr/>
+          <a:lstStyle/>
+          <a:p>
+            <a:fld id="{94834FE6-5E49-41F4-BD3E-674FC4ACDD29}" type="slidenum">
+              <a:rPr lang="en-US" smtClean="0"/>
+              <a:t>‹#›</a:t>
+            </a:fld>
+            <a:endParaRPr lang="en-US"/>
+          </a:p>
+        </p:txBody>
+      </p:sp>
+    </p:spTree>
+    <p:extLst>
+      <p:ext uri="{BB962C8B-B14F-4D97-AF65-F5344CB8AC3E}">
+        <p14:creationId xmlns:p14="http://schemas.microsoft.com/office/powerpoint/2010/main" val="524872847"/>
+      </p:ext>
+    </p:extLst>
+  </p:cSld>
+  <p:clrMapOvr>
+    <a:masterClrMapping/>
+  </p:clrMapOvr>
+</p:sldLayout>
+</file>
+
+<file path=ppt/slideLayouts/slideLayout15.xml><?xml version="1.0" encoding="utf-8"?>
+<p:sldLayout xmlns:a="http://schemas.openxmlformats.org/drawingml/2006/main" xmlns:r="http://schemas.openxmlformats.org/officeDocument/2006/relationships" xmlns:p="http://schemas.openxmlformats.org/presentationml/2006/main" type="twoObj" preserve="1">
+  <p:cSld name="Two Content">
+    <p:spTree>
+      <p:nvGrpSpPr>
+        <p:cNvPr id="1" name=""/>
+        <p:cNvGrpSpPr/>
+        <p:nvPr/>
+      </p:nvGrpSpPr>
+      <p:grpSpPr>
+        <a:xfrm>
+          <a:off x="0" y="0"/>
+          <a:ext cx="0" cy="0"/>
+          <a:chOff x="0" y="0"/>
+          <a:chExt cx="0" cy="0"/>
+        </a:xfrm>
+      </p:grpSpPr>
+      <p:sp>
+        <p:nvSpPr>
+          <p:cNvPr id="2" name="Title 1">
+            <a:extLst>
+              <a:ext uri="{FF2B5EF4-FFF2-40B4-BE49-F238E27FC236}">
+                <a16:creationId xmlns:a16="http://schemas.microsoft.com/office/drawing/2014/main" id="{90BDAC78-C7BA-9920-99CA-766C0D5BE6C3}"/>
+              </a:ext>
+            </a:extLst>
+          </p:cNvPr>
+          <p:cNvSpPr>
+            <a:spLocks noGrp="1"/>
+          </p:cNvSpPr>
+          <p:nvPr>
+            <p:ph type="title"/>
+          </p:nvPr>
+        </p:nvSpPr>
+        <p:spPr>
+          <a:xfrm>
+            <a:off x="838200" y="365125"/>
+            <a:ext cx="10515600" cy="1325563"/>
+          </a:xfrm>
+          <a:prstGeom prst="rect">
+            <a:avLst/>
+          </a:prstGeom>
+        </p:spPr>
+        <p:txBody>
+          <a:bodyPr/>
+          <a:lstStyle/>
+          <a:p>
+            <a:r>
+              <a:rPr lang="en-US"/>
+              <a:t>Click to edit Master title style</a:t>
+            </a:r>
+          </a:p>
+        </p:txBody>
+      </p:sp>
+      <p:sp>
+        <p:nvSpPr>
+          <p:cNvPr id="3" name="Content Placeholder 2">
+            <a:extLst>
+              <a:ext uri="{FF2B5EF4-FFF2-40B4-BE49-F238E27FC236}">
+                <a16:creationId xmlns:a16="http://schemas.microsoft.com/office/drawing/2014/main" id="{FF23CCC2-A0D5-673F-9124-4E754F44E599}"/>
+              </a:ext>
+            </a:extLst>
+          </p:cNvPr>
+          <p:cNvSpPr>
+            <a:spLocks noGrp="1"/>
+          </p:cNvSpPr>
+          <p:nvPr>
+            <p:ph sz="half" idx="1"/>
+          </p:nvPr>
+        </p:nvSpPr>
+        <p:spPr>
+          <a:xfrm>
+            <a:off x="838200" y="1825625"/>
+            <a:ext cx="5181600" cy="4351338"/>
+          </a:xfrm>
+          <a:prstGeom prst="rect">
+            <a:avLst/>
+          </a:prstGeom>
+        </p:spPr>
+        <p:txBody>
+          <a:bodyPr/>
+          <a:lstStyle/>
+          <a:p>
+            <a:pPr lvl="0"/>
+            <a:r>
+              <a:rPr lang="en-US"/>
+              <a:t>Click to edit Master text styles</a:t>
+            </a:r>
+          </a:p>
+          <a:p>
+            <a:pPr lvl="1"/>
+            <a:r>
+              <a:rPr lang="en-US"/>
+              <a:t>Second level</a:t>
+            </a:r>
+          </a:p>
+          <a:p>
+            <a:pPr lvl="2"/>
+            <a:r>
+              <a:rPr lang="en-US"/>
+              <a:t>Third level</a:t>
+            </a:r>
+          </a:p>
+          <a:p>
+            <a:pPr lvl="3"/>
+            <a:r>
+              <a:rPr lang="en-US"/>
+              <a:t>Fourth level</a:t>
+            </a:r>
+          </a:p>
+          <a:p>
+            <a:pPr lvl="4"/>
+            <a:r>
+              <a:rPr lang="en-US"/>
+              <a:t>Fifth level</a:t>
+            </a:r>
+          </a:p>
+        </p:txBody>
+      </p:sp>
+      <p:sp>
+        <p:nvSpPr>
+          <p:cNvPr id="4" name="Content Placeholder 3">
+            <a:extLst>
+              <a:ext uri="{FF2B5EF4-FFF2-40B4-BE49-F238E27FC236}">
+                <a16:creationId xmlns:a16="http://schemas.microsoft.com/office/drawing/2014/main" id="{00AEFD5B-4A5B-8C59-B998-CAD59E8193BE}"/>
+              </a:ext>
+            </a:extLst>
+          </p:cNvPr>
+          <p:cNvSpPr>
+            <a:spLocks noGrp="1"/>
+          </p:cNvSpPr>
+          <p:nvPr>
+            <p:ph sz="half" idx="2"/>
+          </p:nvPr>
+        </p:nvSpPr>
+        <p:spPr>
+          <a:xfrm>
+            <a:off x="6172200" y="1825625"/>
+            <a:ext cx="5181600" cy="4351338"/>
+          </a:xfrm>
+          <a:prstGeom prst="rect">
+            <a:avLst/>
+          </a:prstGeom>
+        </p:spPr>
+        <p:txBody>
+          <a:bodyPr/>
+          <a:lstStyle/>
+          <a:p>
+            <a:pPr lvl="0"/>
+            <a:r>
+              <a:rPr lang="en-US"/>
+              <a:t>Click to edit Master text styles</a:t>
+            </a:r>
+          </a:p>
+          <a:p>
+            <a:pPr lvl="1"/>
+            <a:r>
+              <a:rPr lang="en-US"/>
+              <a:t>Second level</a:t>
+            </a:r>
+          </a:p>
+          <a:p>
+            <a:pPr lvl="2"/>
+            <a:r>
+              <a:rPr lang="en-US"/>
+              <a:t>Third level</a:t>
+            </a:r>
+          </a:p>
+          <a:p>
+            <a:pPr lvl="3"/>
+            <a:r>
+              <a:rPr lang="en-US"/>
+              <a:t>Fourth level</a:t>
+            </a:r>
+          </a:p>
+          <a:p>
+            <a:pPr lvl="4"/>
+            <a:r>
+              <a:rPr lang="en-US"/>
+              <a:t>Fifth level</a:t>
+            </a:r>
+          </a:p>
+        </p:txBody>
+      </p:sp>
+      <p:sp>
+        <p:nvSpPr>
+          <p:cNvPr id="5" name="Date Placeholder 4">
+            <a:extLst>
+              <a:ext uri="{FF2B5EF4-FFF2-40B4-BE49-F238E27FC236}">
+                <a16:creationId xmlns:a16="http://schemas.microsoft.com/office/drawing/2014/main" id="{5EE2F7BA-C0A5-99FB-302C-AC32F5B91AD9}"/>
+              </a:ext>
+            </a:extLst>
+          </p:cNvPr>
+          <p:cNvSpPr>
+            <a:spLocks noGrp="1"/>
+          </p:cNvSpPr>
+          <p:nvPr>
+            <p:ph type="dt" sz="half" idx="10"/>
+          </p:nvPr>
+        </p:nvSpPr>
+        <p:spPr>
+          <a:xfrm>
+            <a:off x="838200" y="6356350"/>
+            <a:ext cx="2743200" cy="365125"/>
+          </a:xfrm>
+          <a:prstGeom prst="rect">
+            <a:avLst/>
+          </a:prstGeom>
+        </p:spPr>
+        <p:txBody>
+          <a:bodyPr/>
+          <a:lstStyle/>
+          <a:p>
+            <a:fld id="{0C6C1A25-4366-4F4A-8222-0600C7D6B40D}" type="datetimeFigureOut">
+              <a:rPr lang="en-US" smtClean="0"/>
+              <a:t>7/21/2025</a:t>
+            </a:fld>
+            <a:endParaRPr lang="en-US"/>
+          </a:p>
+        </p:txBody>
+      </p:sp>
+      <p:sp>
+        <p:nvSpPr>
+          <p:cNvPr id="6" name="Footer Placeholder 5">
+            <a:extLst>
+              <a:ext uri="{FF2B5EF4-FFF2-40B4-BE49-F238E27FC236}">
+                <a16:creationId xmlns:a16="http://schemas.microsoft.com/office/drawing/2014/main" id="{1711FB6D-D8D1-9A3D-73B8-8D90E40AEA67}"/>
+              </a:ext>
+            </a:extLst>
+          </p:cNvPr>
+          <p:cNvSpPr>
+            <a:spLocks noGrp="1"/>
+          </p:cNvSpPr>
+          <p:nvPr>
+            <p:ph type="ftr" sz="quarter" idx="11"/>
+          </p:nvPr>
+        </p:nvSpPr>
+        <p:spPr>
+          <a:xfrm>
+            <a:off x="4038600" y="6356350"/>
+            <a:ext cx="4114800" cy="365125"/>
+          </a:xfrm>
+          <a:prstGeom prst="rect">
+            <a:avLst/>
+          </a:prstGeom>
+        </p:spPr>
+        <p:txBody>
+          <a:bodyPr/>
+          <a:lstStyle/>
+          <a:p>
+            <a:endParaRPr lang="en-US"/>
+          </a:p>
+        </p:txBody>
+      </p:sp>
+      <p:sp>
+        <p:nvSpPr>
+          <p:cNvPr id="7" name="Slide Number Placeholder 6">
+            <a:extLst>
+              <a:ext uri="{FF2B5EF4-FFF2-40B4-BE49-F238E27FC236}">
+                <a16:creationId xmlns:a16="http://schemas.microsoft.com/office/drawing/2014/main" id="{2ABF39EE-A717-DF87-3B99-92C9834B1541}"/>
+              </a:ext>
+            </a:extLst>
+          </p:cNvPr>
+          <p:cNvSpPr>
+            <a:spLocks noGrp="1"/>
+          </p:cNvSpPr>
+          <p:nvPr>
+            <p:ph type="sldNum" sz="quarter" idx="12"/>
+          </p:nvPr>
+        </p:nvSpPr>
+        <p:spPr>
+          <a:xfrm>
+            <a:off x="8610600" y="6356350"/>
+            <a:ext cx="2743200" cy="365125"/>
+          </a:xfrm>
+          <a:prstGeom prst="rect">
+            <a:avLst/>
+          </a:prstGeom>
+        </p:spPr>
+        <p:txBody>
+          <a:bodyPr/>
+          <a:lstStyle/>
+          <a:p>
+            <a:fld id="{94834FE6-5E49-41F4-BD3E-674FC4ACDD29}" type="slidenum">
+              <a:rPr lang="en-US" smtClean="0"/>
+              <a:t>‹#›</a:t>
+            </a:fld>
+            <a:endParaRPr lang="en-US"/>
+          </a:p>
+        </p:txBody>
+      </p:sp>
+    </p:spTree>
+    <p:extLst>
+      <p:ext uri="{BB962C8B-B14F-4D97-AF65-F5344CB8AC3E}">
+        <p14:creationId xmlns:p14="http://schemas.microsoft.com/office/powerpoint/2010/main" val="1816562462"/>
+      </p:ext>
+    </p:extLst>
+  </p:cSld>
+  <p:clrMapOvr>
+    <a:masterClrMapping/>
+  </p:clrMapOvr>
+</p:sldLayout>
+</file>
+
+<file path=ppt/slideLayouts/slideLayout16.xml><?xml version="1.0" encoding="utf-8"?>
+<p:sldLayout xmlns:a="http://schemas.openxmlformats.org/drawingml/2006/main" xmlns:r="http://schemas.openxmlformats.org/officeDocument/2006/relationships" xmlns:p="http://schemas.openxmlformats.org/presentationml/2006/main" type="twoTxTwoObj" preserve="1">
+  <p:cSld name="Comparison">
+    <p:spTree>
+      <p:nvGrpSpPr>
+        <p:cNvPr id="1" name=""/>
+        <p:cNvGrpSpPr/>
+        <p:nvPr/>
+      </p:nvGrpSpPr>
+      <p:grpSpPr>
+        <a:xfrm>
+          <a:off x="0" y="0"/>
+          <a:ext cx="0" cy="0"/>
+          <a:chOff x="0" y="0"/>
+          <a:chExt cx="0" cy="0"/>
+        </a:xfrm>
+      </p:grpSpPr>
+      <p:sp>
+        <p:nvSpPr>
+          <p:cNvPr id="2" name="Title 1">
+            <a:extLst>
+              <a:ext uri="{FF2B5EF4-FFF2-40B4-BE49-F238E27FC236}">
+                <a16:creationId xmlns:a16="http://schemas.microsoft.com/office/drawing/2014/main" id="{0DC5C6FC-75AA-88F2-26CF-4C1AABA25BA4}"/>
+              </a:ext>
+            </a:extLst>
+          </p:cNvPr>
+          <p:cNvSpPr>
+            <a:spLocks noGrp="1"/>
+          </p:cNvSpPr>
+          <p:nvPr>
+            <p:ph type="title"/>
+          </p:nvPr>
+        </p:nvSpPr>
+        <p:spPr>
+          <a:xfrm>
+            <a:off x="839788" y="365125"/>
+            <a:ext cx="10515600" cy="1325563"/>
+          </a:xfrm>
+          <a:prstGeom prst="rect">
+            <a:avLst/>
+          </a:prstGeom>
+        </p:spPr>
+        <p:txBody>
+          <a:bodyPr/>
+          <a:lstStyle/>
+          <a:p>
+            <a:r>
+              <a:rPr lang="en-US"/>
+              <a:t>Click to edit Master title style</a:t>
+            </a:r>
+          </a:p>
+        </p:txBody>
+      </p:sp>
+      <p:sp>
+        <p:nvSpPr>
+          <p:cNvPr id="3" name="Text Placeholder 2">
+            <a:extLst>
+              <a:ext uri="{FF2B5EF4-FFF2-40B4-BE49-F238E27FC236}">
+                <a16:creationId xmlns:a16="http://schemas.microsoft.com/office/drawing/2014/main" id="{F724FF03-DCCA-0BEA-5623-3C104C8DC707}"/>
+              </a:ext>
+            </a:extLst>
+          </p:cNvPr>
+          <p:cNvSpPr>
+            <a:spLocks noGrp="1"/>
+          </p:cNvSpPr>
+          <p:nvPr>
+            <p:ph type="body" idx="1"/>
+          </p:nvPr>
+        </p:nvSpPr>
+        <p:spPr>
+          <a:xfrm>
+            <a:off x="839788" y="1681163"/>
+            <a:ext cx="5157787" cy="823912"/>
+          </a:xfrm>
+          <a:prstGeom prst="rect">
+            <a:avLst/>
+          </a:prstGeom>
+        </p:spPr>
+        <p:txBody>
+          <a:bodyPr anchor="b"/>
+          <a:lstStyle>
+            <a:lvl1pPr marL="0" indent="0">
+              <a:buNone/>
+              <a:defRPr sz="2400" b="1"/>
+            </a:lvl1pPr>
+            <a:lvl2pPr marL="457200" indent="0">
+              <a:buNone/>
+              <a:defRPr sz="2000" b="1"/>
+            </a:lvl2pPr>
+            <a:lvl3pPr marL="914400" indent="0">
+              <a:buNone/>
+              <a:defRPr sz="1800" b="1"/>
+            </a:lvl3pPr>
+            <a:lvl4pPr marL="1371600" indent="0">
+              <a:buNone/>
+              <a:defRPr sz="1600" b="1"/>
+            </a:lvl4pPr>
+            <a:lvl5pPr marL="1828800" indent="0">
+              <a:buNone/>
+              <a:defRPr sz="1600" b="1"/>
+            </a:lvl5pPr>
+            <a:lvl6pPr marL="2286000" indent="0">
+              <a:buNone/>
+              <a:defRPr sz="1600" b="1"/>
+            </a:lvl6pPr>
+            <a:lvl7pPr marL="2743200" indent="0">
+              <a:buNone/>
+              <a:defRPr sz="1600" b="1"/>
+            </a:lvl7pPr>
+            <a:lvl8pPr marL="3200400" indent="0">
+              <a:buNone/>
+              <a:defRPr sz="1600" b="1"/>
+            </a:lvl8pPr>
+            <a:lvl9pPr marL="3657600" indent="0">
+              <a:buNone/>
+              <a:defRPr sz="1600" b="1"/>
+            </a:lvl9pPr>
+          </a:lstStyle>
+          <a:p>
+            <a:pPr lvl="0"/>
+            <a:r>
+              <a:rPr lang="en-US"/>
+              <a:t>Click to edit Master text styles</a:t>
+            </a:r>
+          </a:p>
+        </p:txBody>
+      </p:sp>
+      <p:sp>
+        <p:nvSpPr>
+          <p:cNvPr id="4" name="Content Placeholder 3">
+            <a:extLst>
+              <a:ext uri="{FF2B5EF4-FFF2-40B4-BE49-F238E27FC236}">
+                <a16:creationId xmlns:a16="http://schemas.microsoft.com/office/drawing/2014/main" id="{BD96C15B-3BDC-F89C-CBCC-AEB8CA30FB65}"/>
+              </a:ext>
+            </a:extLst>
+          </p:cNvPr>
+          <p:cNvSpPr>
+            <a:spLocks noGrp="1"/>
+          </p:cNvSpPr>
+          <p:nvPr>
+            <p:ph sz="half" idx="2"/>
+          </p:nvPr>
+        </p:nvSpPr>
+        <p:spPr>
+          <a:xfrm>
+            <a:off x="839788" y="2505075"/>
+            <a:ext cx="5157787" cy="3684588"/>
+          </a:xfrm>
+          <a:prstGeom prst="rect">
+            <a:avLst/>
+          </a:prstGeom>
+        </p:spPr>
+        <p:txBody>
+          <a:bodyPr/>
+          <a:lstStyle/>
+          <a:p>
+            <a:pPr lvl="0"/>
+            <a:r>
+              <a:rPr lang="en-US"/>
+              <a:t>Click to edit Master text styles</a:t>
+            </a:r>
+          </a:p>
+          <a:p>
+            <a:pPr lvl="1"/>
+            <a:r>
+              <a:rPr lang="en-US"/>
+              <a:t>Second level</a:t>
+            </a:r>
+          </a:p>
+          <a:p>
+            <a:pPr lvl="2"/>
+            <a:r>
+              <a:rPr lang="en-US"/>
+              <a:t>Third level</a:t>
+            </a:r>
+          </a:p>
+          <a:p>
+            <a:pPr lvl="3"/>
+            <a:r>
+              <a:rPr lang="en-US"/>
+              <a:t>Fourth level</a:t>
+            </a:r>
+          </a:p>
+          <a:p>
+            <a:pPr lvl="4"/>
+            <a:r>
+              <a:rPr lang="en-US"/>
+              <a:t>Fifth level</a:t>
+            </a:r>
+          </a:p>
+        </p:txBody>
+      </p:sp>
+      <p:sp>
+        <p:nvSpPr>
+          <p:cNvPr id="5" name="Text Placeholder 4">
+            <a:extLst>
+              <a:ext uri="{FF2B5EF4-FFF2-40B4-BE49-F238E27FC236}">
+                <a16:creationId xmlns:a16="http://schemas.microsoft.com/office/drawing/2014/main" id="{373E9E48-E4EB-1E45-F121-5E3DC92C90F4}"/>
+              </a:ext>
+            </a:extLst>
+          </p:cNvPr>
+          <p:cNvSpPr>
+            <a:spLocks noGrp="1"/>
+          </p:cNvSpPr>
+          <p:nvPr>
+            <p:ph type="body" sz="quarter" idx="3"/>
+          </p:nvPr>
+        </p:nvSpPr>
+        <p:spPr>
+          <a:xfrm>
+            <a:off x="6172200" y="1681163"/>
+            <a:ext cx="5183188" cy="823912"/>
+          </a:xfrm>
+          <a:prstGeom prst="rect">
+            <a:avLst/>
+          </a:prstGeom>
+        </p:spPr>
+        <p:txBody>
+          <a:bodyPr anchor="b"/>
+          <a:lstStyle>
+            <a:lvl1pPr marL="0" indent="0">
+              <a:buNone/>
+              <a:defRPr sz="2400" b="1"/>
+            </a:lvl1pPr>
+            <a:lvl2pPr marL="457200" indent="0">
+              <a:buNone/>
+              <a:defRPr sz="2000" b="1"/>
+            </a:lvl2pPr>
+            <a:lvl3pPr marL="914400" indent="0">
+              <a:buNone/>
+              <a:defRPr sz="1800" b="1"/>
+            </a:lvl3pPr>
+            <a:lvl4pPr marL="1371600" indent="0">
+              <a:buNone/>
+              <a:defRPr sz="1600" b="1"/>
+            </a:lvl4pPr>
+            <a:lvl5pPr marL="1828800" indent="0">
+              <a:buNone/>
+              <a:defRPr sz="1600" b="1"/>
+            </a:lvl5pPr>
+            <a:lvl6pPr marL="2286000" indent="0">
+              <a:buNone/>
+              <a:defRPr sz="1600" b="1"/>
+            </a:lvl6pPr>
+            <a:lvl7pPr marL="2743200" indent="0">
+              <a:buNone/>
+              <a:defRPr sz="1600" b="1"/>
+            </a:lvl7pPr>
+            <a:lvl8pPr marL="3200400" indent="0">
+              <a:buNone/>
+              <a:defRPr sz="1600" b="1"/>
+            </a:lvl8pPr>
+            <a:lvl9pPr marL="3657600" indent="0">
+              <a:buNone/>
+              <a:defRPr sz="1600" b="1"/>
+            </a:lvl9pPr>
+          </a:lstStyle>
+          <a:p>
+            <a:pPr lvl="0"/>
+            <a:r>
+              <a:rPr lang="en-US"/>
+              <a:t>Click to edit Master text styles</a:t>
+            </a:r>
+          </a:p>
+        </p:txBody>
+      </p:sp>
+      <p:sp>
+        <p:nvSpPr>
+          <p:cNvPr id="6" name="Content Placeholder 5">
+            <a:extLst>
+              <a:ext uri="{FF2B5EF4-FFF2-40B4-BE49-F238E27FC236}">
+                <a16:creationId xmlns:a16="http://schemas.microsoft.com/office/drawing/2014/main" id="{AE2901E4-6A68-125B-2B24-E186E22A2859}"/>
+              </a:ext>
+            </a:extLst>
+          </p:cNvPr>
+          <p:cNvSpPr>
+            <a:spLocks noGrp="1"/>
+          </p:cNvSpPr>
+          <p:nvPr>
+            <p:ph sz="quarter" idx="4"/>
+          </p:nvPr>
+        </p:nvSpPr>
+        <p:spPr>
+          <a:xfrm>
+            <a:off x="6172200" y="2505075"/>
+            <a:ext cx="5183188" cy="3684588"/>
+          </a:xfrm>
+          <a:prstGeom prst="rect">
+            <a:avLst/>
+          </a:prstGeom>
+        </p:spPr>
+        <p:txBody>
+          <a:bodyPr/>
+          <a:lstStyle/>
+          <a:p>
+            <a:pPr lvl="0"/>
+            <a:r>
+              <a:rPr lang="en-US"/>
+              <a:t>Click to edit Master text styles</a:t>
+            </a:r>
+          </a:p>
+          <a:p>
+            <a:pPr lvl="1"/>
+            <a:r>
+              <a:rPr lang="en-US"/>
+              <a:t>Second level</a:t>
+            </a:r>
+          </a:p>
+          <a:p>
+            <a:pPr lvl="2"/>
+            <a:r>
+              <a:rPr lang="en-US"/>
+              <a:t>Third level</a:t>
+            </a:r>
+          </a:p>
+          <a:p>
+            <a:pPr lvl="3"/>
+            <a:r>
+              <a:rPr lang="en-US"/>
+              <a:t>Fourth level</a:t>
+            </a:r>
+          </a:p>
+          <a:p>
+            <a:pPr lvl="4"/>
+            <a:r>
+              <a:rPr lang="en-US"/>
+              <a:t>Fifth level</a:t>
+            </a:r>
+          </a:p>
+        </p:txBody>
+      </p:sp>
+      <p:sp>
+        <p:nvSpPr>
+          <p:cNvPr id="7" name="Date Placeholder 6">
+            <a:extLst>
+              <a:ext uri="{FF2B5EF4-FFF2-40B4-BE49-F238E27FC236}">
+                <a16:creationId xmlns:a16="http://schemas.microsoft.com/office/drawing/2014/main" id="{3940806E-5C8A-BE9E-EF1E-CF4FC3135600}"/>
+              </a:ext>
+            </a:extLst>
+          </p:cNvPr>
+          <p:cNvSpPr>
+            <a:spLocks noGrp="1"/>
+          </p:cNvSpPr>
+          <p:nvPr>
+            <p:ph type="dt" sz="half" idx="10"/>
+          </p:nvPr>
+        </p:nvSpPr>
+        <p:spPr>
+          <a:xfrm>
+            <a:off x="838200" y="6356350"/>
+            <a:ext cx="2743200" cy="365125"/>
+          </a:xfrm>
+          <a:prstGeom prst="rect">
+            <a:avLst/>
+          </a:prstGeom>
+        </p:spPr>
+        <p:txBody>
+          <a:bodyPr/>
+          <a:lstStyle/>
+          <a:p>
+            <a:fld id="{0C6C1A25-4366-4F4A-8222-0600C7D6B40D}" type="datetimeFigureOut">
+              <a:rPr lang="en-US" smtClean="0"/>
+              <a:t>7/21/2025</a:t>
+            </a:fld>
+            <a:endParaRPr lang="en-US"/>
+          </a:p>
+        </p:txBody>
+      </p:sp>
+      <p:sp>
+        <p:nvSpPr>
+          <p:cNvPr id="8" name="Footer Placeholder 7">
+            <a:extLst>
+              <a:ext uri="{FF2B5EF4-FFF2-40B4-BE49-F238E27FC236}">
+                <a16:creationId xmlns:a16="http://schemas.microsoft.com/office/drawing/2014/main" id="{B145E719-D081-43FE-37F1-294F532D3865}"/>
+              </a:ext>
+            </a:extLst>
+          </p:cNvPr>
+          <p:cNvSpPr>
+            <a:spLocks noGrp="1"/>
+          </p:cNvSpPr>
+          <p:nvPr>
+            <p:ph type="ftr" sz="quarter" idx="11"/>
+          </p:nvPr>
+        </p:nvSpPr>
+        <p:spPr>
+          <a:xfrm>
+            <a:off x="4038600" y="6356350"/>
+            <a:ext cx="4114800" cy="365125"/>
+          </a:xfrm>
+          <a:prstGeom prst="rect">
+            <a:avLst/>
+          </a:prstGeom>
+        </p:spPr>
+        <p:txBody>
+          <a:bodyPr/>
+          <a:lstStyle/>
+          <a:p>
+            <a:endParaRPr lang="en-US"/>
+          </a:p>
+        </p:txBody>
+      </p:sp>
+      <p:sp>
+        <p:nvSpPr>
+          <p:cNvPr id="9" name="Slide Number Placeholder 8">
+            <a:extLst>
+              <a:ext uri="{FF2B5EF4-FFF2-40B4-BE49-F238E27FC236}">
+                <a16:creationId xmlns:a16="http://schemas.microsoft.com/office/drawing/2014/main" id="{BB4CC47B-56C5-1899-975E-9BCD798D9B9C}"/>
+              </a:ext>
+            </a:extLst>
+          </p:cNvPr>
+          <p:cNvSpPr>
+            <a:spLocks noGrp="1"/>
+          </p:cNvSpPr>
+          <p:nvPr>
+            <p:ph type="sldNum" sz="quarter" idx="12"/>
+          </p:nvPr>
+        </p:nvSpPr>
+        <p:spPr>
+          <a:xfrm>
+            <a:off x="8610600" y="6356350"/>
+            <a:ext cx="2743200" cy="365125"/>
+          </a:xfrm>
+          <a:prstGeom prst="rect">
+            <a:avLst/>
+          </a:prstGeom>
+        </p:spPr>
+        <p:txBody>
+          <a:bodyPr/>
+          <a:lstStyle/>
+          <a:p>
+            <a:fld id="{94834FE6-5E49-41F4-BD3E-674FC4ACDD29}" type="slidenum">
+              <a:rPr lang="en-US" smtClean="0"/>
+              <a:t>‹#›</a:t>
+            </a:fld>
+            <a:endParaRPr lang="en-US"/>
+          </a:p>
+        </p:txBody>
+      </p:sp>
+    </p:spTree>
+    <p:extLst>
+      <p:ext uri="{BB962C8B-B14F-4D97-AF65-F5344CB8AC3E}">
+        <p14:creationId xmlns:p14="http://schemas.microsoft.com/office/powerpoint/2010/main" val="13323979"/>
+      </p:ext>
+    </p:extLst>
+  </p:cSld>
+  <p:clrMapOvr>
+    <a:masterClrMapping/>
+  </p:clrMapOvr>
+</p:sldLayout>
+</file>
+
+<file path=ppt/slideLayouts/slideLayout17.xml><?xml version="1.0" encoding="utf-8"?>
+<p:sldLayout xmlns:a="http://schemas.openxmlformats.org/drawingml/2006/main" xmlns:r="http://schemas.openxmlformats.org/officeDocument/2006/relationships" xmlns:p="http://schemas.openxmlformats.org/presentationml/2006/main" type="titleOnly" preserve="1">
+  <p:cSld name="Title Only">
+    <p:spTree>
+      <p:nvGrpSpPr>
+        <p:cNvPr id="1" name=""/>
+        <p:cNvGrpSpPr/>
+        <p:nvPr/>
+      </p:nvGrpSpPr>
+      <p:grpSpPr>
+        <a:xfrm>
+          <a:off x="0" y="0"/>
+          <a:ext cx="0" cy="0"/>
+          <a:chOff x="0" y="0"/>
+          <a:chExt cx="0" cy="0"/>
+        </a:xfrm>
+      </p:grpSpPr>
+      <p:sp>
+        <p:nvSpPr>
+          <p:cNvPr id="2" name="Title 1">
+            <a:extLst>
+              <a:ext uri="{FF2B5EF4-FFF2-40B4-BE49-F238E27FC236}">
+                <a16:creationId xmlns:a16="http://schemas.microsoft.com/office/drawing/2014/main" id="{04E4A0F2-731F-1552-A383-2FB809A0AA94}"/>
+              </a:ext>
+            </a:extLst>
+          </p:cNvPr>
+          <p:cNvSpPr>
+            <a:spLocks noGrp="1"/>
+          </p:cNvSpPr>
+          <p:nvPr>
+            <p:ph type="title"/>
+          </p:nvPr>
+        </p:nvSpPr>
+        <p:spPr>
+          <a:xfrm>
+            <a:off x="838200" y="365125"/>
+            <a:ext cx="10515600" cy="1325563"/>
+          </a:xfrm>
+          <a:prstGeom prst="rect">
+            <a:avLst/>
+          </a:prstGeom>
+        </p:spPr>
+        <p:txBody>
+          <a:bodyPr/>
+          <a:lstStyle/>
+          <a:p>
+            <a:r>
+              <a:rPr lang="en-US"/>
+              <a:t>Click to edit Master title style</a:t>
+            </a:r>
+          </a:p>
+        </p:txBody>
+      </p:sp>
+      <p:sp>
+        <p:nvSpPr>
+          <p:cNvPr id="3" name="Date Placeholder 2">
+            <a:extLst>
+              <a:ext uri="{FF2B5EF4-FFF2-40B4-BE49-F238E27FC236}">
+                <a16:creationId xmlns:a16="http://schemas.microsoft.com/office/drawing/2014/main" id="{06DE0A37-9F73-72F2-8CCE-C253DF79723E}"/>
+              </a:ext>
+            </a:extLst>
+          </p:cNvPr>
+          <p:cNvSpPr>
+            <a:spLocks noGrp="1"/>
+          </p:cNvSpPr>
+          <p:nvPr>
+            <p:ph type="dt" sz="half" idx="10"/>
+          </p:nvPr>
+        </p:nvSpPr>
+        <p:spPr>
+          <a:xfrm>
+            <a:off x="838200" y="6356350"/>
+            <a:ext cx="2743200" cy="365125"/>
+          </a:xfrm>
+          <a:prstGeom prst="rect">
+            <a:avLst/>
+          </a:prstGeom>
+        </p:spPr>
+        <p:txBody>
+          <a:bodyPr/>
+          <a:lstStyle/>
+          <a:p>
+            <a:fld id="{0C6C1A25-4366-4F4A-8222-0600C7D6B40D}" type="datetimeFigureOut">
+              <a:rPr lang="en-US" smtClean="0"/>
+              <a:t>7/21/2025</a:t>
+            </a:fld>
+            <a:endParaRPr lang="en-US"/>
+          </a:p>
+        </p:txBody>
+      </p:sp>
+      <p:sp>
+        <p:nvSpPr>
+          <p:cNvPr id="4" name="Footer Placeholder 3">
+            <a:extLst>
+              <a:ext uri="{FF2B5EF4-FFF2-40B4-BE49-F238E27FC236}">
+                <a16:creationId xmlns:a16="http://schemas.microsoft.com/office/drawing/2014/main" id="{C8E68903-B459-33DD-76E1-D5EDCCEF5C50}"/>
+              </a:ext>
+            </a:extLst>
+          </p:cNvPr>
+          <p:cNvSpPr>
+            <a:spLocks noGrp="1"/>
+          </p:cNvSpPr>
+          <p:nvPr>
+            <p:ph type="ftr" sz="quarter" idx="11"/>
+          </p:nvPr>
+        </p:nvSpPr>
+        <p:spPr>
+          <a:xfrm>
+            <a:off x="4038600" y="6356350"/>
+            <a:ext cx="4114800" cy="365125"/>
+          </a:xfrm>
+          <a:prstGeom prst="rect">
+            <a:avLst/>
+          </a:prstGeom>
+        </p:spPr>
+        <p:txBody>
+          <a:bodyPr/>
+          <a:lstStyle/>
+          <a:p>
+            <a:endParaRPr lang="en-US"/>
+          </a:p>
+        </p:txBody>
+      </p:sp>
+      <p:sp>
+        <p:nvSpPr>
+          <p:cNvPr id="5" name="Slide Number Placeholder 4">
+            <a:extLst>
+              <a:ext uri="{FF2B5EF4-FFF2-40B4-BE49-F238E27FC236}">
+                <a16:creationId xmlns:a16="http://schemas.microsoft.com/office/drawing/2014/main" id="{24BD86F1-F29E-9315-92B8-D7B8F92FF66B}"/>
+              </a:ext>
+            </a:extLst>
+          </p:cNvPr>
+          <p:cNvSpPr>
+            <a:spLocks noGrp="1"/>
+          </p:cNvSpPr>
+          <p:nvPr>
+            <p:ph type="sldNum" sz="quarter" idx="12"/>
+          </p:nvPr>
+        </p:nvSpPr>
+        <p:spPr>
+          <a:xfrm>
+            <a:off x="8610600" y="6356350"/>
+            <a:ext cx="2743200" cy="365125"/>
+          </a:xfrm>
+          <a:prstGeom prst="rect">
+            <a:avLst/>
+          </a:prstGeom>
+        </p:spPr>
+        <p:txBody>
+          <a:bodyPr/>
+          <a:lstStyle/>
+          <a:p>
+            <a:fld id="{94834FE6-5E49-41F4-BD3E-674FC4ACDD29}" type="slidenum">
+              <a:rPr lang="en-US" smtClean="0"/>
+              <a:t>‹#›</a:t>
+            </a:fld>
+            <a:endParaRPr lang="en-US"/>
+          </a:p>
+        </p:txBody>
+      </p:sp>
+    </p:spTree>
+    <p:extLst>
+      <p:ext uri="{BB962C8B-B14F-4D97-AF65-F5344CB8AC3E}">
+        <p14:creationId xmlns:p14="http://schemas.microsoft.com/office/powerpoint/2010/main" val="1913853017"/>
+      </p:ext>
+    </p:extLst>
+  </p:cSld>
+  <p:clrMapOvr>
+    <a:masterClrMapping/>
+  </p:clrMapOvr>
+</p:sldLayout>
+</file>
+
+<file path=ppt/slideLayouts/slideLayout18.xml><?xml version="1.0" encoding="utf-8"?>
+<p:sldLayout xmlns:a="http://schemas.openxmlformats.org/drawingml/2006/main" xmlns:r="http://schemas.openxmlformats.org/officeDocument/2006/relationships" xmlns:p="http://schemas.openxmlformats.org/presentationml/2006/main" type="blank" preserve="1">
+  <p:cSld name="Blank">
+    <p:spTree>
+      <p:nvGrpSpPr>
+        <p:cNvPr id="1" name=""/>
+        <p:cNvGrpSpPr/>
+        <p:nvPr/>
+      </p:nvGrpSpPr>
+      <p:grpSpPr>
+        <a:xfrm>
+          <a:off x="0" y="0"/>
+          <a:ext cx="0" cy="0"/>
+          <a:chOff x="0" y="0"/>
+          <a:chExt cx="0" cy="0"/>
+        </a:xfrm>
+      </p:grpSpPr>
+      <p:sp>
+        <p:nvSpPr>
+          <p:cNvPr id="2" name="Date Placeholder 1">
+            <a:extLst>
+              <a:ext uri="{FF2B5EF4-FFF2-40B4-BE49-F238E27FC236}">
+                <a16:creationId xmlns:a16="http://schemas.microsoft.com/office/drawing/2014/main" id="{D191C59F-21D1-D476-C9DB-2A2F34D3C23B}"/>
+              </a:ext>
+            </a:extLst>
+          </p:cNvPr>
+          <p:cNvSpPr>
+            <a:spLocks noGrp="1"/>
+          </p:cNvSpPr>
+          <p:nvPr>
+            <p:ph type="dt" sz="half" idx="10"/>
+          </p:nvPr>
+        </p:nvSpPr>
+        <p:spPr>
+          <a:xfrm>
+            <a:off x="838200" y="6356350"/>
+            <a:ext cx="2743200" cy="365125"/>
+          </a:xfrm>
+          <a:prstGeom prst="rect">
+            <a:avLst/>
+          </a:prstGeom>
+        </p:spPr>
+        <p:txBody>
+          <a:bodyPr/>
+          <a:lstStyle/>
+          <a:p>
+            <a:fld id="{0C6C1A25-4366-4F4A-8222-0600C7D6B40D}" type="datetimeFigureOut">
+              <a:rPr lang="en-US" smtClean="0"/>
+              <a:t>7/21/2025</a:t>
+            </a:fld>
+            <a:endParaRPr lang="en-US"/>
+          </a:p>
+        </p:txBody>
+      </p:sp>
+      <p:sp>
+        <p:nvSpPr>
+          <p:cNvPr id="3" name="Footer Placeholder 2">
+            <a:extLst>
+              <a:ext uri="{FF2B5EF4-FFF2-40B4-BE49-F238E27FC236}">
+                <a16:creationId xmlns:a16="http://schemas.microsoft.com/office/drawing/2014/main" id="{A4F0E990-9C83-B922-4C7F-A5FD141EA93B}"/>
+              </a:ext>
+            </a:extLst>
+          </p:cNvPr>
+          <p:cNvSpPr>
+            <a:spLocks noGrp="1"/>
+          </p:cNvSpPr>
+          <p:nvPr>
+            <p:ph type="ftr" sz="quarter" idx="11"/>
+          </p:nvPr>
+        </p:nvSpPr>
+        <p:spPr>
+          <a:xfrm>
+            <a:off x="4038600" y="6356350"/>
+            <a:ext cx="4114800" cy="365125"/>
+          </a:xfrm>
+          <a:prstGeom prst="rect">
+            <a:avLst/>
+          </a:prstGeom>
+        </p:spPr>
+        <p:txBody>
+          <a:bodyPr/>
+          <a:lstStyle/>
+          <a:p>
+            <a:endParaRPr lang="en-US"/>
+          </a:p>
+        </p:txBody>
+      </p:sp>
+      <p:sp>
+        <p:nvSpPr>
+          <p:cNvPr id="4" name="Slide Number Placeholder 3">
+            <a:extLst>
+              <a:ext uri="{FF2B5EF4-FFF2-40B4-BE49-F238E27FC236}">
+                <a16:creationId xmlns:a16="http://schemas.microsoft.com/office/drawing/2014/main" id="{5CD23A2D-307C-5072-0D31-2C3204E959EE}"/>
+              </a:ext>
+            </a:extLst>
+          </p:cNvPr>
+          <p:cNvSpPr>
+            <a:spLocks noGrp="1"/>
+          </p:cNvSpPr>
+          <p:nvPr>
+            <p:ph type="sldNum" sz="quarter" idx="12"/>
+          </p:nvPr>
+        </p:nvSpPr>
+        <p:spPr>
+          <a:xfrm>
+            <a:off x="8610600" y="6356350"/>
+            <a:ext cx="2743200" cy="365125"/>
+          </a:xfrm>
+          <a:prstGeom prst="rect">
+            <a:avLst/>
+          </a:prstGeom>
+        </p:spPr>
+        <p:txBody>
+          <a:bodyPr/>
+          <a:lstStyle/>
+          <a:p>
+            <a:fld id="{94834FE6-5E49-41F4-BD3E-674FC4ACDD29}" type="slidenum">
+              <a:rPr lang="en-US" smtClean="0"/>
+              <a:t>‹#›</a:t>
+            </a:fld>
+            <a:endParaRPr lang="en-US"/>
+          </a:p>
+        </p:txBody>
+      </p:sp>
+    </p:spTree>
+    <p:extLst>
+      <p:ext uri="{BB962C8B-B14F-4D97-AF65-F5344CB8AC3E}">
+        <p14:creationId xmlns:p14="http://schemas.microsoft.com/office/powerpoint/2010/main" val="1528814836"/>
+      </p:ext>
+    </p:extLst>
+  </p:cSld>
+  <p:clrMapOvr>
+    <a:masterClrMapping/>
+  </p:clrMapOvr>
+</p:sldLayout>
+</file>
+
+<file path=ppt/slideLayouts/slideLayout19.xml><?xml version="1.0" encoding="utf-8"?>
+<p:sldLayout xmlns:a="http://schemas.openxmlformats.org/drawingml/2006/main" xmlns:r="http://schemas.openxmlformats.org/officeDocument/2006/relationships" xmlns:p="http://schemas.openxmlformats.org/presentationml/2006/main" type="objTx" preserve="1">
+  <p:cSld name="Content with Caption">
+    <p:spTree>
+      <p:nvGrpSpPr>
+        <p:cNvPr id="1" name=""/>
+        <p:cNvGrpSpPr/>
+        <p:nvPr/>
+      </p:nvGrpSpPr>
+      <p:grpSpPr>
+        <a:xfrm>
+          <a:off x="0" y="0"/>
+          <a:ext cx="0" cy="0"/>
+          <a:chOff x="0" y="0"/>
+          <a:chExt cx="0" cy="0"/>
+        </a:xfrm>
+      </p:grpSpPr>
+      <p:sp>
+        <p:nvSpPr>
+          <p:cNvPr id="2" name="Title 1">
+            <a:extLst>
+              <a:ext uri="{FF2B5EF4-FFF2-40B4-BE49-F238E27FC236}">
+                <a16:creationId xmlns:a16="http://schemas.microsoft.com/office/drawing/2014/main" id="{C7D83DB7-23AA-2AEC-8EFC-1A588B0C7B2C}"/>
+              </a:ext>
+            </a:extLst>
+          </p:cNvPr>
+          <p:cNvSpPr>
+            <a:spLocks noGrp="1"/>
+          </p:cNvSpPr>
+          <p:nvPr>
+            <p:ph type="title"/>
+          </p:nvPr>
+        </p:nvSpPr>
+        <p:spPr>
+          <a:xfrm>
+            <a:off x="839788" y="457200"/>
+            <a:ext cx="3932237" cy="1600200"/>
+          </a:xfrm>
+          <a:prstGeom prst="rect">
+            <a:avLst/>
+          </a:prstGeom>
+        </p:spPr>
+        <p:txBody>
+          <a:bodyPr anchor="b"/>
+          <a:lstStyle>
+            <a:lvl1pPr>
+              <a:defRPr sz="3200"/>
+            </a:lvl1pPr>
+          </a:lstStyle>
+          <a:p>
+            <a:r>
+              <a:rPr lang="en-US"/>
+              <a:t>Click to edit Master title style</a:t>
+            </a:r>
+          </a:p>
+        </p:txBody>
+      </p:sp>
+      <p:sp>
+        <p:nvSpPr>
+          <p:cNvPr id="3" name="Content Placeholder 2">
+            <a:extLst>
+              <a:ext uri="{FF2B5EF4-FFF2-40B4-BE49-F238E27FC236}">
+                <a16:creationId xmlns:a16="http://schemas.microsoft.com/office/drawing/2014/main" id="{7C4AB23F-C32F-CD80-1324-D0FA7B4D555B}"/>
+              </a:ext>
+            </a:extLst>
+          </p:cNvPr>
+          <p:cNvSpPr>
+            <a:spLocks noGrp="1"/>
+          </p:cNvSpPr>
+          <p:nvPr>
+            <p:ph idx="1"/>
+          </p:nvPr>
+        </p:nvSpPr>
+        <p:spPr>
+          <a:xfrm>
+            <a:off x="5183188" y="987425"/>
+            <a:ext cx="6172200" cy="4873625"/>
+          </a:xfrm>
+          <a:prstGeom prst="rect">
+            <a:avLst/>
+          </a:prstGeom>
+        </p:spPr>
+        <p:txBody>
+          <a:bodyPr/>
+          <a:lstStyle>
+            <a:lvl1pPr>
+              <a:defRPr sz="3200"/>
+            </a:lvl1pPr>
+            <a:lvl2pPr>
+              <a:defRPr sz="2800"/>
+            </a:lvl2pPr>
+            <a:lvl3pPr>
+              <a:defRPr sz="2400"/>
+            </a:lvl3pPr>
+            <a:lvl4pPr>
+              <a:defRPr sz="2000"/>
+            </a:lvl4pPr>
+            <a:lvl5pPr>
+              <a:defRPr sz="2000"/>
+            </a:lvl5pPr>
+            <a:lvl6pPr>
+              <a:defRPr sz="2000"/>
+            </a:lvl6pPr>
+            <a:lvl7pPr>
+              <a:defRPr sz="2000"/>
+            </a:lvl7pPr>
+            <a:lvl8pPr>
+              <a:defRPr sz="2000"/>
+            </a:lvl8pPr>
+            <a:lvl9pPr>
+              <a:defRPr sz="2000"/>
+            </a:lvl9pPr>
+          </a:lstStyle>
+          <a:p>
+            <a:pPr lvl="0"/>
+            <a:r>
+              <a:rPr lang="en-US"/>
+              <a:t>Click to edit Master text styles</a:t>
+            </a:r>
+          </a:p>
+          <a:p>
+            <a:pPr lvl="1"/>
+            <a:r>
+              <a:rPr lang="en-US"/>
+              <a:t>Second level</a:t>
+            </a:r>
+          </a:p>
+          <a:p>
+            <a:pPr lvl="2"/>
+            <a:r>
+              <a:rPr lang="en-US"/>
+              <a:t>Third level</a:t>
+            </a:r>
+          </a:p>
+          <a:p>
+            <a:pPr lvl="3"/>
+            <a:r>
+              <a:rPr lang="en-US"/>
+              <a:t>Fourth level</a:t>
+            </a:r>
+          </a:p>
+          <a:p>
+            <a:pPr lvl="4"/>
+            <a:r>
+              <a:rPr lang="en-US"/>
+              <a:t>Fifth level</a:t>
+            </a:r>
+          </a:p>
+        </p:txBody>
+      </p:sp>
+      <p:sp>
+        <p:nvSpPr>
+          <p:cNvPr id="4" name="Text Placeholder 3">
+            <a:extLst>
+              <a:ext uri="{FF2B5EF4-FFF2-40B4-BE49-F238E27FC236}">
+                <a16:creationId xmlns:a16="http://schemas.microsoft.com/office/drawing/2014/main" id="{44280B94-371A-79FD-1AB6-75BF33CAEF64}"/>
+              </a:ext>
+            </a:extLst>
+          </p:cNvPr>
+          <p:cNvSpPr>
+            <a:spLocks noGrp="1"/>
+          </p:cNvSpPr>
+          <p:nvPr>
+            <p:ph type="body" sz="half" idx="2"/>
+          </p:nvPr>
+        </p:nvSpPr>
+        <p:spPr>
+          <a:xfrm>
+            <a:off x="839788" y="2057400"/>
+            <a:ext cx="3932237" cy="3811588"/>
+          </a:xfrm>
+          <a:prstGeom prst="rect">
+            <a:avLst/>
+          </a:prstGeom>
+        </p:spPr>
+        <p:txBody>
+          <a:bodyPr/>
+          <a:lstStyle>
+            <a:lvl1pPr marL="0" indent="0">
+              <a:buNone/>
+              <a:defRPr sz="1600"/>
+            </a:lvl1pPr>
+            <a:lvl2pPr marL="457200" indent="0">
+              <a:buNone/>
+              <a:defRPr sz="1400"/>
+            </a:lvl2pPr>
+            <a:lvl3pPr marL="914400" indent="0">
+              <a:buNone/>
+              <a:defRPr sz="1200"/>
+            </a:lvl3pPr>
+            <a:lvl4pPr marL="1371600" indent="0">
+              <a:buNone/>
+              <a:defRPr sz="1000"/>
+            </a:lvl4pPr>
+            <a:lvl5pPr marL="1828800" indent="0">
+              <a:buNone/>
+              <a:defRPr sz="1000"/>
+            </a:lvl5pPr>
+            <a:lvl6pPr marL="2286000" indent="0">
+              <a:buNone/>
+              <a:defRPr sz="1000"/>
+            </a:lvl6pPr>
+            <a:lvl7pPr marL="2743200" indent="0">
+              <a:buNone/>
+              <a:defRPr sz="1000"/>
+            </a:lvl7pPr>
+            <a:lvl8pPr marL="3200400" indent="0">
+              <a:buNone/>
+              <a:defRPr sz="1000"/>
+            </a:lvl8pPr>
+            <a:lvl9pPr marL="3657600" indent="0">
+              <a:buNone/>
+              <a:defRPr sz="1000"/>
+            </a:lvl9pPr>
+          </a:lstStyle>
+          <a:p>
+            <a:pPr lvl="0"/>
+            <a:r>
+              <a:rPr lang="en-US"/>
+              <a:t>Click to edit Master text styles</a:t>
+            </a:r>
+          </a:p>
+        </p:txBody>
+      </p:sp>
+      <p:sp>
+        <p:nvSpPr>
+          <p:cNvPr id="5" name="Date Placeholder 4">
+            <a:extLst>
+              <a:ext uri="{FF2B5EF4-FFF2-40B4-BE49-F238E27FC236}">
+                <a16:creationId xmlns:a16="http://schemas.microsoft.com/office/drawing/2014/main" id="{E4EE12AE-BDE8-480E-2A6B-24BE169E40C1}"/>
+              </a:ext>
+            </a:extLst>
+          </p:cNvPr>
+          <p:cNvSpPr>
+            <a:spLocks noGrp="1"/>
+          </p:cNvSpPr>
+          <p:nvPr>
+            <p:ph type="dt" sz="half" idx="10"/>
+          </p:nvPr>
+        </p:nvSpPr>
+        <p:spPr>
+          <a:xfrm>
+            <a:off x="838200" y="6356350"/>
+            <a:ext cx="2743200" cy="365125"/>
+          </a:xfrm>
+          <a:prstGeom prst="rect">
+            <a:avLst/>
+          </a:prstGeom>
+        </p:spPr>
+        <p:txBody>
+          <a:bodyPr/>
+          <a:lstStyle/>
+          <a:p>
+            <a:fld id="{0C6C1A25-4366-4F4A-8222-0600C7D6B40D}" type="datetimeFigureOut">
+              <a:rPr lang="en-US" smtClean="0"/>
+              <a:t>7/21/2025</a:t>
+            </a:fld>
+            <a:endParaRPr lang="en-US"/>
+          </a:p>
+        </p:txBody>
+      </p:sp>
+      <p:sp>
+        <p:nvSpPr>
+          <p:cNvPr id="6" name="Footer Placeholder 5">
+            <a:extLst>
+              <a:ext uri="{FF2B5EF4-FFF2-40B4-BE49-F238E27FC236}">
+                <a16:creationId xmlns:a16="http://schemas.microsoft.com/office/drawing/2014/main" id="{4F824E0C-44E6-6B99-01A2-C23288784135}"/>
+              </a:ext>
+            </a:extLst>
+          </p:cNvPr>
+          <p:cNvSpPr>
+            <a:spLocks noGrp="1"/>
+          </p:cNvSpPr>
+          <p:nvPr>
+            <p:ph type="ftr" sz="quarter" idx="11"/>
+          </p:nvPr>
+        </p:nvSpPr>
+        <p:spPr>
+          <a:xfrm>
+            <a:off x="4038600" y="6356350"/>
+            <a:ext cx="4114800" cy="365125"/>
+          </a:xfrm>
+          <a:prstGeom prst="rect">
+            <a:avLst/>
+          </a:prstGeom>
+        </p:spPr>
+        <p:txBody>
+          <a:bodyPr/>
+          <a:lstStyle/>
+          <a:p>
+            <a:endParaRPr lang="en-US"/>
+          </a:p>
+        </p:txBody>
+      </p:sp>
+      <p:sp>
+        <p:nvSpPr>
+          <p:cNvPr id="7" name="Slide Number Placeholder 6">
+            <a:extLst>
+              <a:ext uri="{FF2B5EF4-FFF2-40B4-BE49-F238E27FC236}">
+                <a16:creationId xmlns:a16="http://schemas.microsoft.com/office/drawing/2014/main" id="{A7EAC602-616D-E755-7896-AA5A68ACBB6F}"/>
+              </a:ext>
+            </a:extLst>
+          </p:cNvPr>
+          <p:cNvSpPr>
+            <a:spLocks noGrp="1"/>
+          </p:cNvSpPr>
+          <p:nvPr>
+            <p:ph type="sldNum" sz="quarter" idx="12"/>
+          </p:nvPr>
+        </p:nvSpPr>
+        <p:spPr>
+          <a:xfrm>
+            <a:off x="8610600" y="6356350"/>
+            <a:ext cx="2743200" cy="365125"/>
+          </a:xfrm>
+          <a:prstGeom prst="rect">
+            <a:avLst/>
+          </a:prstGeom>
+        </p:spPr>
+        <p:txBody>
+          <a:bodyPr/>
+          <a:lstStyle/>
+          <a:p>
+            <a:fld id="{94834FE6-5E49-41F4-BD3E-674FC4ACDD29}" type="slidenum">
+              <a:rPr lang="en-US" smtClean="0"/>
+              <a:t>‹#›</a:t>
+            </a:fld>
+            <a:endParaRPr lang="en-US"/>
+          </a:p>
+        </p:txBody>
+      </p:sp>
+    </p:spTree>
+    <p:extLst>
+      <p:ext uri="{BB962C8B-B14F-4D97-AF65-F5344CB8AC3E}">
+        <p14:creationId xmlns:p14="http://schemas.microsoft.com/office/powerpoint/2010/main" val="971465228"/>
       </p:ext>
     </p:extLst>
   </p:cSld>
@@ -1233,7 +3436,7 @@
           <a:p>
             <a:fld id="{B333FB34-4C4E-4153-AB5A-43828B979C77}" type="datetime1">
               <a:rPr lang="en-US" smtClean="0"/>
-              <a:t>7/18/2025</a:t>
+              <a:t>7/21/2025</a:t>
             </a:fld>
             <a:endParaRPr lang="en-US"/>
           </a:p>
@@ -1300,6 +3503,803 @@
     <p:extLst>
       <p:ext uri="{BB962C8B-B14F-4D97-AF65-F5344CB8AC3E}">
         <p14:creationId xmlns:p14="http://schemas.microsoft.com/office/powerpoint/2010/main" val="2978141558"/>
+      </p:ext>
+    </p:extLst>
+  </p:cSld>
+  <p:clrMapOvr>
+    <a:masterClrMapping/>
+  </p:clrMapOvr>
+</p:sldLayout>
+</file>
+
+<file path=ppt/slideLayouts/slideLayout20.xml><?xml version="1.0" encoding="utf-8"?>
+<p:sldLayout xmlns:a="http://schemas.openxmlformats.org/drawingml/2006/main" xmlns:r="http://schemas.openxmlformats.org/officeDocument/2006/relationships" xmlns:p="http://schemas.openxmlformats.org/presentationml/2006/main" type="picTx" preserve="1">
+  <p:cSld name="Picture with Caption">
+    <p:spTree>
+      <p:nvGrpSpPr>
+        <p:cNvPr id="1" name=""/>
+        <p:cNvGrpSpPr/>
+        <p:nvPr/>
+      </p:nvGrpSpPr>
+      <p:grpSpPr>
+        <a:xfrm>
+          <a:off x="0" y="0"/>
+          <a:ext cx="0" cy="0"/>
+          <a:chOff x="0" y="0"/>
+          <a:chExt cx="0" cy="0"/>
+        </a:xfrm>
+      </p:grpSpPr>
+      <p:sp>
+        <p:nvSpPr>
+          <p:cNvPr id="2" name="Title 1">
+            <a:extLst>
+              <a:ext uri="{FF2B5EF4-FFF2-40B4-BE49-F238E27FC236}">
+                <a16:creationId xmlns:a16="http://schemas.microsoft.com/office/drawing/2014/main" id="{E066436C-F2E9-9A57-BA12-0082D66C0B31}"/>
+              </a:ext>
+            </a:extLst>
+          </p:cNvPr>
+          <p:cNvSpPr>
+            <a:spLocks noGrp="1"/>
+          </p:cNvSpPr>
+          <p:nvPr>
+            <p:ph type="title"/>
+          </p:nvPr>
+        </p:nvSpPr>
+        <p:spPr>
+          <a:xfrm>
+            <a:off x="839788" y="457200"/>
+            <a:ext cx="3932237" cy="1600200"/>
+          </a:xfrm>
+          <a:prstGeom prst="rect">
+            <a:avLst/>
+          </a:prstGeom>
+        </p:spPr>
+        <p:txBody>
+          <a:bodyPr anchor="b"/>
+          <a:lstStyle>
+            <a:lvl1pPr>
+              <a:defRPr sz="3200"/>
+            </a:lvl1pPr>
+          </a:lstStyle>
+          <a:p>
+            <a:r>
+              <a:rPr lang="en-US"/>
+              <a:t>Click to edit Master title style</a:t>
+            </a:r>
+          </a:p>
+        </p:txBody>
+      </p:sp>
+      <p:sp>
+        <p:nvSpPr>
+          <p:cNvPr id="3" name="Picture Placeholder 2">
+            <a:extLst>
+              <a:ext uri="{FF2B5EF4-FFF2-40B4-BE49-F238E27FC236}">
+                <a16:creationId xmlns:a16="http://schemas.microsoft.com/office/drawing/2014/main" id="{15FF72A7-C13F-F719-90EC-741BA1C232B2}"/>
+              </a:ext>
+            </a:extLst>
+          </p:cNvPr>
+          <p:cNvSpPr>
+            <a:spLocks noGrp="1"/>
+          </p:cNvSpPr>
+          <p:nvPr>
+            <p:ph type="pic" idx="1"/>
+          </p:nvPr>
+        </p:nvSpPr>
+        <p:spPr>
+          <a:xfrm>
+            <a:off x="5183188" y="987425"/>
+            <a:ext cx="6172200" cy="4873625"/>
+          </a:xfrm>
+          <a:prstGeom prst="rect">
+            <a:avLst/>
+          </a:prstGeom>
+        </p:spPr>
+        <p:txBody>
+          <a:bodyPr/>
+          <a:lstStyle>
+            <a:lvl1pPr marL="0" indent="0">
+              <a:buNone/>
+              <a:defRPr sz="3200"/>
+            </a:lvl1pPr>
+            <a:lvl2pPr marL="457200" indent="0">
+              <a:buNone/>
+              <a:defRPr sz="2800"/>
+            </a:lvl2pPr>
+            <a:lvl3pPr marL="914400" indent="0">
+              <a:buNone/>
+              <a:defRPr sz="2400"/>
+            </a:lvl3pPr>
+            <a:lvl4pPr marL="1371600" indent="0">
+              <a:buNone/>
+              <a:defRPr sz="2000"/>
+            </a:lvl4pPr>
+            <a:lvl5pPr marL="1828800" indent="0">
+              <a:buNone/>
+              <a:defRPr sz="2000"/>
+            </a:lvl5pPr>
+            <a:lvl6pPr marL="2286000" indent="0">
+              <a:buNone/>
+              <a:defRPr sz="2000"/>
+            </a:lvl6pPr>
+            <a:lvl7pPr marL="2743200" indent="0">
+              <a:buNone/>
+              <a:defRPr sz="2000"/>
+            </a:lvl7pPr>
+            <a:lvl8pPr marL="3200400" indent="0">
+              <a:buNone/>
+              <a:defRPr sz="2000"/>
+            </a:lvl8pPr>
+            <a:lvl9pPr marL="3657600" indent="0">
+              <a:buNone/>
+              <a:defRPr sz="2000"/>
+            </a:lvl9pPr>
+          </a:lstStyle>
+          <a:p>
+            <a:endParaRPr lang="en-US"/>
+          </a:p>
+        </p:txBody>
+      </p:sp>
+      <p:sp>
+        <p:nvSpPr>
+          <p:cNvPr id="4" name="Text Placeholder 3">
+            <a:extLst>
+              <a:ext uri="{FF2B5EF4-FFF2-40B4-BE49-F238E27FC236}">
+                <a16:creationId xmlns:a16="http://schemas.microsoft.com/office/drawing/2014/main" id="{8BE59A82-F722-A01E-72AD-35579BBBAAC7}"/>
+              </a:ext>
+            </a:extLst>
+          </p:cNvPr>
+          <p:cNvSpPr>
+            <a:spLocks noGrp="1"/>
+          </p:cNvSpPr>
+          <p:nvPr>
+            <p:ph type="body" sz="half" idx="2"/>
+          </p:nvPr>
+        </p:nvSpPr>
+        <p:spPr>
+          <a:xfrm>
+            <a:off x="839788" y="2057400"/>
+            <a:ext cx="3932237" cy="3811588"/>
+          </a:xfrm>
+          <a:prstGeom prst="rect">
+            <a:avLst/>
+          </a:prstGeom>
+        </p:spPr>
+        <p:txBody>
+          <a:bodyPr/>
+          <a:lstStyle>
+            <a:lvl1pPr marL="0" indent="0">
+              <a:buNone/>
+              <a:defRPr sz="1600"/>
+            </a:lvl1pPr>
+            <a:lvl2pPr marL="457200" indent="0">
+              <a:buNone/>
+              <a:defRPr sz="1400"/>
+            </a:lvl2pPr>
+            <a:lvl3pPr marL="914400" indent="0">
+              <a:buNone/>
+              <a:defRPr sz="1200"/>
+            </a:lvl3pPr>
+            <a:lvl4pPr marL="1371600" indent="0">
+              <a:buNone/>
+              <a:defRPr sz="1000"/>
+            </a:lvl4pPr>
+            <a:lvl5pPr marL="1828800" indent="0">
+              <a:buNone/>
+              <a:defRPr sz="1000"/>
+            </a:lvl5pPr>
+            <a:lvl6pPr marL="2286000" indent="0">
+              <a:buNone/>
+              <a:defRPr sz="1000"/>
+            </a:lvl6pPr>
+            <a:lvl7pPr marL="2743200" indent="0">
+              <a:buNone/>
+              <a:defRPr sz="1000"/>
+            </a:lvl7pPr>
+            <a:lvl8pPr marL="3200400" indent="0">
+              <a:buNone/>
+              <a:defRPr sz="1000"/>
+            </a:lvl8pPr>
+            <a:lvl9pPr marL="3657600" indent="0">
+              <a:buNone/>
+              <a:defRPr sz="1000"/>
+            </a:lvl9pPr>
+          </a:lstStyle>
+          <a:p>
+            <a:pPr lvl="0"/>
+            <a:r>
+              <a:rPr lang="en-US"/>
+              <a:t>Click to edit Master text styles</a:t>
+            </a:r>
+          </a:p>
+        </p:txBody>
+      </p:sp>
+      <p:sp>
+        <p:nvSpPr>
+          <p:cNvPr id="5" name="Date Placeholder 4">
+            <a:extLst>
+              <a:ext uri="{FF2B5EF4-FFF2-40B4-BE49-F238E27FC236}">
+                <a16:creationId xmlns:a16="http://schemas.microsoft.com/office/drawing/2014/main" id="{9644AE07-E13A-BFF2-F629-A4C68A4F8E92}"/>
+              </a:ext>
+            </a:extLst>
+          </p:cNvPr>
+          <p:cNvSpPr>
+            <a:spLocks noGrp="1"/>
+          </p:cNvSpPr>
+          <p:nvPr>
+            <p:ph type="dt" sz="half" idx="10"/>
+          </p:nvPr>
+        </p:nvSpPr>
+        <p:spPr>
+          <a:xfrm>
+            <a:off x="838200" y="6356350"/>
+            <a:ext cx="2743200" cy="365125"/>
+          </a:xfrm>
+          <a:prstGeom prst="rect">
+            <a:avLst/>
+          </a:prstGeom>
+        </p:spPr>
+        <p:txBody>
+          <a:bodyPr/>
+          <a:lstStyle/>
+          <a:p>
+            <a:fld id="{0C6C1A25-4366-4F4A-8222-0600C7D6B40D}" type="datetimeFigureOut">
+              <a:rPr lang="en-US" smtClean="0"/>
+              <a:t>7/21/2025</a:t>
+            </a:fld>
+            <a:endParaRPr lang="en-US"/>
+          </a:p>
+        </p:txBody>
+      </p:sp>
+      <p:sp>
+        <p:nvSpPr>
+          <p:cNvPr id="6" name="Footer Placeholder 5">
+            <a:extLst>
+              <a:ext uri="{FF2B5EF4-FFF2-40B4-BE49-F238E27FC236}">
+                <a16:creationId xmlns:a16="http://schemas.microsoft.com/office/drawing/2014/main" id="{777653E3-C830-7D21-08A0-7AC83B5B466A}"/>
+              </a:ext>
+            </a:extLst>
+          </p:cNvPr>
+          <p:cNvSpPr>
+            <a:spLocks noGrp="1"/>
+          </p:cNvSpPr>
+          <p:nvPr>
+            <p:ph type="ftr" sz="quarter" idx="11"/>
+          </p:nvPr>
+        </p:nvSpPr>
+        <p:spPr>
+          <a:xfrm>
+            <a:off x="4038600" y="6356350"/>
+            <a:ext cx="4114800" cy="365125"/>
+          </a:xfrm>
+          <a:prstGeom prst="rect">
+            <a:avLst/>
+          </a:prstGeom>
+        </p:spPr>
+        <p:txBody>
+          <a:bodyPr/>
+          <a:lstStyle/>
+          <a:p>
+            <a:endParaRPr lang="en-US"/>
+          </a:p>
+        </p:txBody>
+      </p:sp>
+      <p:sp>
+        <p:nvSpPr>
+          <p:cNvPr id="7" name="Slide Number Placeholder 6">
+            <a:extLst>
+              <a:ext uri="{FF2B5EF4-FFF2-40B4-BE49-F238E27FC236}">
+                <a16:creationId xmlns:a16="http://schemas.microsoft.com/office/drawing/2014/main" id="{3F3D3072-BFEB-D4F4-09E7-BEC14F21CB2F}"/>
+              </a:ext>
+            </a:extLst>
+          </p:cNvPr>
+          <p:cNvSpPr>
+            <a:spLocks noGrp="1"/>
+          </p:cNvSpPr>
+          <p:nvPr>
+            <p:ph type="sldNum" sz="quarter" idx="12"/>
+          </p:nvPr>
+        </p:nvSpPr>
+        <p:spPr>
+          <a:xfrm>
+            <a:off x="8610600" y="6356350"/>
+            <a:ext cx="2743200" cy="365125"/>
+          </a:xfrm>
+          <a:prstGeom prst="rect">
+            <a:avLst/>
+          </a:prstGeom>
+        </p:spPr>
+        <p:txBody>
+          <a:bodyPr/>
+          <a:lstStyle/>
+          <a:p>
+            <a:fld id="{94834FE6-5E49-41F4-BD3E-674FC4ACDD29}" type="slidenum">
+              <a:rPr lang="en-US" smtClean="0"/>
+              <a:t>‹#›</a:t>
+            </a:fld>
+            <a:endParaRPr lang="en-US"/>
+          </a:p>
+        </p:txBody>
+      </p:sp>
+    </p:spTree>
+    <p:extLst>
+      <p:ext uri="{BB962C8B-B14F-4D97-AF65-F5344CB8AC3E}">
+        <p14:creationId xmlns:p14="http://schemas.microsoft.com/office/powerpoint/2010/main" val="485577482"/>
+      </p:ext>
+    </p:extLst>
+  </p:cSld>
+  <p:clrMapOvr>
+    <a:masterClrMapping/>
+  </p:clrMapOvr>
+</p:sldLayout>
+</file>
+
+<file path=ppt/slideLayouts/slideLayout21.xml><?xml version="1.0" encoding="utf-8"?>
+<p:sldLayout xmlns:a="http://schemas.openxmlformats.org/drawingml/2006/main" xmlns:r="http://schemas.openxmlformats.org/officeDocument/2006/relationships" xmlns:p="http://schemas.openxmlformats.org/presentationml/2006/main" type="vertTx" preserve="1">
+  <p:cSld name="Title and Vertical Text">
+    <p:spTree>
+      <p:nvGrpSpPr>
+        <p:cNvPr id="1" name=""/>
+        <p:cNvGrpSpPr/>
+        <p:nvPr/>
+      </p:nvGrpSpPr>
+      <p:grpSpPr>
+        <a:xfrm>
+          <a:off x="0" y="0"/>
+          <a:ext cx="0" cy="0"/>
+          <a:chOff x="0" y="0"/>
+          <a:chExt cx="0" cy="0"/>
+        </a:xfrm>
+      </p:grpSpPr>
+      <p:sp>
+        <p:nvSpPr>
+          <p:cNvPr id="2" name="Title 1">
+            <a:extLst>
+              <a:ext uri="{FF2B5EF4-FFF2-40B4-BE49-F238E27FC236}">
+                <a16:creationId xmlns:a16="http://schemas.microsoft.com/office/drawing/2014/main" id="{CEEB3764-6865-FFC7-FA85-A3C6ADC2F383}"/>
+              </a:ext>
+            </a:extLst>
+          </p:cNvPr>
+          <p:cNvSpPr>
+            <a:spLocks noGrp="1"/>
+          </p:cNvSpPr>
+          <p:nvPr>
+            <p:ph type="title"/>
+          </p:nvPr>
+        </p:nvSpPr>
+        <p:spPr>
+          <a:xfrm>
+            <a:off x="838200" y="365125"/>
+            <a:ext cx="10515600" cy="1325563"/>
+          </a:xfrm>
+          <a:prstGeom prst="rect">
+            <a:avLst/>
+          </a:prstGeom>
+        </p:spPr>
+        <p:txBody>
+          <a:bodyPr/>
+          <a:lstStyle/>
+          <a:p>
+            <a:r>
+              <a:rPr lang="en-US"/>
+              <a:t>Click to edit Master title style</a:t>
+            </a:r>
+          </a:p>
+        </p:txBody>
+      </p:sp>
+      <p:sp>
+        <p:nvSpPr>
+          <p:cNvPr id="3" name="Vertical Text Placeholder 2">
+            <a:extLst>
+              <a:ext uri="{FF2B5EF4-FFF2-40B4-BE49-F238E27FC236}">
+                <a16:creationId xmlns:a16="http://schemas.microsoft.com/office/drawing/2014/main" id="{DF377973-E185-ED92-2680-9D5C507D44F3}"/>
+              </a:ext>
+            </a:extLst>
+          </p:cNvPr>
+          <p:cNvSpPr>
+            <a:spLocks noGrp="1"/>
+          </p:cNvSpPr>
+          <p:nvPr>
+            <p:ph type="body" orient="vert" idx="1"/>
+          </p:nvPr>
+        </p:nvSpPr>
+        <p:spPr>
+          <a:xfrm>
+            <a:off x="838200" y="1825625"/>
+            <a:ext cx="10515600" cy="4351338"/>
+          </a:xfrm>
+          <a:prstGeom prst="rect">
+            <a:avLst/>
+          </a:prstGeom>
+        </p:spPr>
+        <p:txBody>
+          <a:bodyPr vert="eaVert"/>
+          <a:lstStyle/>
+          <a:p>
+            <a:pPr lvl="0"/>
+            <a:r>
+              <a:rPr lang="en-US"/>
+              <a:t>Click to edit Master text styles</a:t>
+            </a:r>
+          </a:p>
+          <a:p>
+            <a:pPr lvl="1"/>
+            <a:r>
+              <a:rPr lang="en-US"/>
+              <a:t>Second level</a:t>
+            </a:r>
+          </a:p>
+          <a:p>
+            <a:pPr lvl="2"/>
+            <a:r>
+              <a:rPr lang="en-US"/>
+              <a:t>Third level</a:t>
+            </a:r>
+          </a:p>
+          <a:p>
+            <a:pPr lvl="3"/>
+            <a:r>
+              <a:rPr lang="en-US"/>
+              <a:t>Fourth level</a:t>
+            </a:r>
+          </a:p>
+          <a:p>
+            <a:pPr lvl="4"/>
+            <a:r>
+              <a:rPr lang="en-US"/>
+              <a:t>Fifth level</a:t>
+            </a:r>
+          </a:p>
+        </p:txBody>
+      </p:sp>
+      <p:sp>
+        <p:nvSpPr>
+          <p:cNvPr id="4" name="Date Placeholder 3">
+            <a:extLst>
+              <a:ext uri="{FF2B5EF4-FFF2-40B4-BE49-F238E27FC236}">
+                <a16:creationId xmlns:a16="http://schemas.microsoft.com/office/drawing/2014/main" id="{EE4187EB-E0EE-2029-CDD2-479D10059CBC}"/>
+              </a:ext>
+            </a:extLst>
+          </p:cNvPr>
+          <p:cNvSpPr>
+            <a:spLocks noGrp="1"/>
+          </p:cNvSpPr>
+          <p:nvPr>
+            <p:ph type="dt" sz="half" idx="10"/>
+          </p:nvPr>
+        </p:nvSpPr>
+        <p:spPr>
+          <a:xfrm>
+            <a:off x="838200" y="6356350"/>
+            <a:ext cx="2743200" cy="365125"/>
+          </a:xfrm>
+          <a:prstGeom prst="rect">
+            <a:avLst/>
+          </a:prstGeom>
+        </p:spPr>
+        <p:txBody>
+          <a:bodyPr/>
+          <a:lstStyle/>
+          <a:p>
+            <a:fld id="{0C6C1A25-4366-4F4A-8222-0600C7D6B40D}" type="datetimeFigureOut">
+              <a:rPr lang="en-US" smtClean="0"/>
+              <a:t>7/21/2025</a:t>
+            </a:fld>
+            <a:endParaRPr lang="en-US"/>
+          </a:p>
+        </p:txBody>
+      </p:sp>
+      <p:sp>
+        <p:nvSpPr>
+          <p:cNvPr id="5" name="Footer Placeholder 4">
+            <a:extLst>
+              <a:ext uri="{FF2B5EF4-FFF2-40B4-BE49-F238E27FC236}">
+                <a16:creationId xmlns:a16="http://schemas.microsoft.com/office/drawing/2014/main" id="{21A564A6-EA72-7072-2F70-E7F37DBAFAE1}"/>
+              </a:ext>
+            </a:extLst>
+          </p:cNvPr>
+          <p:cNvSpPr>
+            <a:spLocks noGrp="1"/>
+          </p:cNvSpPr>
+          <p:nvPr>
+            <p:ph type="ftr" sz="quarter" idx="11"/>
+          </p:nvPr>
+        </p:nvSpPr>
+        <p:spPr>
+          <a:xfrm>
+            <a:off x="4038600" y="6356350"/>
+            <a:ext cx="4114800" cy="365125"/>
+          </a:xfrm>
+          <a:prstGeom prst="rect">
+            <a:avLst/>
+          </a:prstGeom>
+        </p:spPr>
+        <p:txBody>
+          <a:bodyPr/>
+          <a:lstStyle/>
+          <a:p>
+            <a:endParaRPr lang="en-US"/>
+          </a:p>
+        </p:txBody>
+      </p:sp>
+      <p:sp>
+        <p:nvSpPr>
+          <p:cNvPr id="6" name="Slide Number Placeholder 5">
+            <a:extLst>
+              <a:ext uri="{FF2B5EF4-FFF2-40B4-BE49-F238E27FC236}">
+                <a16:creationId xmlns:a16="http://schemas.microsoft.com/office/drawing/2014/main" id="{8E3C82A9-A9E9-2388-82CA-BA7775391734}"/>
+              </a:ext>
+            </a:extLst>
+          </p:cNvPr>
+          <p:cNvSpPr>
+            <a:spLocks noGrp="1"/>
+          </p:cNvSpPr>
+          <p:nvPr>
+            <p:ph type="sldNum" sz="quarter" idx="12"/>
+          </p:nvPr>
+        </p:nvSpPr>
+        <p:spPr>
+          <a:xfrm>
+            <a:off x="8610600" y="6356350"/>
+            <a:ext cx="2743200" cy="365125"/>
+          </a:xfrm>
+          <a:prstGeom prst="rect">
+            <a:avLst/>
+          </a:prstGeom>
+        </p:spPr>
+        <p:txBody>
+          <a:bodyPr/>
+          <a:lstStyle/>
+          <a:p>
+            <a:fld id="{94834FE6-5E49-41F4-BD3E-674FC4ACDD29}" type="slidenum">
+              <a:rPr lang="en-US" smtClean="0"/>
+              <a:t>‹#›</a:t>
+            </a:fld>
+            <a:endParaRPr lang="en-US"/>
+          </a:p>
+        </p:txBody>
+      </p:sp>
+    </p:spTree>
+    <p:extLst>
+      <p:ext uri="{BB962C8B-B14F-4D97-AF65-F5344CB8AC3E}">
+        <p14:creationId xmlns:p14="http://schemas.microsoft.com/office/powerpoint/2010/main" val="2178460844"/>
+      </p:ext>
+    </p:extLst>
+  </p:cSld>
+  <p:clrMapOvr>
+    <a:masterClrMapping/>
+  </p:clrMapOvr>
+</p:sldLayout>
+</file>
+
+<file path=ppt/slideLayouts/slideLayout22.xml><?xml version="1.0" encoding="utf-8"?>
+<p:sldLayout xmlns:a="http://schemas.openxmlformats.org/drawingml/2006/main" xmlns:r="http://schemas.openxmlformats.org/officeDocument/2006/relationships" xmlns:p="http://schemas.openxmlformats.org/presentationml/2006/main" type="vertTitleAndTx" preserve="1">
+  <p:cSld name="Vertical Title and Text">
+    <p:spTree>
+      <p:nvGrpSpPr>
+        <p:cNvPr id="1" name=""/>
+        <p:cNvGrpSpPr/>
+        <p:nvPr/>
+      </p:nvGrpSpPr>
+      <p:grpSpPr>
+        <a:xfrm>
+          <a:off x="0" y="0"/>
+          <a:ext cx="0" cy="0"/>
+          <a:chOff x="0" y="0"/>
+          <a:chExt cx="0" cy="0"/>
+        </a:xfrm>
+      </p:grpSpPr>
+      <p:sp>
+        <p:nvSpPr>
+          <p:cNvPr id="2" name="Vertical Title 1">
+            <a:extLst>
+              <a:ext uri="{FF2B5EF4-FFF2-40B4-BE49-F238E27FC236}">
+                <a16:creationId xmlns:a16="http://schemas.microsoft.com/office/drawing/2014/main" id="{625B27B3-16A2-C362-CCFC-B41FB35FA446}"/>
+              </a:ext>
+            </a:extLst>
+          </p:cNvPr>
+          <p:cNvSpPr>
+            <a:spLocks noGrp="1"/>
+          </p:cNvSpPr>
+          <p:nvPr>
+            <p:ph type="title" orient="vert"/>
+          </p:nvPr>
+        </p:nvSpPr>
+        <p:spPr>
+          <a:xfrm>
+            <a:off x="8724900" y="365125"/>
+            <a:ext cx="2628900" cy="5811838"/>
+          </a:xfrm>
+          <a:prstGeom prst="rect">
+            <a:avLst/>
+          </a:prstGeom>
+        </p:spPr>
+        <p:txBody>
+          <a:bodyPr vert="eaVert"/>
+          <a:lstStyle/>
+          <a:p>
+            <a:r>
+              <a:rPr lang="en-US"/>
+              <a:t>Click to edit Master title style</a:t>
+            </a:r>
+          </a:p>
+        </p:txBody>
+      </p:sp>
+      <p:sp>
+        <p:nvSpPr>
+          <p:cNvPr id="3" name="Vertical Text Placeholder 2">
+            <a:extLst>
+              <a:ext uri="{FF2B5EF4-FFF2-40B4-BE49-F238E27FC236}">
+                <a16:creationId xmlns:a16="http://schemas.microsoft.com/office/drawing/2014/main" id="{035BBEB4-2949-4DCD-ABB9-EF2EA670D2DC}"/>
+              </a:ext>
+            </a:extLst>
+          </p:cNvPr>
+          <p:cNvSpPr>
+            <a:spLocks noGrp="1"/>
+          </p:cNvSpPr>
+          <p:nvPr>
+            <p:ph type="body" orient="vert" idx="1"/>
+          </p:nvPr>
+        </p:nvSpPr>
+        <p:spPr>
+          <a:xfrm>
+            <a:off x="838200" y="365125"/>
+            <a:ext cx="7734300" cy="5811838"/>
+          </a:xfrm>
+          <a:prstGeom prst="rect">
+            <a:avLst/>
+          </a:prstGeom>
+        </p:spPr>
+        <p:txBody>
+          <a:bodyPr vert="eaVert"/>
+          <a:lstStyle/>
+          <a:p>
+            <a:pPr lvl="0"/>
+            <a:r>
+              <a:rPr lang="en-US"/>
+              <a:t>Click to edit Master text styles</a:t>
+            </a:r>
+          </a:p>
+          <a:p>
+            <a:pPr lvl="1"/>
+            <a:r>
+              <a:rPr lang="en-US"/>
+              <a:t>Second level</a:t>
+            </a:r>
+          </a:p>
+          <a:p>
+            <a:pPr lvl="2"/>
+            <a:r>
+              <a:rPr lang="en-US"/>
+              <a:t>Third level</a:t>
+            </a:r>
+          </a:p>
+          <a:p>
+            <a:pPr lvl="3"/>
+            <a:r>
+              <a:rPr lang="en-US"/>
+              <a:t>Fourth level</a:t>
+            </a:r>
+          </a:p>
+          <a:p>
+            <a:pPr lvl="4"/>
+            <a:r>
+              <a:rPr lang="en-US"/>
+              <a:t>Fifth level</a:t>
+            </a:r>
+          </a:p>
+        </p:txBody>
+      </p:sp>
+      <p:sp>
+        <p:nvSpPr>
+          <p:cNvPr id="4" name="Date Placeholder 3">
+            <a:extLst>
+              <a:ext uri="{FF2B5EF4-FFF2-40B4-BE49-F238E27FC236}">
+                <a16:creationId xmlns:a16="http://schemas.microsoft.com/office/drawing/2014/main" id="{9FE3B99E-BA08-96DD-B910-DF5570AFFB06}"/>
+              </a:ext>
+            </a:extLst>
+          </p:cNvPr>
+          <p:cNvSpPr>
+            <a:spLocks noGrp="1"/>
+          </p:cNvSpPr>
+          <p:nvPr>
+            <p:ph type="dt" sz="half" idx="10"/>
+          </p:nvPr>
+        </p:nvSpPr>
+        <p:spPr>
+          <a:xfrm>
+            <a:off x="838200" y="6356350"/>
+            <a:ext cx="2743200" cy="365125"/>
+          </a:xfrm>
+          <a:prstGeom prst="rect">
+            <a:avLst/>
+          </a:prstGeom>
+        </p:spPr>
+        <p:txBody>
+          <a:bodyPr/>
+          <a:lstStyle/>
+          <a:p>
+            <a:fld id="{0C6C1A25-4366-4F4A-8222-0600C7D6B40D}" type="datetimeFigureOut">
+              <a:rPr lang="en-US" smtClean="0"/>
+              <a:t>7/21/2025</a:t>
+            </a:fld>
+            <a:endParaRPr lang="en-US"/>
+          </a:p>
+        </p:txBody>
+      </p:sp>
+      <p:sp>
+        <p:nvSpPr>
+          <p:cNvPr id="5" name="Footer Placeholder 4">
+            <a:extLst>
+              <a:ext uri="{FF2B5EF4-FFF2-40B4-BE49-F238E27FC236}">
+                <a16:creationId xmlns:a16="http://schemas.microsoft.com/office/drawing/2014/main" id="{10282E2E-45F8-5699-B39B-47E40552C57F}"/>
+              </a:ext>
+            </a:extLst>
+          </p:cNvPr>
+          <p:cNvSpPr>
+            <a:spLocks noGrp="1"/>
+          </p:cNvSpPr>
+          <p:nvPr>
+            <p:ph type="ftr" sz="quarter" idx="11"/>
+          </p:nvPr>
+        </p:nvSpPr>
+        <p:spPr>
+          <a:xfrm>
+            <a:off x="4038600" y="6356350"/>
+            <a:ext cx="4114800" cy="365125"/>
+          </a:xfrm>
+          <a:prstGeom prst="rect">
+            <a:avLst/>
+          </a:prstGeom>
+        </p:spPr>
+        <p:txBody>
+          <a:bodyPr/>
+          <a:lstStyle/>
+          <a:p>
+            <a:endParaRPr lang="en-US"/>
+          </a:p>
+        </p:txBody>
+      </p:sp>
+      <p:sp>
+        <p:nvSpPr>
+          <p:cNvPr id="6" name="Slide Number Placeholder 5">
+            <a:extLst>
+              <a:ext uri="{FF2B5EF4-FFF2-40B4-BE49-F238E27FC236}">
+                <a16:creationId xmlns:a16="http://schemas.microsoft.com/office/drawing/2014/main" id="{3B8BCA4F-2894-126C-6711-C7B621FE8FD7}"/>
+              </a:ext>
+            </a:extLst>
+          </p:cNvPr>
+          <p:cNvSpPr>
+            <a:spLocks noGrp="1"/>
+          </p:cNvSpPr>
+          <p:nvPr>
+            <p:ph type="sldNum" sz="quarter" idx="12"/>
+          </p:nvPr>
+        </p:nvSpPr>
+        <p:spPr>
+          <a:xfrm>
+            <a:off x="8610600" y="6356350"/>
+            <a:ext cx="2743200" cy="365125"/>
+          </a:xfrm>
+          <a:prstGeom prst="rect">
+            <a:avLst/>
+          </a:prstGeom>
+        </p:spPr>
+        <p:txBody>
+          <a:bodyPr/>
+          <a:lstStyle/>
+          <a:p>
+            <a:fld id="{94834FE6-5E49-41F4-BD3E-674FC4ACDD29}" type="slidenum">
+              <a:rPr lang="en-US" smtClean="0"/>
+              <a:t>‹#›</a:t>
+            </a:fld>
+            <a:endParaRPr lang="en-US"/>
+          </a:p>
+        </p:txBody>
+      </p:sp>
+    </p:spTree>
+    <p:extLst>
+      <p:ext uri="{BB962C8B-B14F-4D97-AF65-F5344CB8AC3E}">
+        <p14:creationId xmlns:p14="http://schemas.microsoft.com/office/powerpoint/2010/main" val="2605649692"/>
       </p:ext>
     </p:extLst>
   </p:cSld>
@@ -1511,7 +4511,7 @@
           <a:p>
             <a:fld id="{D4A86528-A2ED-47D4-B96C-733C6D0735BE}" type="datetime1">
               <a:rPr lang="en-US" smtClean="0"/>
-              <a:t>7/18/2025</a:t>
+              <a:t>7/21/2025</a:t>
             </a:fld>
             <a:endParaRPr lang="en-US"/>
           </a:p>
@@ -1779,7 +4779,7 @@
           <a:p>
             <a:fld id="{25986CCB-0D62-4B3C-A601-C68CF8EC5E10}" type="datetime1">
               <a:rPr lang="en-US" smtClean="0"/>
-              <a:t>7/18/2025</a:t>
+              <a:t>7/21/2025</a:t>
             </a:fld>
             <a:endParaRPr lang="en-US"/>
           </a:p>
@@ -2194,7 +5194,7 @@
           <a:p>
             <a:fld id="{710834C0-B99D-4884-B109-D5E5D9D6E9E1}" type="datetime1">
               <a:rPr lang="en-US" smtClean="0"/>
-              <a:t>7/18/2025</a:t>
+              <a:t>7/21/2025</a:t>
             </a:fld>
             <a:endParaRPr lang="en-US"/>
           </a:p>
@@ -2338,7 +5338,7 @@
           <a:p>
             <a:fld id="{C44495E1-E824-4659-A7D0-4EEFC469C102}" type="datetime1">
               <a:rPr lang="en-US" smtClean="0"/>
-              <a:t>7/18/2025</a:t>
+              <a:t>7/21/2025</a:t>
             </a:fld>
             <a:endParaRPr lang="en-US"/>
           </a:p>
@@ -2454,7 +5454,7 @@
           <a:p>
             <a:fld id="{5A5C425B-16D2-4F61-A1BF-7F895807B8C1}" type="datetime1">
               <a:rPr lang="en-US" smtClean="0"/>
-              <a:t>7/18/2025</a:t>
+              <a:t>7/21/2025</a:t>
             </a:fld>
             <a:endParaRPr lang="en-US"/>
           </a:p>
@@ -2768,7 +5768,7 @@
           <a:p>
             <a:fld id="{E734214E-46DE-4CE4-A77E-2DA69B60A470}" type="datetime1">
               <a:rPr lang="en-US" smtClean="0"/>
-              <a:t>7/18/2025</a:t>
+              <a:t>7/21/2025</a:t>
             </a:fld>
             <a:endParaRPr lang="en-US"/>
           </a:p>
@@ -3059,7 +6059,7 @@
           <a:p>
             <a:fld id="{B8213968-66EE-4CF6-B8FA-A8B1DA5C6DE5}" type="datetime1">
               <a:rPr lang="en-US" smtClean="0"/>
-              <a:t>7/18/2025</a:t>
+              <a:t>7/21/2025</a:t>
             </a:fld>
             <a:endParaRPr lang="en-US"/>
           </a:p>
@@ -3303,7 +6303,7 @@
           <a:p>
             <a:fld id="{4720A6BE-0E74-44EC-A1C2-C690BCB6B12D}" type="datetime1">
               <a:rPr lang="en-US" smtClean="0"/>
-              <a:t>7/18/2025</a:t>
+              <a:t>7/21/2025</a:t>
             </a:fld>
             <a:endParaRPr lang="en-US"/>
           </a:p>
@@ -3707,7 +6707,2100 @@
 </p:sldMaster>
 </file>
 
+<file path=ppt/slideMasters/slideMaster2.xml><?xml version="1.0" encoding="utf-8"?>
+<p:sldMaster xmlns:a="http://schemas.openxmlformats.org/drawingml/2006/main" xmlns:r="http://schemas.openxmlformats.org/officeDocument/2006/relationships" xmlns:p="http://schemas.openxmlformats.org/presentationml/2006/main" preserve="1">
+  <p:cSld>
+    <p:bg>
+      <p:bgRef idx="1001">
+        <a:schemeClr val="bg1"/>
+      </p:bgRef>
+    </p:bg>
+    <p:spTree>
+      <p:nvGrpSpPr>
+        <p:cNvPr id="1" name=""/>
+        <p:cNvGrpSpPr/>
+        <p:nvPr/>
+      </p:nvGrpSpPr>
+      <p:grpSpPr>
+        <a:xfrm>
+          <a:off x="0" y="0"/>
+          <a:ext cx="0" cy="0"/>
+          <a:chOff x="0" y="0"/>
+          <a:chExt cx="0" cy="0"/>
+        </a:xfrm>
+      </p:grpSpPr>
+      <p:pic>
+        <p:nvPicPr>
+          <p:cNvPr id="7" name="Picture 6" descr="A green alligator with white text and green circle&#10;&#10;AI-generated content may be incorrect.">
+            <a:extLst>
+              <a:ext uri="{FF2B5EF4-FFF2-40B4-BE49-F238E27FC236}">
+                <a16:creationId xmlns:a16="http://schemas.microsoft.com/office/drawing/2014/main" id="{7DC5DB24-6E5C-774A-DBA8-729602EEDD59}"/>
+              </a:ext>
+            </a:extLst>
+          </p:cNvPr>
+          <p:cNvPicPr>
+            <a:picLocks noChangeAspect="1"/>
+          </p:cNvPicPr>
+          <p:nvPr userDrawn="1"/>
+        </p:nvPicPr>
+        <p:blipFill>
+          <a:blip r:embed="rId13">
+            <a:alphaModFix amt="5000"/>
+            <a:extLst>
+              <a:ext uri="{28A0092B-C50C-407E-A947-70E740481C1C}">
+                <a14:useLocalDpi xmlns:a14="http://schemas.microsoft.com/office/drawing/2010/main" val="0"/>
+              </a:ext>
+            </a:extLst>
+          </a:blip>
+          <a:stretch>
+            <a:fillRect/>
+          </a:stretch>
+        </p:blipFill>
+        <p:spPr>
+          <a:xfrm>
+            <a:off x="2685595" y="724087"/>
+            <a:ext cx="6820811" cy="5905313"/>
+          </a:xfrm>
+          <a:prstGeom prst="rect">
+            <a:avLst/>
+          </a:prstGeom>
+        </p:spPr>
+      </p:pic>
+      <p:sp>
+        <p:nvSpPr>
+          <p:cNvPr id="8" name="Rectangle 7">
+            <a:extLst>
+              <a:ext uri="{FF2B5EF4-FFF2-40B4-BE49-F238E27FC236}">
+                <a16:creationId xmlns:a16="http://schemas.microsoft.com/office/drawing/2014/main" id="{DB3C8921-F115-B17E-4524-9A906DA278E6}"/>
+              </a:ext>
+            </a:extLst>
+          </p:cNvPr>
+          <p:cNvSpPr/>
+          <p:nvPr userDrawn="1"/>
+        </p:nvSpPr>
+        <p:spPr>
+          <a:xfrm>
+            <a:off x="-1" y="6289765"/>
+            <a:ext cx="12192000" cy="609551"/>
+          </a:xfrm>
+          <a:prstGeom prst="rect">
+            <a:avLst/>
+          </a:prstGeom>
+          <a:solidFill>
+            <a:srgbClr val="9DAB39"/>
+          </a:solidFill>
+          <a:ln>
+            <a:noFill/>
+          </a:ln>
+        </p:spPr>
+        <p:style>
+          <a:lnRef idx="2">
+            <a:schemeClr val="accent1">
+              <a:shade val="15000"/>
+            </a:schemeClr>
+          </a:lnRef>
+          <a:fillRef idx="1">
+            <a:schemeClr val="accent1"/>
+          </a:fillRef>
+          <a:effectRef idx="0">
+            <a:schemeClr val="accent1"/>
+          </a:effectRef>
+          <a:fontRef idx="minor">
+            <a:schemeClr val="lt1"/>
+          </a:fontRef>
+        </p:style>
+        <p:txBody>
+          <a:bodyPr rtlCol="0" anchor="ctr"/>
+          <a:lstStyle/>
+          <a:p>
+            <a:pPr algn="ctr"/>
+            <a:endParaRPr lang="en-US"/>
+          </a:p>
+        </p:txBody>
+      </p:sp>
+      <p:sp>
+        <p:nvSpPr>
+          <p:cNvPr id="9" name="Rectangle 8">
+            <a:extLst>
+              <a:ext uri="{FF2B5EF4-FFF2-40B4-BE49-F238E27FC236}">
+                <a16:creationId xmlns:a16="http://schemas.microsoft.com/office/drawing/2014/main" id="{92862C24-CD22-A16E-B2CD-7A10A897AFC5}"/>
+              </a:ext>
+            </a:extLst>
+          </p:cNvPr>
+          <p:cNvSpPr/>
+          <p:nvPr userDrawn="1"/>
+        </p:nvSpPr>
+        <p:spPr>
+          <a:xfrm>
+            <a:off x="0" y="0"/>
+            <a:ext cx="12192000" cy="957630"/>
+          </a:xfrm>
+          <a:prstGeom prst="rect">
+            <a:avLst/>
+          </a:prstGeom>
+          <a:solidFill>
+            <a:srgbClr val="38761D"/>
+          </a:solidFill>
+          <a:ln>
+            <a:noFill/>
+          </a:ln>
+        </p:spPr>
+        <p:style>
+          <a:lnRef idx="2">
+            <a:schemeClr val="accent1">
+              <a:shade val="15000"/>
+            </a:schemeClr>
+          </a:lnRef>
+          <a:fillRef idx="1">
+            <a:schemeClr val="accent1"/>
+          </a:fillRef>
+          <a:effectRef idx="0">
+            <a:schemeClr val="accent1"/>
+          </a:effectRef>
+          <a:fontRef idx="minor">
+            <a:schemeClr val="lt1"/>
+          </a:fontRef>
+        </p:style>
+        <p:txBody>
+          <a:bodyPr rtlCol="0" anchor="ctr"/>
+          <a:lstStyle/>
+          <a:p>
+            <a:pPr algn="ctr"/>
+            <a:endParaRPr lang="en-US"/>
+          </a:p>
+        </p:txBody>
+      </p:sp>
+      <p:sp>
+        <p:nvSpPr>
+          <p:cNvPr id="10" name="Text Box 37">
+            <a:extLst>
+              <a:ext uri="{FF2B5EF4-FFF2-40B4-BE49-F238E27FC236}">
+                <a16:creationId xmlns:a16="http://schemas.microsoft.com/office/drawing/2014/main" id="{90C05088-64F6-E105-89E4-71DCA6248A2B}"/>
+              </a:ext>
+            </a:extLst>
+          </p:cNvPr>
+          <p:cNvSpPr txBox="1">
+            <a:spLocks noChangeArrowheads="1"/>
+          </p:cNvSpPr>
+          <p:nvPr userDrawn="1"/>
+        </p:nvSpPr>
+        <p:spPr bwMode="auto">
+          <a:xfrm>
+            <a:off x="-159954" y="131124"/>
+            <a:ext cx="12192000" cy="638331"/>
+          </a:xfrm>
+          <a:prstGeom prst="rect">
+            <a:avLst/>
+          </a:prstGeom>
+          <a:noFill/>
+          <a:ln>
+            <a:noFill/>
+          </a:ln>
+          <a:effectLst/>
+          <a:extLst>
+            <a:ext uri="{909E8E84-426E-40DD-AFC4-6F175D3DCCD1}">
+              <a14:hiddenFill xmlns:a14="http://schemas.microsoft.com/office/drawing/2010/main">
+                <a:solidFill>
+                  <a:srgbClr val="5B9BD5"/>
+                </a:solidFill>
+              </a14:hiddenFill>
+            </a:ext>
+            <a:ext uri="{91240B29-F687-4F45-9708-019B960494DF}">
+              <a14:hiddenLine xmlns:a14="http://schemas.microsoft.com/office/drawing/2010/main" w="25400" algn="ctr">
+                <a:solidFill>
+                  <a:srgbClr val="000000"/>
+                </a:solidFill>
+                <a:miter lim="800000"/>
+                <a:headEnd/>
+                <a:tailEnd/>
+              </a14:hiddenLine>
+            </a:ext>
+            <a:ext uri="{AF507438-7753-43E0-B8FC-AC1667EBCBE1}">
+              <a14:hiddenEffects xmlns:a14="http://schemas.microsoft.com/office/drawing/2010/main">
+                <a:effectLst>
+                  <a:outerShdw dist="35921" dir="2700000" algn="ctr" rotWithShape="0">
+                    <a:srgbClr val="000000"/>
+                  </a:outerShdw>
+                </a:effectLst>
+              </a14:hiddenEffects>
+            </a:ext>
+          </a:extLst>
+        </p:spPr>
+        <p:txBody>
+          <a:bodyPr vert="horz" wrap="square" lIns="36576" tIns="36576" rIns="36576" bIns="36576" numCol="1" anchor="t" anchorCtr="0" compatLnSpc="1">
+            <a:prstTxWarp prst="textNoShape">
+              <a:avLst/>
+            </a:prstTxWarp>
+          </a:bodyPr>
+          <a:lstStyle/>
+          <a:p>
+            <a:pPr marL="0" marR="0" lvl="0" indent="0" algn="ctr" defTabSz="914400" rtl="0" eaLnBrk="0" fontAlgn="base" latinLnBrk="0" hangingPunct="0">
+              <a:lnSpc>
+                <a:spcPct val="100000"/>
+              </a:lnSpc>
+              <a:spcBef>
+                <a:spcPct val="0"/>
+              </a:spcBef>
+              <a:spcAft>
+                <a:spcPct val="0"/>
+              </a:spcAft>
+              <a:buClrTx/>
+              <a:buSzTx/>
+              <a:buFontTx/>
+              <a:buNone/>
+              <a:tabLst/>
+            </a:pPr>
+            <a:r>
+              <a:rPr kumimoji="0" lang="en-US" altLang="en-US" sz="3200" b="0" i="0" u="none" strike="noStrike" cap="none" normalizeH="0" baseline="0" dirty="0">
+                <a:ln>
+                  <a:noFill/>
+                </a:ln>
+                <a:solidFill>
+                  <a:schemeClr val="bg1"/>
+                </a:solidFill>
+                <a:effectLst/>
+                <a:latin typeface="Berlin Sans FB" panose="020E0602020502020306" pitchFamily="34" charset="0"/>
+              </a:rPr>
+              <a:t>SQL Saturday Baton Rouge 2025</a:t>
+            </a:r>
+          </a:p>
+        </p:txBody>
+      </p:sp>
+      <p:sp>
+        <p:nvSpPr>
+          <p:cNvPr id="11" name="TextBox 10">
+            <a:extLst>
+              <a:ext uri="{FF2B5EF4-FFF2-40B4-BE49-F238E27FC236}">
+                <a16:creationId xmlns:a16="http://schemas.microsoft.com/office/drawing/2014/main" id="{7F7E86C7-3FF6-D37B-67A8-16B91DB04977}"/>
+              </a:ext>
+            </a:extLst>
+          </p:cNvPr>
+          <p:cNvSpPr txBox="1"/>
+          <p:nvPr userDrawn="1"/>
+        </p:nvSpPr>
+        <p:spPr>
+          <a:xfrm>
+            <a:off x="-78572" y="6234448"/>
+            <a:ext cx="12191999" cy="584775"/>
+          </a:xfrm>
+          <a:prstGeom prst="rect">
+            <a:avLst/>
+          </a:prstGeom>
+          <a:noFill/>
+        </p:spPr>
+        <p:txBody>
+          <a:bodyPr wrap="square">
+            <a:spAutoFit/>
+          </a:bodyPr>
+          <a:lstStyle/>
+          <a:p>
+            <a:pPr marL="0" marR="0" lvl="0" indent="0" algn="ctr" defTabSz="914400" rtl="0" eaLnBrk="0" fontAlgn="base" latinLnBrk="0" hangingPunct="0">
+              <a:lnSpc>
+                <a:spcPct val="100000"/>
+              </a:lnSpc>
+              <a:spcBef>
+                <a:spcPct val="0"/>
+              </a:spcBef>
+              <a:spcAft>
+                <a:spcPct val="0"/>
+              </a:spcAft>
+              <a:buClrTx/>
+              <a:buSzTx/>
+              <a:buFontTx/>
+              <a:buNone/>
+              <a:tabLst/>
+            </a:pPr>
+            <a:r>
+              <a:rPr lang="en-US" altLang="en-US" sz="3200" dirty="0">
+                <a:solidFill>
+                  <a:schemeClr val="bg1"/>
+                </a:solidFill>
+                <a:latin typeface="Berlin Sans FB" panose="020E0602020502020306" pitchFamily="34" charset="0"/>
+              </a:rPr>
+              <a:t>NO FOOD OR DRINKS IN THE CLASSROOMS</a:t>
+            </a:r>
+            <a:endParaRPr kumimoji="0" lang="en-US" altLang="en-US" sz="2000" b="0" i="0" u="none" strike="noStrike" cap="none" normalizeH="0" baseline="0" dirty="0">
+              <a:ln>
+                <a:noFill/>
+              </a:ln>
+              <a:solidFill>
+                <a:schemeClr val="bg1"/>
+              </a:solidFill>
+              <a:effectLst/>
+              <a:latin typeface="Berlin Sans FB" panose="020E0602020502020306" pitchFamily="34" charset="0"/>
+            </a:endParaRPr>
+          </a:p>
+        </p:txBody>
+      </p:sp>
+    </p:spTree>
+    <p:extLst>
+      <p:ext uri="{BB962C8B-B14F-4D97-AF65-F5344CB8AC3E}">
+        <p14:creationId xmlns:p14="http://schemas.microsoft.com/office/powerpoint/2010/main" val="1840949248"/>
+      </p:ext>
+    </p:extLst>
+  </p:cSld>
+  <p:clrMap bg1="lt1" tx1="dk1" bg2="lt2" tx2="dk2" accent1="accent1" accent2="accent2" accent3="accent3" accent4="accent4" accent5="accent5" accent6="accent6" hlink="hlink" folHlink="folHlink"/>
+  <p:sldLayoutIdLst>
+    <p:sldLayoutId id="2147483661" r:id="rId1"/>
+    <p:sldLayoutId id="2147483662" r:id="rId2"/>
+    <p:sldLayoutId id="2147483663" r:id="rId3"/>
+    <p:sldLayoutId id="2147483664" r:id="rId4"/>
+    <p:sldLayoutId id="2147483665" r:id="rId5"/>
+    <p:sldLayoutId id="2147483666" r:id="rId6"/>
+    <p:sldLayoutId id="2147483667" r:id="rId7"/>
+    <p:sldLayoutId id="2147483668" r:id="rId8"/>
+    <p:sldLayoutId id="2147483669" r:id="rId9"/>
+    <p:sldLayoutId id="2147483670" r:id="rId10"/>
+    <p:sldLayoutId id="2147483671" r:id="rId11"/>
+  </p:sldLayoutIdLst>
+  <p:txStyles>
+    <p:titleStyle>
+      <a:lvl1pPr algn="l" defTabSz="914400" rtl="0" eaLnBrk="1" latinLnBrk="0" hangingPunct="1">
+        <a:lnSpc>
+          <a:spcPct val="90000"/>
+        </a:lnSpc>
+        <a:spcBef>
+          <a:spcPct val="0"/>
+        </a:spcBef>
+        <a:buNone/>
+        <a:defRPr sz="4400" kern="1200">
+          <a:solidFill>
+            <a:schemeClr val="tx1"/>
+          </a:solidFill>
+          <a:latin typeface="+mj-lt"/>
+          <a:ea typeface="+mj-ea"/>
+          <a:cs typeface="+mj-cs"/>
+        </a:defRPr>
+      </a:lvl1pPr>
+    </p:titleStyle>
+    <p:bodyStyle>
+      <a:lvl1pPr marL="228600" indent="-228600" algn="l" defTabSz="914400" rtl="0" eaLnBrk="1" latinLnBrk="0" hangingPunct="1">
+        <a:lnSpc>
+          <a:spcPct val="90000"/>
+        </a:lnSpc>
+        <a:spcBef>
+          <a:spcPts val="1000"/>
+        </a:spcBef>
+        <a:buFont typeface="Arial" panose="020B0604020202020204" pitchFamily="34" charset="0"/>
+        <a:buChar char="•"/>
+        <a:defRPr sz="2800" kern="1200">
+          <a:solidFill>
+            <a:schemeClr val="tx1"/>
+          </a:solidFill>
+          <a:latin typeface="+mn-lt"/>
+          <a:ea typeface="+mn-ea"/>
+          <a:cs typeface="+mn-cs"/>
+        </a:defRPr>
+      </a:lvl1pPr>
+      <a:lvl2pPr marL="685800" indent="-228600" algn="l" defTabSz="914400" rtl="0" eaLnBrk="1" latinLnBrk="0" hangingPunct="1">
+        <a:lnSpc>
+          <a:spcPct val="90000"/>
+        </a:lnSpc>
+        <a:spcBef>
+          <a:spcPts val="500"/>
+        </a:spcBef>
+        <a:buFont typeface="Arial" panose="020B0604020202020204" pitchFamily="34" charset="0"/>
+        <a:buChar char="•"/>
+        <a:defRPr sz="2400" kern="1200">
+          <a:solidFill>
+            <a:schemeClr val="tx1"/>
+          </a:solidFill>
+          <a:latin typeface="+mn-lt"/>
+          <a:ea typeface="+mn-ea"/>
+          <a:cs typeface="+mn-cs"/>
+        </a:defRPr>
+      </a:lvl2pPr>
+      <a:lvl3pPr marL="1143000" indent="-228600" algn="l" defTabSz="914400" rtl="0" eaLnBrk="1" latinLnBrk="0" hangingPunct="1">
+        <a:lnSpc>
+          <a:spcPct val="90000"/>
+        </a:lnSpc>
+        <a:spcBef>
+          <a:spcPts val="500"/>
+        </a:spcBef>
+        <a:buFont typeface="Arial" panose="020B0604020202020204" pitchFamily="34" charset="0"/>
+        <a:buChar char="•"/>
+        <a:defRPr sz="2000" kern="1200">
+          <a:solidFill>
+            <a:schemeClr val="tx1"/>
+          </a:solidFill>
+          <a:latin typeface="+mn-lt"/>
+          <a:ea typeface="+mn-ea"/>
+          <a:cs typeface="+mn-cs"/>
+        </a:defRPr>
+      </a:lvl3pPr>
+      <a:lvl4pPr marL="1600200" indent="-228600" algn="l" defTabSz="914400" rtl="0" eaLnBrk="1" latinLnBrk="0" hangingPunct="1">
+        <a:lnSpc>
+          <a:spcPct val="90000"/>
+        </a:lnSpc>
+        <a:spcBef>
+          <a:spcPts val="500"/>
+        </a:spcBef>
+        <a:buFont typeface="Arial" panose="020B0604020202020204" pitchFamily="34" charset="0"/>
+        <a:buChar char="•"/>
+        <a:defRPr sz="1800" kern="1200">
+          <a:solidFill>
+            <a:schemeClr val="tx1"/>
+          </a:solidFill>
+          <a:latin typeface="+mn-lt"/>
+          <a:ea typeface="+mn-ea"/>
+          <a:cs typeface="+mn-cs"/>
+        </a:defRPr>
+      </a:lvl4pPr>
+      <a:lvl5pPr marL="2057400" indent="-228600" algn="l" defTabSz="914400" rtl="0" eaLnBrk="1" latinLnBrk="0" hangingPunct="1">
+        <a:lnSpc>
+          <a:spcPct val="90000"/>
+        </a:lnSpc>
+        <a:spcBef>
+          <a:spcPts val="500"/>
+        </a:spcBef>
+        <a:buFont typeface="Arial" panose="020B0604020202020204" pitchFamily="34" charset="0"/>
+        <a:buChar char="•"/>
+        <a:defRPr sz="1800" kern="1200">
+          <a:solidFill>
+            <a:schemeClr val="tx1"/>
+          </a:solidFill>
+          <a:latin typeface="+mn-lt"/>
+          <a:ea typeface="+mn-ea"/>
+          <a:cs typeface="+mn-cs"/>
+        </a:defRPr>
+      </a:lvl5pPr>
+      <a:lvl6pPr marL="2514600" indent="-228600" algn="l" defTabSz="914400" rtl="0" eaLnBrk="1" latinLnBrk="0" hangingPunct="1">
+        <a:lnSpc>
+          <a:spcPct val="90000"/>
+        </a:lnSpc>
+        <a:spcBef>
+          <a:spcPts val="500"/>
+        </a:spcBef>
+        <a:buFont typeface="Arial" panose="020B0604020202020204" pitchFamily="34" charset="0"/>
+        <a:buChar char="•"/>
+        <a:defRPr sz="1800" kern="1200">
+          <a:solidFill>
+            <a:schemeClr val="tx1"/>
+          </a:solidFill>
+          <a:latin typeface="+mn-lt"/>
+          <a:ea typeface="+mn-ea"/>
+          <a:cs typeface="+mn-cs"/>
+        </a:defRPr>
+      </a:lvl6pPr>
+      <a:lvl7pPr marL="2971800" indent="-228600" algn="l" defTabSz="914400" rtl="0" eaLnBrk="1" latinLnBrk="0" hangingPunct="1">
+        <a:lnSpc>
+          <a:spcPct val="90000"/>
+        </a:lnSpc>
+        <a:spcBef>
+          <a:spcPts val="500"/>
+        </a:spcBef>
+        <a:buFont typeface="Arial" panose="020B0604020202020204" pitchFamily="34" charset="0"/>
+        <a:buChar char="•"/>
+        <a:defRPr sz="1800" kern="1200">
+          <a:solidFill>
+            <a:schemeClr val="tx1"/>
+          </a:solidFill>
+          <a:latin typeface="+mn-lt"/>
+          <a:ea typeface="+mn-ea"/>
+          <a:cs typeface="+mn-cs"/>
+        </a:defRPr>
+      </a:lvl7pPr>
+      <a:lvl8pPr marL="3429000" indent="-228600" algn="l" defTabSz="914400" rtl="0" eaLnBrk="1" latinLnBrk="0" hangingPunct="1">
+        <a:lnSpc>
+          <a:spcPct val="90000"/>
+        </a:lnSpc>
+        <a:spcBef>
+          <a:spcPts val="500"/>
+        </a:spcBef>
+        <a:buFont typeface="Arial" panose="020B0604020202020204" pitchFamily="34" charset="0"/>
+        <a:buChar char="•"/>
+        <a:defRPr sz="1800" kern="1200">
+          <a:solidFill>
+            <a:schemeClr val="tx1"/>
+          </a:solidFill>
+          <a:latin typeface="+mn-lt"/>
+          <a:ea typeface="+mn-ea"/>
+          <a:cs typeface="+mn-cs"/>
+        </a:defRPr>
+      </a:lvl8pPr>
+      <a:lvl9pPr marL="3886200" indent="-228600" algn="l" defTabSz="914400" rtl="0" eaLnBrk="1" latinLnBrk="0" hangingPunct="1">
+        <a:lnSpc>
+          <a:spcPct val="90000"/>
+        </a:lnSpc>
+        <a:spcBef>
+          <a:spcPts val="500"/>
+        </a:spcBef>
+        <a:buFont typeface="Arial" panose="020B0604020202020204" pitchFamily="34" charset="0"/>
+        <a:buChar char="•"/>
+        <a:defRPr sz="1800" kern="1200">
+          <a:solidFill>
+            <a:schemeClr val="tx1"/>
+          </a:solidFill>
+          <a:latin typeface="+mn-lt"/>
+          <a:ea typeface="+mn-ea"/>
+          <a:cs typeface="+mn-cs"/>
+        </a:defRPr>
+      </a:lvl9pPr>
+    </p:bodyStyle>
+    <p:otherStyle>
+      <a:defPPr>
+        <a:defRPr lang="en-US"/>
+      </a:defPPr>
+      <a:lvl1pPr marL="0" algn="l" defTabSz="914400" rtl="0" eaLnBrk="1" latinLnBrk="0" hangingPunct="1">
+        <a:defRPr sz="1800" kern="1200">
+          <a:solidFill>
+            <a:schemeClr val="tx1"/>
+          </a:solidFill>
+          <a:latin typeface="+mn-lt"/>
+          <a:ea typeface="+mn-ea"/>
+          <a:cs typeface="+mn-cs"/>
+        </a:defRPr>
+      </a:lvl1pPr>
+      <a:lvl2pPr marL="457200" algn="l" defTabSz="914400" rtl="0" eaLnBrk="1" latinLnBrk="0" hangingPunct="1">
+        <a:defRPr sz="1800" kern="1200">
+          <a:solidFill>
+            <a:schemeClr val="tx1"/>
+          </a:solidFill>
+          <a:latin typeface="+mn-lt"/>
+          <a:ea typeface="+mn-ea"/>
+          <a:cs typeface="+mn-cs"/>
+        </a:defRPr>
+      </a:lvl2pPr>
+      <a:lvl3pPr marL="914400" algn="l" defTabSz="914400" rtl="0" eaLnBrk="1" latinLnBrk="0" hangingPunct="1">
+        <a:defRPr sz="1800" kern="1200">
+          <a:solidFill>
+            <a:schemeClr val="tx1"/>
+          </a:solidFill>
+          <a:latin typeface="+mn-lt"/>
+          <a:ea typeface="+mn-ea"/>
+          <a:cs typeface="+mn-cs"/>
+        </a:defRPr>
+      </a:lvl3pPr>
+      <a:lvl4pPr marL="1371600" algn="l" defTabSz="914400" rtl="0" eaLnBrk="1" latinLnBrk="0" hangingPunct="1">
+        <a:defRPr sz="1800" kern="1200">
+          <a:solidFill>
+            <a:schemeClr val="tx1"/>
+          </a:solidFill>
+          <a:latin typeface="+mn-lt"/>
+          <a:ea typeface="+mn-ea"/>
+          <a:cs typeface="+mn-cs"/>
+        </a:defRPr>
+      </a:lvl4pPr>
+      <a:lvl5pPr marL="1828800" algn="l" defTabSz="914400" rtl="0" eaLnBrk="1" latinLnBrk="0" hangingPunct="1">
+        <a:defRPr sz="1800" kern="1200">
+          <a:solidFill>
+            <a:schemeClr val="tx1"/>
+          </a:solidFill>
+          <a:latin typeface="+mn-lt"/>
+          <a:ea typeface="+mn-ea"/>
+          <a:cs typeface="+mn-cs"/>
+        </a:defRPr>
+      </a:lvl5pPr>
+      <a:lvl6pPr marL="2286000" algn="l" defTabSz="914400" rtl="0" eaLnBrk="1" latinLnBrk="0" hangingPunct="1">
+        <a:defRPr sz="1800" kern="1200">
+          <a:solidFill>
+            <a:schemeClr val="tx1"/>
+          </a:solidFill>
+          <a:latin typeface="+mn-lt"/>
+          <a:ea typeface="+mn-ea"/>
+          <a:cs typeface="+mn-cs"/>
+        </a:defRPr>
+      </a:lvl6pPr>
+      <a:lvl7pPr marL="2743200" algn="l" defTabSz="914400" rtl="0" eaLnBrk="1" latinLnBrk="0" hangingPunct="1">
+        <a:defRPr sz="1800" kern="1200">
+          <a:solidFill>
+            <a:schemeClr val="tx1"/>
+          </a:solidFill>
+          <a:latin typeface="+mn-lt"/>
+          <a:ea typeface="+mn-ea"/>
+          <a:cs typeface="+mn-cs"/>
+        </a:defRPr>
+      </a:lvl7pPr>
+      <a:lvl8pPr marL="3200400" algn="l" defTabSz="914400" rtl="0" eaLnBrk="1" latinLnBrk="0" hangingPunct="1">
+        <a:defRPr sz="1800" kern="1200">
+          <a:solidFill>
+            <a:schemeClr val="tx1"/>
+          </a:solidFill>
+          <a:latin typeface="+mn-lt"/>
+          <a:ea typeface="+mn-ea"/>
+          <a:cs typeface="+mn-cs"/>
+        </a:defRPr>
+      </a:lvl8pPr>
+      <a:lvl9pPr marL="3657600" algn="l" defTabSz="914400" rtl="0" eaLnBrk="1" latinLnBrk="0" hangingPunct="1">
+        <a:defRPr sz="1800" kern="1200">
+          <a:solidFill>
+            <a:schemeClr val="tx1"/>
+          </a:solidFill>
+          <a:latin typeface="+mn-lt"/>
+          <a:ea typeface="+mn-ea"/>
+          <a:cs typeface="+mn-cs"/>
+        </a:defRPr>
+      </a:lvl9pPr>
+    </p:otherStyle>
+  </p:txStyles>
+</p:sldMaster>
+</file>
+
 <file path=ppt/slides/slide1.xml><?xml version="1.0" encoding="utf-8"?>
+<p:sld xmlns:a="http://schemas.openxmlformats.org/drawingml/2006/main" xmlns:r="http://schemas.openxmlformats.org/officeDocument/2006/relationships" xmlns:p="http://schemas.openxmlformats.org/presentationml/2006/main">
+  <p:cSld>
+    <p:spTree>
+      <p:nvGrpSpPr>
+        <p:cNvPr id="1" name="">
+          <a:extLst>
+            <a:ext uri="{FF2B5EF4-FFF2-40B4-BE49-F238E27FC236}">
+              <a16:creationId xmlns:a16="http://schemas.microsoft.com/office/drawing/2014/main" id="{8DDAB2A4-D3B6-26C9-F502-C993BACC1BF3}"/>
+            </a:ext>
+          </a:extLst>
+        </p:cNvPr>
+        <p:cNvGrpSpPr/>
+        <p:nvPr/>
+      </p:nvGrpSpPr>
+      <p:grpSpPr>
+        <a:xfrm>
+          <a:off x="0" y="0"/>
+          <a:ext cx="0" cy="0"/>
+          <a:chOff x="0" y="0"/>
+          <a:chExt cx="0" cy="0"/>
+        </a:xfrm>
+      </p:grpSpPr>
+      <p:pic>
+        <p:nvPicPr>
+          <p:cNvPr id="5" name="Picture 4" descr="A green alligator with white text and green circle&#10;&#10;AI-generated content may be incorrect.">
+            <a:extLst>
+              <a:ext uri="{FF2B5EF4-FFF2-40B4-BE49-F238E27FC236}">
+                <a16:creationId xmlns:a16="http://schemas.microsoft.com/office/drawing/2014/main" id="{65B3AC54-CD75-4A2A-E994-80D6E0383386}"/>
+              </a:ext>
+            </a:extLst>
+          </p:cNvPr>
+          <p:cNvPicPr>
+            <a:picLocks noChangeAspect="1"/>
+          </p:cNvPicPr>
+          <p:nvPr/>
+        </p:nvPicPr>
+        <p:blipFill>
+          <a:blip r:embed="rId2">
+            <a:alphaModFix amt="5000"/>
+            <a:extLst>
+              <a:ext uri="{28A0092B-C50C-407E-A947-70E740481C1C}">
+                <a14:useLocalDpi xmlns:a14="http://schemas.microsoft.com/office/drawing/2010/main" val="0"/>
+              </a:ext>
+            </a:extLst>
+          </a:blip>
+          <a:stretch>
+            <a:fillRect/>
+          </a:stretch>
+        </p:blipFill>
+        <p:spPr>
+          <a:xfrm>
+            <a:off x="2685595" y="724087"/>
+            <a:ext cx="6820811" cy="5905313"/>
+          </a:xfrm>
+          <a:prstGeom prst="rect">
+            <a:avLst/>
+          </a:prstGeom>
+        </p:spPr>
+      </p:pic>
+      <p:sp>
+        <p:nvSpPr>
+          <p:cNvPr id="22" name="Rectangle 21">
+            <a:extLst>
+              <a:ext uri="{FF2B5EF4-FFF2-40B4-BE49-F238E27FC236}">
+                <a16:creationId xmlns:a16="http://schemas.microsoft.com/office/drawing/2014/main" id="{9487AFFB-1D2C-A00E-6C29-99ACB0A01944}"/>
+              </a:ext>
+            </a:extLst>
+          </p:cNvPr>
+          <p:cNvSpPr/>
+          <p:nvPr/>
+        </p:nvSpPr>
+        <p:spPr>
+          <a:xfrm>
+            <a:off x="-1" y="6289765"/>
+            <a:ext cx="12192000" cy="609551"/>
+          </a:xfrm>
+          <a:prstGeom prst="rect">
+            <a:avLst/>
+          </a:prstGeom>
+          <a:solidFill>
+            <a:srgbClr val="9DAB39"/>
+          </a:solidFill>
+          <a:ln>
+            <a:noFill/>
+          </a:ln>
+        </p:spPr>
+        <p:style>
+          <a:lnRef idx="2">
+            <a:schemeClr val="accent1">
+              <a:shade val="15000"/>
+            </a:schemeClr>
+          </a:lnRef>
+          <a:fillRef idx="1">
+            <a:schemeClr val="accent1"/>
+          </a:fillRef>
+          <a:effectRef idx="0">
+            <a:schemeClr val="accent1"/>
+          </a:effectRef>
+          <a:fontRef idx="minor">
+            <a:schemeClr val="lt1"/>
+          </a:fontRef>
+        </p:style>
+        <p:txBody>
+          <a:bodyPr rtlCol="0" anchor="ctr"/>
+          <a:lstStyle/>
+          <a:p>
+            <a:pPr algn="ctr"/>
+            <a:endParaRPr lang="en-US"/>
+          </a:p>
+        </p:txBody>
+      </p:sp>
+      <p:sp>
+        <p:nvSpPr>
+          <p:cNvPr id="21" name="Rectangle 20">
+            <a:extLst>
+              <a:ext uri="{FF2B5EF4-FFF2-40B4-BE49-F238E27FC236}">
+                <a16:creationId xmlns:a16="http://schemas.microsoft.com/office/drawing/2014/main" id="{80123B59-DFAC-23EF-8EDA-D4514868BA72}"/>
+              </a:ext>
+            </a:extLst>
+          </p:cNvPr>
+          <p:cNvSpPr/>
+          <p:nvPr/>
+        </p:nvSpPr>
+        <p:spPr>
+          <a:xfrm>
+            <a:off x="0" y="0"/>
+            <a:ext cx="12192000" cy="957630"/>
+          </a:xfrm>
+          <a:prstGeom prst="rect">
+            <a:avLst/>
+          </a:prstGeom>
+          <a:solidFill>
+            <a:srgbClr val="38761D"/>
+          </a:solidFill>
+          <a:ln>
+            <a:noFill/>
+          </a:ln>
+        </p:spPr>
+        <p:style>
+          <a:lnRef idx="2">
+            <a:schemeClr val="accent1">
+              <a:shade val="15000"/>
+            </a:schemeClr>
+          </a:lnRef>
+          <a:fillRef idx="1">
+            <a:schemeClr val="accent1"/>
+          </a:fillRef>
+          <a:effectRef idx="0">
+            <a:schemeClr val="accent1"/>
+          </a:effectRef>
+          <a:fontRef idx="minor">
+            <a:schemeClr val="lt1"/>
+          </a:fontRef>
+        </p:style>
+        <p:txBody>
+          <a:bodyPr rtlCol="0" anchor="ctr"/>
+          <a:lstStyle/>
+          <a:p>
+            <a:pPr algn="ctr"/>
+            <a:endParaRPr lang="en-US"/>
+          </a:p>
+        </p:txBody>
+      </p:sp>
+      <p:sp>
+        <p:nvSpPr>
+          <p:cNvPr id="18" name="Text Box 37">
+            <a:extLst>
+              <a:ext uri="{FF2B5EF4-FFF2-40B4-BE49-F238E27FC236}">
+                <a16:creationId xmlns:a16="http://schemas.microsoft.com/office/drawing/2014/main" id="{71526130-1391-CB0F-20AE-E0238C6F9FE1}"/>
+              </a:ext>
+            </a:extLst>
+          </p:cNvPr>
+          <p:cNvSpPr txBox="1">
+            <a:spLocks noChangeArrowheads="1"/>
+          </p:cNvSpPr>
+          <p:nvPr/>
+        </p:nvSpPr>
+        <p:spPr bwMode="auto">
+          <a:xfrm>
+            <a:off x="-159954" y="131124"/>
+            <a:ext cx="12192000" cy="638331"/>
+          </a:xfrm>
+          <a:prstGeom prst="rect">
+            <a:avLst/>
+          </a:prstGeom>
+          <a:noFill/>
+          <a:ln>
+            <a:noFill/>
+          </a:ln>
+          <a:effectLst/>
+          <a:extLst>
+            <a:ext uri="{909E8E84-426E-40DD-AFC4-6F175D3DCCD1}">
+              <a14:hiddenFill xmlns:a14="http://schemas.microsoft.com/office/drawing/2010/main">
+                <a:solidFill>
+                  <a:srgbClr val="5B9BD5"/>
+                </a:solidFill>
+              </a14:hiddenFill>
+            </a:ext>
+            <a:ext uri="{91240B29-F687-4F45-9708-019B960494DF}">
+              <a14:hiddenLine xmlns:a14="http://schemas.microsoft.com/office/drawing/2010/main" w="25400" algn="ctr">
+                <a:solidFill>
+                  <a:srgbClr val="000000"/>
+                </a:solidFill>
+                <a:miter lim="800000"/>
+                <a:headEnd/>
+                <a:tailEnd/>
+              </a14:hiddenLine>
+            </a:ext>
+            <a:ext uri="{AF507438-7753-43E0-B8FC-AC1667EBCBE1}">
+              <a14:hiddenEffects xmlns:a14="http://schemas.microsoft.com/office/drawing/2010/main">
+                <a:effectLst>
+                  <a:outerShdw dist="35921" dir="2700000" algn="ctr" rotWithShape="0">
+                    <a:srgbClr val="000000"/>
+                  </a:outerShdw>
+                </a:effectLst>
+              </a14:hiddenEffects>
+            </a:ext>
+          </a:extLst>
+        </p:spPr>
+        <p:txBody>
+          <a:bodyPr vert="horz" wrap="square" lIns="36576" tIns="36576" rIns="36576" bIns="36576" numCol="1" anchor="t" anchorCtr="0" compatLnSpc="1">
+            <a:prstTxWarp prst="textNoShape">
+              <a:avLst/>
+            </a:prstTxWarp>
+          </a:bodyPr>
+          <a:lstStyle/>
+          <a:p>
+            <a:pPr marL="0" marR="0" lvl="0" indent="0" algn="ctr" defTabSz="914400" rtl="0" eaLnBrk="0" fontAlgn="base" latinLnBrk="0" hangingPunct="0">
+              <a:lnSpc>
+                <a:spcPct val="100000"/>
+              </a:lnSpc>
+              <a:spcBef>
+                <a:spcPct val="0"/>
+              </a:spcBef>
+              <a:spcAft>
+                <a:spcPct val="0"/>
+              </a:spcAft>
+              <a:buClrTx/>
+              <a:buSzTx/>
+              <a:buFontTx/>
+              <a:buNone/>
+              <a:tabLst/>
+            </a:pPr>
+            <a:r>
+              <a:rPr kumimoji="0" lang="en-US" altLang="en-US" sz="3200" b="0" i="0" u="none" strike="noStrike" cap="none" normalizeH="0" baseline="0" dirty="0">
+                <a:ln>
+                  <a:noFill/>
+                </a:ln>
+                <a:solidFill>
+                  <a:schemeClr val="bg1"/>
+                </a:solidFill>
+                <a:effectLst/>
+                <a:latin typeface="Berlin Sans FB" panose="020E0602020502020306" pitchFamily="34" charset="0"/>
+              </a:rPr>
+              <a:t>SQL Saturday Baton Rouge 2025</a:t>
+            </a:r>
+          </a:p>
+        </p:txBody>
+      </p:sp>
+      <p:sp>
+        <p:nvSpPr>
+          <p:cNvPr id="20" name="TextBox 19">
+            <a:extLst>
+              <a:ext uri="{FF2B5EF4-FFF2-40B4-BE49-F238E27FC236}">
+                <a16:creationId xmlns:a16="http://schemas.microsoft.com/office/drawing/2014/main" id="{14A0CC53-B2FA-15D1-8AD9-9F943012E75E}"/>
+              </a:ext>
+            </a:extLst>
+          </p:cNvPr>
+          <p:cNvSpPr txBox="1"/>
+          <p:nvPr/>
+        </p:nvSpPr>
+        <p:spPr>
+          <a:xfrm>
+            <a:off x="-78572" y="6234448"/>
+            <a:ext cx="12191999" cy="584775"/>
+          </a:xfrm>
+          <a:prstGeom prst="rect">
+            <a:avLst/>
+          </a:prstGeom>
+          <a:noFill/>
+        </p:spPr>
+        <p:txBody>
+          <a:bodyPr wrap="square">
+            <a:spAutoFit/>
+          </a:bodyPr>
+          <a:lstStyle/>
+          <a:p>
+            <a:pPr marL="0" marR="0" lvl="0" indent="0" algn="ctr" defTabSz="914400" rtl="0" eaLnBrk="0" fontAlgn="base" latinLnBrk="0" hangingPunct="0">
+              <a:lnSpc>
+                <a:spcPct val="100000"/>
+              </a:lnSpc>
+              <a:spcBef>
+                <a:spcPct val="0"/>
+              </a:spcBef>
+              <a:spcAft>
+                <a:spcPct val="0"/>
+              </a:spcAft>
+              <a:buClrTx/>
+              <a:buSzTx/>
+              <a:buFontTx/>
+              <a:buNone/>
+              <a:tabLst/>
+            </a:pPr>
+            <a:r>
+              <a:rPr lang="en-US" altLang="en-US" sz="3200" dirty="0">
+                <a:solidFill>
+                  <a:schemeClr val="bg1"/>
+                </a:solidFill>
+                <a:latin typeface="Berlin Sans FB" panose="020E0602020502020306" pitchFamily="34" charset="0"/>
+              </a:rPr>
+              <a:t>NO FOOD OR DRINKS IN THE CLASSROOMS</a:t>
+            </a:r>
+            <a:endParaRPr kumimoji="0" lang="en-US" altLang="en-US" sz="2000" b="0" i="0" u="none" strike="noStrike" cap="none" normalizeH="0" baseline="0" dirty="0">
+              <a:ln>
+                <a:noFill/>
+              </a:ln>
+              <a:solidFill>
+                <a:schemeClr val="bg1"/>
+              </a:solidFill>
+              <a:effectLst/>
+              <a:latin typeface="Berlin Sans FB" panose="020E0602020502020306" pitchFamily="34" charset="0"/>
+            </a:endParaRPr>
+          </a:p>
+        </p:txBody>
+      </p:sp>
+    </p:spTree>
+    <p:extLst>
+      <p:ext uri="{BB962C8B-B14F-4D97-AF65-F5344CB8AC3E}">
+        <p14:creationId xmlns:p14="http://schemas.microsoft.com/office/powerpoint/2010/main" val="2847440696"/>
+      </p:ext>
+    </p:extLst>
+  </p:cSld>
+  <p:clrMapOvr>
+    <a:masterClrMapping/>
+  </p:clrMapOvr>
+</p:sld>
+</file>
+
+<file path=ppt/slides/slide2.xml><?xml version="1.0" encoding="utf-8"?>
+<p:sld xmlns:a="http://schemas.openxmlformats.org/drawingml/2006/main" xmlns:r="http://schemas.openxmlformats.org/officeDocument/2006/relationships" xmlns:p="http://schemas.openxmlformats.org/presentationml/2006/main">
+  <p:cSld>
+    <p:spTree>
+      <p:nvGrpSpPr>
+        <p:cNvPr id="1" name="">
+          <a:extLst>
+            <a:ext uri="{FF2B5EF4-FFF2-40B4-BE49-F238E27FC236}">
+              <a16:creationId xmlns:a16="http://schemas.microsoft.com/office/drawing/2014/main" id="{4136A0E1-D229-B121-D07F-AEC3387F1E27}"/>
+            </a:ext>
+          </a:extLst>
+        </p:cNvPr>
+        <p:cNvGrpSpPr/>
+        <p:nvPr/>
+      </p:nvGrpSpPr>
+      <p:grpSpPr>
+        <a:xfrm>
+          <a:off x="0" y="0"/>
+          <a:ext cx="0" cy="0"/>
+          <a:chOff x="0" y="0"/>
+          <a:chExt cx="0" cy="0"/>
+        </a:xfrm>
+      </p:grpSpPr>
+      <p:pic>
+        <p:nvPicPr>
+          <p:cNvPr id="5" name="Picture 4" descr="A green alligator with white text and green circle&#10;&#10;AI-generated content may be incorrect.">
+            <a:extLst>
+              <a:ext uri="{FF2B5EF4-FFF2-40B4-BE49-F238E27FC236}">
+                <a16:creationId xmlns:a16="http://schemas.microsoft.com/office/drawing/2014/main" id="{D8B2EBC4-85DF-5060-345A-C28E23B0E044}"/>
+              </a:ext>
+            </a:extLst>
+          </p:cNvPr>
+          <p:cNvPicPr>
+            <a:picLocks noChangeAspect="1"/>
+          </p:cNvPicPr>
+          <p:nvPr/>
+        </p:nvPicPr>
+        <p:blipFill>
+          <a:blip r:embed="rId2">
+            <a:alphaModFix amt="5000"/>
+            <a:extLst>
+              <a:ext uri="{28A0092B-C50C-407E-A947-70E740481C1C}">
+                <a14:useLocalDpi xmlns:a14="http://schemas.microsoft.com/office/drawing/2010/main" val="0"/>
+              </a:ext>
+            </a:extLst>
+          </a:blip>
+          <a:stretch>
+            <a:fillRect/>
+          </a:stretch>
+        </p:blipFill>
+        <p:spPr>
+          <a:xfrm>
+            <a:off x="2685595" y="690576"/>
+            <a:ext cx="6820811" cy="5905313"/>
+          </a:xfrm>
+          <a:prstGeom prst="rect">
+            <a:avLst/>
+          </a:prstGeom>
+        </p:spPr>
+      </p:pic>
+      <p:sp>
+        <p:nvSpPr>
+          <p:cNvPr id="22" name="Rectangle 21">
+            <a:extLst>
+              <a:ext uri="{FF2B5EF4-FFF2-40B4-BE49-F238E27FC236}">
+                <a16:creationId xmlns:a16="http://schemas.microsoft.com/office/drawing/2014/main" id="{355F8060-7B79-BA04-C650-66186E7CD102}"/>
+              </a:ext>
+            </a:extLst>
+          </p:cNvPr>
+          <p:cNvSpPr/>
+          <p:nvPr/>
+        </p:nvSpPr>
+        <p:spPr>
+          <a:xfrm>
+            <a:off x="-1" y="6289765"/>
+            <a:ext cx="12192000" cy="609551"/>
+          </a:xfrm>
+          <a:prstGeom prst="rect">
+            <a:avLst/>
+          </a:prstGeom>
+          <a:solidFill>
+            <a:srgbClr val="9DAB39"/>
+          </a:solidFill>
+          <a:ln>
+            <a:noFill/>
+          </a:ln>
+        </p:spPr>
+        <p:style>
+          <a:lnRef idx="2">
+            <a:schemeClr val="accent1">
+              <a:shade val="15000"/>
+            </a:schemeClr>
+          </a:lnRef>
+          <a:fillRef idx="1">
+            <a:schemeClr val="accent1"/>
+          </a:fillRef>
+          <a:effectRef idx="0">
+            <a:schemeClr val="accent1"/>
+          </a:effectRef>
+          <a:fontRef idx="minor">
+            <a:schemeClr val="lt1"/>
+          </a:fontRef>
+        </p:style>
+        <p:txBody>
+          <a:bodyPr rtlCol="0" anchor="ctr"/>
+          <a:lstStyle/>
+          <a:p>
+            <a:pPr algn="ctr"/>
+            <a:endParaRPr lang="en-US"/>
+          </a:p>
+        </p:txBody>
+      </p:sp>
+      <p:sp>
+        <p:nvSpPr>
+          <p:cNvPr id="21" name="Rectangle 20">
+            <a:extLst>
+              <a:ext uri="{FF2B5EF4-FFF2-40B4-BE49-F238E27FC236}">
+                <a16:creationId xmlns:a16="http://schemas.microsoft.com/office/drawing/2014/main" id="{47474E48-46DE-9DA7-2407-7E3DD3813EBF}"/>
+              </a:ext>
+            </a:extLst>
+          </p:cNvPr>
+          <p:cNvSpPr/>
+          <p:nvPr/>
+        </p:nvSpPr>
+        <p:spPr>
+          <a:xfrm>
+            <a:off x="0" y="0"/>
+            <a:ext cx="12192000" cy="957630"/>
+          </a:xfrm>
+          <a:prstGeom prst="rect">
+            <a:avLst/>
+          </a:prstGeom>
+          <a:solidFill>
+            <a:srgbClr val="38761D"/>
+          </a:solidFill>
+          <a:ln>
+            <a:noFill/>
+          </a:ln>
+        </p:spPr>
+        <p:style>
+          <a:lnRef idx="2">
+            <a:schemeClr val="accent1">
+              <a:shade val="15000"/>
+            </a:schemeClr>
+          </a:lnRef>
+          <a:fillRef idx="1">
+            <a:schemeClr val="accent1"/>
+          </a:fillRef>
+          <a:effectRef idx="0">
+            <a:schemeClr val="accent1"/>
+          </a:effectRef>
+          <a:fontRef idx="minor">
+            <a:schemeClr val="lt1"/>
+          </a:fontRef>
+        </p:style>
+        <p:txBody>
+          <a:bodyPr rtlCol="0" anchor="ctr"/>
+          <a:lstStyle/>
+          <a:p>
+            <a:pPr algn="ctr"/>
+            <a:endParaRPr lang="en-US"/>
+          </a:p>
+        </p:txBody>
+      </p:sp>
+      <p:sp>
+        <p:nvSpPr>
+          <p:cNvPr id="18" name="Text Box 37">
+            <a:extLst>
+              <a:ext uri="{FF2B5EF4-FFF2-40B4-BE49-F238E27FC236}">
+                <a16:creationId xmlns:a16="http://schemas.microsoft.com/office/drawing/2014/main" id="{951BC399-480C-D44F-E719-CBD28495FE79}"/>
+              </a:ext>
+            </a:extLst>
+          </p:cNvPr>
+          <p:cNvSpPr txBox="1">
+            <a:spLocks noChangeArrowheads="1"/>
+          </p:cNvSpPr>
+          <p:nvPr/>
+        </p:nvSpPr>
+        <p:spPr bwMode="auto">
+          <a:xfrm>
+            <a:off x="-159954" y="131124"/>
+            <a:ext cx="12192000" cy="638331"/>
+          </a:xfrm>
+          <a:prstGeom prst="rect">
+            <a:avLst/>
+          </a:prstGeom>
+          <a:noFill/>
+          <a:ln>
+            <a:noFill/>
+          </a:ln>
+          <a:effectLst/>
+          <a:extLst>
+            <a:ext uri="{909E8E84-426E-40DD-AFC4-6F175D3DCCD1}">
+              <a14:hiddenFill xmlns:a14="http://schemas.microsoft.com/office/drawing/2010/main">
+                <a:solidFill>
+                  <a:srgbClr val="5B9BD5"/>
+                </a:solidFill>
+              </a14:hiddenFill>
+            </a:ext>
+            <a:ext uri="{91240B29-F687-4F45-9708-019B960494DF}">
+              <a14:hiddenLine xmlns:a14="http://schemas.microsoft.com/office/drawing/2010/main" w="25400" algn="ctr">
+                <a:solidFill>
+                  <a:srgbClr val="000000"/>
+                </a:solidFill>
+                <a:miter lim="800000"/>
+                <a:headEnd/>
+                <a:tailEnd/>
+              </a14:hiddenLine>
+            </a:ext>
+            <a:ext uri="{AF507438-7753-43E0-B8FC-AC1667EBCBE1}">
+              <a14:hiddenEffects xmlns:a14="http://schemas.microsoft.com/office/drawing/2010/main">
+                <a:effectLst>
+                  <a:outerShdw dist="35921" dir="2700000" algn="ctr" rotWithShape="0">
+                    <a:srgbClr val="000000"/>
+                  </a:outerShdw>
+                </a:effectLst>
+              </a14:hiddenEffects>
+            </a:ext>
+          </a:extLst>
+        </p:spPr>
+        <p:txBody>
+          <a:bodyPr vert="horz" wrap="square" lIns="36576" tIns="36576" rIns="36576" bIns="36576" numCol="1" anchor="t" anchorCtr="0" compatLnSpc="1">
+            <a:prstTxWarp prst="textNoShape">
+              <a:avLst/>
+            </a:prstTxWarp>
+          </a:bodyPr>
+          <a:lstStyle/>
+          <a:p>
+            <a:pPr marL="0" marR="0" lvl="0" indent="0" algn="ctr" defTabSz="914400" rtl="0" eaLnBrk="0" fontAlgn="base" latinLnBrk="0" hangingPunct="0">
+              <a:lnSpc>
+                <a:spcPct val="100000"/>
+              </a:lnSpc>
+              <a:spcBef>
+                <a:spcPct val="0"/>
+              </a:spcBef>
+              <a:spcAft>
+                <a:spcPct val="0"/>
+              </a:spcAft>
+              <a:buClrTx/>
+              <a:buSzTx/>
+              <a:buFontTx/>
+              <a:buNone/>
+              <a:tabLst/>
+            </a:pPr>
+            <a:r>
+              <a:rPr kumimoji="0" lang="en-US" altLang="en-US" sz="3200" b="0" i="0" u="none" strike="noStrike" cap="none" normalizeH="0" baseline="0" dirty="0">
+                <a:ln>
+                  <a:noFill/>
+                </a:ln>
+                <a:solidFill>
+                  <a:schemeClr val="bg1"/>
+                </a:solidFill>
+                <a:effectLst/>
+                <a:latin typeface="Berlin Sans FB" panose="020E0602020502020306" pitchFamily="34" charset="0"/>
+              </a:rPr>
+              <a:t>SQL Saturday Baton Rouge 2025</a:t>
+            </a:r>
+          </a:p>
+        </p:txBody>
+      </p:sp>
+      <p:pic>
+        <p:nvPicPr>
+          <p:cNvPr id="1065" name="Picture 41">
+            <a:extLst>
+              <a:ext uri="{FF2B5EF4-FFF2-40B4-BE49-F238E27FC236}">
+                <a16:creationId xmlns:a16="http://schemas.microsoft.com/office/drawing/2014/main" id="{A50FAC36-C442-A00B-3380-44339E763271}"/>
+              </a:ext>
+            </a:extLst>
+          </p:cNvPr>
+          <p:cNvPicPr>
+            <a:picLocks noChangeAspect="1" noChangeArrowheads="1"/>
+          </p:cNvPicPr>
+          <p:nvPr/>
+        </p:nvPicPr>
+        <p:blipFill>
+          <a:blip r:embed="rId3">
+            <a:extLst>
+              <a:ext uri="{28A0092B-C50C-407E-A947-70E740481C1C}">
+                <a14:useLocalDpi xmlns:a14="http://schemas.microsoft.com/office/drawing/2010/main" val="0"/>
+              </a:ext>
+            </a:extLst>
+          </a:blip>
+          <a:srcRect/>
+          <a:stretch>
+            <a:fillRect/>
+          </a:stretch>
+        </p:blipFill>
+        <p:spPr bwMode="auto">
+          <a:xfrm>
+            <a:off x="6346373" y="2695683"/>
+            <a:ext cx="2435426" cy="693420"/>
+          </a:xfrm>
+          <a:prstGeom prst="rect">
+            <a:avLst/>
+          </a:prstGeom>
+          <a:noFill/>
+          <a:ln>
+            <a:noFill/>
+          </a:ln>
+          <a:extLst>
+            <a:ext uri="{909E8E84-426E-40DD-AFC4-6F175D3DCCD1}">
+              <a14:hiddenFill xmlns:a14="http://schemas.microsoft.com/office/drawing/2010/main">
+                <a:solidFill>
+                  <a:srgbClr val="FFFFFF"/>
+                </a:solidFill>
+              </a14:hiddenFill>
+            </a:ext>
+            <a:ext uri="{91240B29-F687-4F45-9708-019B960494DF}">
+              <a14:hiddenLine xmlns:a14="http://schemas.microsoft.com/office/drawing/2010/main" w="9525" algn="in">
+                <a:solidFill>
+                  <a:srgbClr val="000000"/>
+                </a:solidFill>
+                <a:miter lim="800000"/>
+                <a:headEnd/>
+                <a:tailEnd/>
+              </a14:hiddenLine>
+            </a:ext>
+          </a:extLst>
+        </p:spPr>
+      </p:pic>
+      <p:pic>
+        <p:nvPicPr>
+          <p:cNvPr id="1068" name="Picture 44">
+            <a:extLst>
+              <a:ext uri="{FF2B5EF4-FFF2-40B4-BE49-F238E27FC236}">
+                <a16:creationId xmlns:a16="http://schemas.microsoft.com/office/drawing/2014/main" id="{7BA1C2D3-0922-49F8-2D42-4DFECCB4EB77}"/>
+              </a:ext>
+            </a:extLst>
+          </p:cNvPr>
+          <p:cNvPicPr>
+            <a:picLocks noChangeAspect="1" noChangeArrowheads="1"/>
+          </p:cNvPicPr>
+          <p:nvPr/>
+        </p:nvPicPr>
+        <p:blipFill>
+          <a:blip r:embed="rId4">
+            <a:extLst>
+              <a:ext uri="{28A0092B-C50C-407E-A947-70E740481C1C}">
+                <a14:useLocalDpi xmlns:a14="http://schemas.microsoft.com/office/drawing/2010/main" val="0"/>
+              </a:ext>
+            </a:extLst>
+          </a:blip>
+          <a:srcRect/>
+          <a:stretch>
+            <a:fillRect/>
+          </a:stretch>
+        </p:blipFill>
+        <p:spPr bwMode="auto">
+          <a:xfrm>
+            <a:off x="9141709" y="2872955"/>
+            <a:ext cx="2466425" cy="346841"/>
+          </a:xfrm>
+          <a:prstGeom prst="rect">
+            <a:avLst/>
+          </a:prstGeom>
+          <a:noFill/>
+          <a:ln>
+            <a:noFill/>
+          </a:ln>
+          <a:extLst>
+            <a:ext uri="{909E8E84-426E-40DD-AFC4-6F175D3DCCD1}">
+              <a14:hiddenFill xmlns:a14="http://schemas.microsoft.com/office/drawing/2010/main">
+                <a:solidFill>
+                  <a:srgbClr val="FFFFFF"/>
+                </a:solidFill>
+              </a14:hiddenFill>
+            </a:ext>
+            <a:ext uri="{91240B29-F687-4F45-9708-019B960494DF}">
+              <a14:hiddenLine xmlns:a14="http://schemas.microsoft.com/office/drawing/2010/main" w="9525" algn="in">
+                <a:solidFill>
+                  <a:srgbClr val="000000"/>
+                </a:solidFill>
+                <a:miter lim="800000"/>
+                <a:headEnd/>
+                <a:tailEnd/>
+              </a14:hiddenLine>
+            </a:ext>
+          </a:extLst>
+        </p:spPr>
+      </p:pic>
+      <p:pic>
+        <p:nvPicPr>
+          <p:cNvPr id="1071" name="Picture 47">
+            <a:extLst>
+              <a:ext uri="{FF2B5EF4-FFF2-40B4-BE49-F238E27FC236}">
+                <a16:creationId xmlns:a16="http://schemas.microsoft.com/office/drawing/2014/main" id="{4BFCBC1D-9706-2BDD-4D30-256D9CF93C0A}"/>
+              </a:ext>
+            </a:extLst>
+          </p:cNvPr>
+          <p:cNvPicPr>
+            <a:picLocks noChangeAspect="1" noChangeArrowheads="1"/>
+          </p:cNvPicPr>
+          <p:nvPr/>
+        </p:nvPicPr>
+        <p:blipFill>
+          <a:blip r:embed="rId5">
+            <a:extLst>
+              <a:ext uri="{28A0092B-C50C-407E-A947-70E740481C1C}">
+                <a14:useLocalDpi xmlns:a14="http://schemas.microsoft.com/office/drawing/2010/main" val="0"/>
+              </a:ext>
+            </a:extLst>
+          </a:blip>
+          <a:srcRect/>
+          <a:stretch>
+            <a:fillRect/>
+          </a:stretch>
+        </p:blipFill>
+        <p:spPr bwMode="auto">
+          <a:xfrm>
+            <a:off x="7564086" y="4239641"/>
+            <a:ext cx="1828800" cy="420688"/>
+          </a:xfrm>
+          <a:prstGeom prst="rect">
+            <a:avLst/>
+          </a:prstGeom>
+          <a:noFill/>
+          <a:ln>
+            <a:noFill/>
+          </a:ln>
+          <a:extLst>
+            <a:ext uri="{909E8E84-426E-40DD-AFC4-6F175D3DCCD1}">
+              <a14:hiddenFill xmlns:a14="http://schemas.microsoft.com/office/drawing/2010/main">
+                <a:solidFill>
+                  <a:srgbClr val="FFFFFF"/>
+                </a:solidFill>
+              </a14:hiddenFill>
+            </a:ext>
+            <a:ext uri="{91240B29-F687-4F45-9708-019B960494DF}">
+              <a14:hiddenLine xmlns:a14="http://schemas.microsoft.com/office/drawing/2010/main" w="9525" algn="in">
+                <a:solidFill>
+                  <a:srgbClr val="000000"/>
+                </a:solidFill>
+                <a:miter lim="800000"/>
+                <a:headEnd/>
+                <a:tailEnd/>
+              </a14:hiddenLine>
+            </a:ext>
+          </a:extLst>
+        </p:spPr>
+      </p:pic>
+      <p:pic>
+        <p:nvPicPr>
+          <p:cNvPr id="1078" name="Picture 54">
+            <a:extLst>
+              <a:ext uri="{FF2B5EF4-FFF2-40B4-BE49-F238E27FC236}">
+                <a16:creationId xmlns:a16="http://schemas.microsoft.com/office/drawing/2014/main" id="{BD9BA7C1-1360-898E-785E-8113ACE2DE10}"/>
+              </a:ext>
+            </a:extLst>
+          </p:cNvPr>
+          <p:cNvPicPr>
+            <a:picLocks noChangeAspect="1" noChangeArrowheads="1"/>
+          </p:cNvPicPr>
+          <p:nvPr/>
+        </p:nvPicPr>
+        <p:blipFill>
+          <a:blip r:embed="rId6">
+            <a:extLst>
+              <a:ext uri="{28A0092B-C50C-407E-A947-70E740481C1C}">
+                <a14:useLocalDpi xmlns:a14="http://schemas.microsoft.com/office/drawing/2010/main" val="0"/>
+              </a:ext>
+            </a:extLst>
+          </a:blip>
+          <a:srcRect/>
+          <a:stretch>
+            <a:fillRect/>
+          </a:stretch>
+        </p:blipFill>
+        <p:spPr bwMode="auto">
+          <a:xfrm>
+            <a:off x="9610725" y="5194827"/>
+            <a:ext cx="2057400" cy="1008063"/>
+          </a:xfrm>
+          <a:prstGeom prst="rect">
+            <a:avLst/>
+          </a:prstGeom>
+          <a:noFill/>
+          <a:ln>
+            <a:noFill/>
+          </a:ln>
+          <a:extLst>
+            <a:ext uri="{909E8E84-426E-40DD-AFC4-6F175D3DCCD1}">
+              <a14:hiddenFill xmlns:a14="http://schemas.microsoft.com/office/drawing/2010/main">
+                <a:solidFill>
+                  <a:srgbClr val="FFFFFF"/>
+                </a:solidFill>
+              </a14:hiddenFill>
+            </a:ext>
+            <a:ext uri="{91240B29-F687-4F45-9708-019B960494DF}">
+              <a14:hiddenLine xmlns:a14="http://schemas.microsoft.com/office/drawing/2010/main" w="9525" algn="in">
+                <a:solidFill>
+                  <a:srgbClr val="000000"/>
+                </a:solidFill>
+                <a:miter lim="800000"/>
+                <a:headEnd/>
+                <a:tailEnd/>
+              </a14:hiddenLine>
+            </a:ext>
+          </a:extLst>
+        </p:spPr>
+      </p:pic>
+      <p:sp>
+        <p:nvSpPr>
+          <p:cNvPr id="20" name="TextBox 19">
+            <a:extLst>
+              <a:ext uri="{FF2B5EF4-FFF2-40B4-BE49-F238E27FC236}">
+                <a16:creationId xmlns:a16="http://schemas.microsoft.com/office/drawing/2014/main" id="{D7982B13-40D3-EB4A-7A37-079A5944CC12}"/>
+              </a:ext>
+            </a:extLst>
+          </p:cNvPr>
+          <p:cNvSpPr txBox="1"/>
+          <p:nvPr/>
+        </p:nvSpPr>
+        <p:spPr>
+          <a:xfrm>
+            <a:off x="-78572" y="6234448"/>
+            <a:ext cx="12191999" cy="584775"/>
+          </a:xfrm>
+          <a:prstGeom prst="rect">
+            <a:avLst/>
+          </a:prstGeom>
+          <a:noFill/>
+        </p:spPr>
+        <p:txBody>
+          <a:bodyPr wrap="square">
+            <a:spAutoFit/>
+          </a:bodyPr>
+          <a:lstStyle/>
+          <a:p>
+            <a:pPr marL="0" marR="0" lvl="0" indent="0" algn="ctr" defTabSz="914400" rtl="0" eaLnBrk="0" fontAlgn="base" latinLnBrk="0" hangingPunct="0">
+              <a:lnSpc>
+                <a:spcPct val="100000"/>
+              </a:lnSpc>
+              <a:spcBef>
+                <a:spcPct val="0"/>
+              </a:spcBef>
+              <a:spcAft>
+                <a:spcPct val="0"/>
+              </a:spcAft>
+              <a:buClrTx/>
+              <a:buSzTx/>
+              <a:buFontTx/>
+              <a:buNone/>
+              <a:tabLst/>
+            </a:pPr>
+            <a:r>
+              <a:rPr lang="en-US" altLang="en-US" sz="3200" dirty="0">
+                <a:solidFill>
+                  <a:schemeClr val="bg1"/>
+                </a:solidFill>
+                <a:latin typeface="Berlin Sans FB" panose="020E0602020502020306" pitchFamily="34" charset="0"/>
+              </a:rPr>
+              <a:t>Thank you, Sponsors!</a:t>
+            </a:r>
+            <a:endParaRPr kumimoji="0" lang="en-US" altLang="en-US" sz="2000" b="0" i="0" u="none" strike="noStrike" cap="none" normalizeH="0" baseline="0" dirty="0">
+              <a:ln>
+                <a:noFill/>
+              </a:ln>
+              <a:solidFill>
+                <a:schemeClr val="bg1"/>
+              </a:solidFill>
+              <a:effectLst/>
+              <a:latin typeface="Berlin Sans FB" panose="020E0602020502020306" pitchFamily="34" charset="0"/>
+            </a:endParaRPr>
+          </a:p>
+        </p:txBody>
+      </p:sp>
+      <p:pic>
+        <p:nvPicPr>
+          <p:cNvPr id="8" name="Picture 7" descr="A red letters on a black background&#10;&#10;Description automatically generated">
+            <a:extLst>
+              <a:ext uri="{FF2B5EF4-FFF2-40B4-BE49-F238E27FC236}">
+                <a16:creationId xmlns:a16="http://schemas.microsoft.com/office/drawing/2014/main" id="{421208D0-ADCE-310F-E340-1F3208EB5A68}"/>
+              </a:ext>
+            </a:extLst>
+          </p:cNvPr>
+          <p:cNvPicPr>
+            <a:picLocks noChangeAspect="1"/>
+          </p:cNvPicPr>
+          <p:nvPr/>
+        </p:nvPicPr>
+        <p:blipFill>
+          <a:blip r:embed="rId7">
+            <a:extLst>
+              <a:ext uri="{28A0092B-C50C-407E-A947-70E740481C1C}">
+                <a14:useLocalDpi xmlns:a14="http://schemas.microsoft.com/office/drawing/2010/main" val="0"/>
+              </a:ext>
+            </a:extLst>
+          </a:blip>
+          <a:stretch>
+            <a:fillRect/>
+          </a:stretch>
+        </p:blipFill>
+        <p:spPr>
+          <a:xfrm>
+            <a:off x="6634223" y="1161751"/>
+            <a:ext cx="2286000" cy="1063765"/>
+          </a:xfrm>
+          <a:prstGeom prst="rect">
+            <a:avLst/>
+          </a:prstGeom>
+        </p:spPr>
+      </p:pic>
+      <p:pic>
+        <p:nvPicPr>
+          <p:cNvPr id="12" name="Picture 11" descr="A black background with a black square&#10;&#10;Description automatically generated with medium confidence">
+            <a:extLst>
+              <a:ext uri="{FF2B5EF4-FFF2-40B4-BE49-F238E27FC236}">
+                <a16:creationId xmlns:a16="http://schemas.microsoft.com/office/drawing/2014/main" id="{3E7088DA-C71A-A8F9-4255-2335D3A428A3}"/>
+              </a:ext>
+            </a:extLst>
+          </p:cNvPr>
+          <p:cNvPicPr>
+            <a:picLocks noChangeAspect="1"/>
+          </p:cNvPicPr>
+          <p:nvPr/>
+        </p:nvPicPr>
+        <p:blipFill>
+          <a:blip r:embed="rId8">
+            <a:extLst>
+              <a:ext uri="{28A0092B-C50C-407E-A947-70E740481C1C}">
+                <a14:useLocalDpi xmlns:a14="http://schemas.microsoft.com/office/drawing/2010/main" val="0"/>
+              </a:ext>
+            </a:extLst>
+          </a:blip>
+          <a:stretch>
+            <a:fillRect/>
+          </a:stretch>
+        </p:blipFill>
+        <p:spPr>
+          <a:xfrm>
+            <a:off x="481196" y="3944973"/>
+            <a:ext cx="1828800" cy="1010024"/>
+          </a:xfrm>
+          <a:prstGeom prst="rect">
+            <a:avLst/>
+          </a:prstGeom>
+        </p:spPr>
+      </p:pic>
+      <p:pic>
+        <p:nvPicPr>
+          <p:cNvPr id="3" name="Picture 2" descr="A blue and white logo&#10;&#10;Description automatically generated">
+            <a:extLst>
+              <a:ext uri="{FF2B5EF4-FFF2-40B4-BE49-F238E27FC236}">
+                <a16:creationId xmlns:a16="http://schemas.microsoft.com/office/drawing/2014/main" id="{89417AFC-CC40-FA5C-6C71-FE1E2C746237}"/>
+              </a:ext>
+            </a:extLst>
+          </p:cNvPr>
+          <p:cNvPicPr>
+            <a:picLocks noChangeAspect="1"/>
+          </p:cNvPicPr>
+          <p:nvPr/>
+        </p:nvPicPr>
+        <p:blipFill>
+          <a:blip r:embed="rId9">
+            <a:extLst>
+              <a:ext uri="{28A0092B-C50C-407E-A947-70E740481C1C}">
+                <a14:useLocalDpi xmlns:a14="http://schemas.microsoft.com/office/drawing/2010/main" val="0"/>
+              </a:ext>
+            </a:extLst>
+          </a:blip>
+          <a:stretch>
+            <a:fillRect/>
+          </a:stretch>
+        </p:blipFill>
+        <p:spPr>
+          <a:xfrm>
+            <a:off x="9839325" y="1318729"/>
+            <a:ext cx="1828800" cy="749808"/>
+          </a:xfrm>
+          <a:prstGeom prst="rect">
+            <a:avLst/>
+          </a:prstGeom>
+        </p:spPr>
+      </p:pic>
+      <p:pic>
+        <p:nvPicPr>
+          <p:cNvPr id="2" name="Picture 1" descr="A blue text on a white background&#10;&#10;Description automatically generated">
+            <a:extLst>
+              <a:ext uri="{FF2B5EF4-FFF2-40B4-BE49-F238E27FC236}">
+                <a16:creationId xmlns:a16="http://schemas.microsoft.com/office/drawing/2014/main" id="{3B0BB13F-A710-9EB7-4ECA-62EF5F02A05E}"/>
+              </a:ext>
+            </a:extLst>
+          </p:cNvPr>
+          <p:cNvPicPr>
+            <a:picLocks noChangeAspect="1"/>
+          </p:cNvPicPr>
+          <p:nvPr/>
+        </p:nvPicPr>
+        <p:blipFill>
+          <a:blip r:embed="rId10">
+            <a:extLst>
+              <a:ext uri="{28A0092B-C50C-407E-A947-70E740481C1C}">
+                <a14:useLocalDpi xmlns:a14="http://schemas.microsoft.com/office/drawing/2010/main" val="0"/>
+              </a:ext>
+            </a:extLst>
+          </a:blip>
+          <a:stretch>
+            <a:fillRect/>
+          </a:stretch>
+        </p:blipFill>
+        <p:spPr>
+          <a:xfrm>
+            <a:off x="5431723" y="4174585"/>
+            <a:ext cx="1371600" cy="550800"/>
+          </a:xfrm>
+          <a:prstGeom prst="rect">
+            <a:avLst/>
+          </a:prstGeom>
+        </p:spPr>
+      </p:pic>
+      <p:pic>
+        <p:nvPicPr>
+          <p:cNvPr id="9" name="Picture 8" descr="A close-up of a logo&#10;&#10;Description automatically generated">
+            <a:extLst>
+              <a:ext uri="{FF2B5EF4-FFF2-40B4-BE49-F238E27FC236}">
+                <a16:creationId xmlns:a16="http://schemas.microsoft.com/office/drawing/2014/main" id="{8F86C847-F7CB-FDC5-B01A-855ED08F7414}"/>
+              </a:ext>
+            </a:extLst>
+          </p:cNvPr>
+          <p:cNvPicPr>
+            <a:picLocks noChangeAspect="1"/>
+          </p:cNvPicPr>
+          <p:nvPr/>
+        </p:nvPicPr>
+        <p:blipFill>
+          <a:blip r:embed="rId11">
+            <a:extLst>
+              <a:ext uri="{28A0092B-C50C-407E-A947-70E740481C1C}">
+                <a14:useLocalDpi xmlns:a14="http://schemas.microsoft.com/office/drawing/2010/main" val="0"/>
+              </a:ext>
+            </a:extLst>
+          </a:blip>
+          <a:stretch>
+            <a:fillRect/>
+          </a:stretch>
+        </p:blipFill>
+        <p:spPr>
+          <a:xfrm>
+            <a:off x="10153650" y="4276565"/>
+            <a:ext cx="1371600" cy="346841"/>
+          </a:xfrm>
+          <a:prstGeom prst="rect">
+            <a:avLst/>
+          </a:prstGeom>
+        </p:spPr>
+      </p:pic>
+      <p:pic>
+        <p:nvPicPr>
+          <p:cNvPr id="24" name="Picture 38">
+            <a:extLst>
+              <a:ext uri="{FF2B5EF4-FFF2-40B4-BE49-F238E27FC236}">
+                <a16:creationId xmlns:a16="http://schemas.microsoft.com/office/drawing/2014/main" id="{F633112B-662E-6840-586C-E072BE6E7AF4}"/>
+              </a:ext>
+            </a:extLst>
+          </p:cNvPr>
+          <p:cNvPicPr>
+            <a:picLocks noChangeAspect="1" noChangeArrowheads="1"/>
+          </p:cNvPicPr>
+          <p:nvPr/>
+        </p:nvPicPr>
+        <p:blipFill>
+          <a:blip r:embed="rId12">
+            <a:extLst>
+              <a:ext uri="{28A0092B-C50C-407E-A947-70E740481C1C}">
+                <a14:useLocalDpi xmlns:a14="http://schemas.microsoft.com/office/drawing/2010/main" val="0"/>
+              </a:ext>
+            </a:extLst>
+          </a:blip>
+          <a:srcRect/>
+          <a:stretch>
+            <a:fillRect/>
+          </a:stretch>
+        </p:blipFill>
+        <p:spPr bwMode="auto">
+          <a:xfrm>
+            <a:off x="3429122" y="1205918"/>
+            <a:ext cx="2286000" cy="975430"/>
+          </a:xfrm>
+          <a:prstGeom prst="rect">
+            <a:avLst/>
+          </a:prstGeom>
+          <a:noFill/>
+          <a:ln>
+            <a:noFill/>
+          </a:ln>
+          <a:effectLst/>
+          <a:extLst>
+            <a:ext uri="{909E8E84-426E-40DD-AFC4-6F175D3DCCD1}">
+              <a14:hiddenFill xmlns:a14="http://schemas.microsoft.com/office/drawing/2010/main">
+                <a:solidFill>
+                  <a:srgbClr val="5B9BD5"/>
+                </a:solidFill>
+              </a14:hiddenFill>
+            </a:ext>
+            <a:ext uri="{91240B29-F687-4F45-9708-019B960494DF}">
+              <a14:hiddenLine xmlns:a14="http://schemas.microsoft.com/office/drawing/2010/main" w="25400" algn="ctr">
+                <a:solidFill>
+                  <a:srgbClr val="000000"/>
+                </a:solidFill>
+                <a:miter lim="800000"/>
+                <a:headEnd/>
+                <a:tailEnd/>
+              </a14:hiddenLine>
+            </a:ext>
+            <a:ext uri="{AF507438-7753-43E0-B8FC-AC1667EBCBE1}">
+              <a14:hiddenEffects xmlns:a14="http://schemas.microsoft.com/office/drawing/2010/main">
+                <a:effectLst>
+                  <a:outerShdw dist="35921" dir="2700000" algn="ctr" rotWithShape="0">
+                    <a:srgbClr val="000000"/>
+                  </a:outerShdw>
+                </a:effectLst>
+              </a14:hiddenEffects>
+            </a:ext>
+          </a:extLst>
+        </p:spPr>
+      </p:pic>
+      <p:pic>
+        <p:nvPicPr>
+          <p:cNvPr id="26" name="Picture 25" descr="A black letter on a white background&#10;&#10;Description automatically generated">
+            <a:extLst>
+              <a:ext uri="{FF2B5EF4-FFF2-40B4-BE49-F238E27FC236}">
+                <a16:creationId xmlns:a16="http://schemas.microsoft.com/office/drawing/2014/main" id="{25146C32-28BB-640E-9784-C01063910093}"/>
+              </a:ext>
+            </a:extLst>
+          </p:cNvPr>
+          <p:cNvPicPr>
+            <a:picLocks noChangeAspect="1"/>
+          </p:cNvPicPr>
+          <p:nvPr/>
+        </p:nvPicPr>
+        <p:blipFill>
+          <a:blip r:embed="rId13">
+            <a:extLst>
+              <a:ext uri="{28A0092B-C50C-407E-A947-70E740481C1C}">
+                <a14:useLocalDpi xmlns:a14="http://schemas.microsoft.com/office/drawing/2010/main" val="0"/>
+              </a:ext>
+            </a:extLst>
+          </a:blip>
+          <a:stretch>
+            <a:fillRect/>
+          </a:stretch>
+        </p:blipFill>
+        <p:spPr>
+          <a:xfrm>
+            <a:off x="224021" y="1402085"/>
+            <a:ext cx="2286000" cy="422910"/>
+          </a:xfrm>
+          <a:prstGeom prst="rect">
+            <a:avLst/>
+          </a:prstGeom>
+        </p:spPr>
+      </p:pic>
+      <p:pic>
+        <p:nvPicPr>
+          <p:cNvPr id="1026" name="Picture 2">
+            <a:extLst>
+              <a:ext uri="{FF2B5EF4-FFF2-40B4-BE49-F238E27FC236}">
+                <a16:creationId xmlns:a16="http://schemas.microsoft.com/office/drawing/2014/main" id="{1EAEAF77-A98D-6407-29C8-8E39379AA5B4}"/>
+              </a:ext>
+            </a:extLst>
+          </p:cNvPr>
+          <p:cNvPicPr>
+            <a:picLocks noChangeAspect="1" noChangeArrowheads="1"/>
+          </p:cNvPicPr>
+          <p:nvPr/>
+        </p:nvPicPr>
+        <p:blipFill>
+          <a:blip r:embed="rId14">
+            <a:extLst>
+              <a:ext uri="{28A0092B-C50C-407E-A947-70E740481C1C}">
+                <a14:useLocalDpi xmlns:a14="http://schemas.microsoft.com/office/drawing/2010/main" val="0"/>
+              </a:ext>
+            </a:extLst>
+          </a:blip>
+          <a:srcRect/>
+          <a:stretch>
+            <a:fillRect/>
+          </a:stretch>
+        </p:blipFill>
+        <p:spPr bwMode="auto">
+          <a:xfrm>
+            <a:off x="357506" y="2153393"/>
+            <a:ext cx="1471294" cy="1471294"/>
+          </a:xfrm>
+          <a:prstGeom prst="rect">
+            <a:avLst/>
+          </a:prstGeom>
+          <a:noFill/>
+          <a:extLst>
+            <a:ext uri="{909E8E84-426E-40DD-AFC4-6F175D3DCCD1}">
+              <a14:hiddenFill xmlns:a14="http://schemas.microsoft.com/office/drawing/2010/main">
+                <a:solidFill>
+                  <a:srgbClr val="FFFFFF"/>
+                </a:solidFill>
+              </a14:hiddenFill>
+            </a:ext>
+          </a:extLst>
+        </p:spPr>
+      </p:pic>
+      <p:pic>
+        <p:nvPicPr>
+          <p:cNvPr id="1028" name="Picture 4">
+            <a:extLst>
+              <a:ext uri="{FF2B5EF4-FFF2-40B4-BE49-F238E27FC236}">
+                <a16:creationId xmlns:a16="http://schemas.microsoft.com/office/drawing/2014/main" id="{E0BAEF04-B99D-4C32-A078-888A0506E7BB}"/>
+              </a:ext>
+            </a:extLst>
+          </p:cNvPr>
+          <p:cNvPicPr>
+            <a:picLocks noChangeAspect="1" noChangeArrowheads="1"/>
+          </p:cNvPicPr>
+          <p:nvPr/>
+        </p:nvPicPr>
+        <p:blipFill>
+          <a:blip r:embed="rId15">
+            <a:extLst>
+              <a:ext uri="{28A0092B-C50C-407E-A947-70E740481C1C}">
+                <a14:useLocalDpi xmlns:a14="http://schemas.microsoft.com/office/drawing/2010/main" val="0"/>
+              </a:ext>
+            </a:extLst>
+          </a:blip>
+          <a:srcRect/>
+          <a:stretch>
+            <a:fillRect/>
+          </a:stretch>
+        </p:blipFill>
+        <p:spPr bwMode="auto">
+          <a:xfrm>
+            <a:off x="2470376" y="2168246"/>
+            <a:ext cx="1304925" cy="1407878"/>
+          </a:xfrm>
+          <a:prstGeom prst="rect">
+            <a:avLst/>
+          </a:prstGeom>
+          <a:noFill/>
+          <a:extLst>
+            <a:ext uri="{909E8E84-426E-40DD-AFC4-6F175D3DCCD1}">
+              <a14:hiddenFill xmlns:a14="http://schemas.microsoft.com/office/drawing/2010/main">
+                <a:solidFill>
+                  <a:srgbClr val="FFFFFF"/>
+                </a:solidFill>
+              </a14:hiddenFill>
+            </a:ext>
+          </a:extLst>
+        </p:spPr>
+      </p:pic>
+      <p:pic>
+        <p:nvPicPr>
+          <p:cNvPr id="1030" name="Picture 6">
+            <a:extLst>
+              <a:ext uri="{FF2B5EF4-FFF2-40B4-BE49-F238E27FC236}">
+                <a16:creationId xmlns:a16="http://schemas.microsoft.com/office/drawing/2014/main" id="{E230D02B-CB96-0317-2D97-C2F96524366A}"/>
+              </a:ext>
+            </a:extLst>
+          </p:cNvPr>
+          <p:cNvPicPr>
+            <a:picLocks noChangeAspect="1" noChangeArrowheads="1"/>
+          </p:cNvPicPr>
+          <p:nvPr/>
+        </p:nvPicPr>
+        <p:blipFill>
+          <a:blip r:embed="rId16">
+            <a:extLst>
+              <a:ext uri="{28A0092B-C50C-407E-A947-70E740481C1C}">
+                <a14:useLocalDpi xmlns:a14="http://schemas.microsoft.com/office/drawing/2010/main" val="0"/>
+              </a:ext>
+            </a:extLst>
+          </a:blip>
+          <a:srcRect/>
+          <a:stretch>
+            <a:fillRect/>
+          </a:stretch>
+        </p:blipFill>
+        <p:spPr bwMode="auto">
+          <a:xfrm>
+            <a:off x="4416878" y="2388978"/>
+            <a:ext cx="1428750" cy="1000125"/>
+          </a:xfrm>
+          <a:prstGeom prst="rect">
+            <a:avLst/>
+          </a:prstGeom>
+          <a:noFill/>
+          <a:extLst>
+            <a:ext uri="{909E8E84-426E-40DD-AFC4-6F175D3DCCD1}">
+              <a14:hiddenFill xmlns:a14="http://schemas.microsoft.com/office/drawing/2010/main">
+                <a:solidFill>
+                  <a:srgbClr val="FFFFFF"/>
+                </a:solidFill>
+              </a14:hiddenFill>
+            </a:ext>
+          </a:extLst>
+        </p:spPr>
+      </p:pic>
+      <p:pic>
+        <p:nvPicPr>
+          <p:cNvPr id="1032" name="Picture 8">
+            <a:extLst>
+              <a:ext uri="{FF2B5EF4-FFF2-40B4-BE49-F238E27FC236}">
+                <a16:creationId xmlns:a16="http://schemas.microsoft.com/office/drawing/2014/main" id="{6C5BA997-3024-0BC1-969B-9BE94D11BD5B}"/>
+              </a:ext>
+            </a:extLst>
+          </p:cNvPr>
+          <p:cNvPicPr>
+            <a:picLocks noChangeAspect="1" noChangeArrowheads="1"/>
+          </p:cNvPicPr>
+          <p:nvPr/>
+        </p:nvPicPr>
+        <p:blipFill>
+          <a:blip r:embed="rId17">
+            <a:extLst>
+              <a:ext uri="{28A0092B-C50C-407E-A947-70E740481C1C}">
+                <a14:useLocalDpi xmlns:a14="http://schemas.microsoft.com/office/drawing/2010/main" val="0"/>
+              </a:ext>
+            </a:extLst>
+          </a:blip>
+          <a:srcRect/>
+          <a:stretch>
+            <a:fillRect/>
+          </a:stretch>
+        </p:blipFill>
+        <p:spPr bwMode="auto">
+          <a:xfrm>
+            <a:off x="3070760" y="4049935"/>
+            <a:ext cx="1600200" cy="800100"/>
+          </a:xfrm>
+          <a:prstGeom prst="rect">
+            <a:avLst/>
+          </a:prstGeom>
+          <a:noFill/>
+          <a:extLst>
+            <a:ext uri="{909E8E84-426E-40DD-AFC4-6F175D3DCCD1}">
+              <a14:hiddenFill xmlns:a14="http://schemas.microsoft.com/office/drawing/2010/main">
+                <a:solidFill>
+                  <a:srgbClr val="FFFFFF"/>
+                </a:solidFill>
+              </a14:hiddenFill>
+            </a:ext>
+          </a:extLst>
+        </p:spPr>
+      </p:pic>
+      <p:pic>
+        <p:nvPicPr>
+          <p:cNvPr id="32" name="Picture 31" descr="A blue text with a black background&#10;&#10;AI-generated content may be incorrect.">
+            <a:extLst>
+              <a:ext uri="{FF2B5EF4-FFF2-40B4-BE49-F238E27FC236}">
+                <a16:creationId xmlns:a16="http://schemas.microsoft.com/office/drawing/2014/main" id="{FAD426F9-7824-0803-BFD9-2DA07FACD3AB}"/>
+              </a:ext>
+            </a:extLst>
+          </p:cNvPr>
+          <p:cNvPicPr>
+            <a:picLocks noChangeAspect="1"/>
+          </p:cNvPicPr>
+          <p:nvPr/>
+        </p:nvPicPr>
+        <p:blipFill>
+          <a:blip r:embed="rId18">
+            <a:extLst>
+              <a:ext uri="{28A0092B-C50C-407E-A947-70E740481C1C}">
+                <a14:useLocalDpi xmlns:a14="http://schemas.microsoft.com/office/drawing/2010/main" val="0"/>
+              </a:ext>
+            </a:extLst>
+          </a:blip>
+          <a:stretch>
+            <a:fillRect/>
+          </a:stretch>
+        </p:blipFill>
+        <p:spPr>
+          <a:xfrm>
+            <a:off x="6065126" y="5352148"/>
+            <a:ext cx="1733550" cy="693420"/>
+          </a:xfrm>
+          <a:prstGeom prst="rect">
+            <a:avLst/>
+          </a:prstGeom>
+        </p:spPr>
+      </p:pic>
+      <p:pic>
+        <p:nvPicPr>
+          <p:cNvPr id="34" name="Picture 33" descr="A black background with white text&#10;&#10;AI-generated content may be incorrect.">
+            <a:extLst>
+              <a:ext uri="{FF2B5EF4-FFF2-40B4-BE49-F238E27FC236}">
+                <a16:creationId xmlns:a16="http://schemas.microsoft.com/office/drawing/2014/main" id="{E66C2235-3D76-FB96-4FEE-86BC6AD055BF}"/>
+              </a:ext>
+            </a:extLst>
+          </p:cNvPr>
+          <p:cNvPicPr>
+            <a:picLocks noChangeAspect="1"/>
+          </p:cNvPicPr>
+          <p:nvPr/>
+        </p:nvPicPr>
+        <p:blipFill>
+          <a:blip r:embed="rId19">
+            <a:extLst>
+              <a:ext uri="{28A0092B-C50C-407E-A947-70E740481C1C}">
+                <a14:useLocalDpi xmlns:a14="http://schemas.microsoft.com/office/drawing/2010/main" val="0"/>
+              </a:ext>
+            </a:extLst>
+          </a:blip>
+          <a:stretch>
+            <a:fillRect/>
+          </a:stretch>
+        </p:blipFill>
+        <p:spPr>
+          <a:xfrm>
+            <a:off x="481196" y="5230293"/>
+            <a:ext cx="3771880" cy="937131"/>
+          </a:xfrm>
+          <a:prstGeom prst="rect">
+            <a:avLst/>
+          </a:prstGeom>
+        </p:spPr>
+      </p:pic>
+    </p:spTree>
+    <p:extLst>
+      <p:ext uri="{BB962C8B-B14F-4D97-AF65-F5344CB8AC3E}">
+        <p14:creationId xmlns:p14="http://schemas.microsoft.com/office/powerpoint/2010/main" val="2623647586"/>
+      </p:ext>
+    </p:extLst>
+  </p:cSld>
+  <p:clrMapOvr>
+    <a:masterClrMapping/>
+  </p:clrMapOvr>
+</p:sld>
+</file>
+
+<file path=ppt/slides/slide3.xml><?xml version="1.0" encoding="utf-8"?>
 <p:sld xmlns:a="http://schemas.openxmlformats.org/drawingml/2006/main" xmlns:r="http://schemas.openxmlformats.org/officeDocument/2006/relationships" xmlns:p="http://schemas.openxmlformats.org/presentationml/2006/main">
   <p:cSld>
     <p:bg>
@@ -3936,8 +9029,8 @@
         </p:blipFill>
         <p:spPr bwMode="auto">
           <a:xfrm>
-            <a:off x="345742" y="3247859"/>
-            <a:ext cx="4141760" cy="1201110"/>
+            <a:off x="298732" y="6167590"/>
+            <a:ext cx="1530068" cy="443720"/>
           </a:xfrm>
           <a:custGeom>
             <a:avLst/>
@@ -6055,7 +11148,7 @@
       </p:grpSp>
       <p:pic>
         <p:nvPicPr>
-          <p:cNvPr id="2050" name="Picture 2" descr="Vertical SQL Saturday logo with text">
+          <p:cNvPr id="2050" name="Picture 2">
             <a:extLst>
               <a:ext uri="{FF2B5EF4-FFF2-40B4-BE49-F238E27FC236}">
                 <a16:creationId xmlns:a16="http://schemas.microsoft.com/office/drawing/2014/main" id="{EBA3EB57-8E07-780C-232F-26D3BBD12DF7}"/>
@@ -6076,14 +11169,12 @@
             </a:extLst>
           </a:blip>
           <a:srcRect/>
-          <a:stretch>
-            <a:fillRect/>
-          </a:stretch>
+          <a:stretch/>
         </p:blipFill>
         <p:spPr bwMode="auto">
           <a:xfrm>
-            <a:off x="388117" y="5643060"/>
-            <a:ext cx="1251498" cy="1002120"/>
+            <a:off x="685800" y="1724051"/>
+            <a:ext cx="3938531" cy="3409897"/>
           </a:xfrm>
           <a:prstGeom prst="rect">
             <a:avLst/>
@@ -6113,1330 +11204,10 @@
           </a:extLst>
         </p:spPr>
       </p:pic>
-      <p:pic>
-        <p:nvPicPr>
-          <p:cNvPr id="3" name="Picture 2">
-            <a:extLst>
-              <a:ext uri="{FF2B5EF4-FFF2-40B4-BE49-F238E27FC236}">
-                <a16:creationId xmlns:a16="http://schemas.microsoft.com/office/drawing/2014/main" id="{F7A440F1-2236-41A2-CF85-35DDCB45D576}"/>
-              </a:ext>
-            </a:extLst>
-          </p:cNvPr>
-          <p:cNvPicPr>
-            <a:picLocks noChangeAspect="1"/>
-          </p:cNvPicPr>
-          <p:nvPr/>
-        </p:nvPicPr>
-        <p:blipFill>
-          <a:blip r:embed="rId4"/>
-          <a:stretch>
-            <a:fillRect/>
-          </a:stretch>
-        </p:blipFill>
-        <p:spPr>
-          <a:xfrm>
-            <a:off x="7051045" y="3124200"/>
-            <a:ext cx="3352800" cy="3352800"/>
-          </a:xfrm>
-          <a:prstGeom prst="rect">
-            <a:avLst/>
-          </a:prstGeom>
-        </p:spPr>
-      </p:pic>
     </p:spTree>
     <p:extLst>
       <p:ext uri="{BB962C8B-B14F-4D97-AF65-F5344CB8AC3E}">
         <p14:creationId xmlns:p14="http://schemas.microsoft.com/office/powerpoint/2010/main" val="330708681"/>
-      </p:ext>
-    </p:extLst>
-  </p:cSld>
-  <p:clrMapOvr>
-    <a:masterClrMapping/>
-  </p:clrMapOvr>
-</p:sld>
-</file>
-
-<file path=ppt/slides/slide2.xml><?xml version="1.0" encoding="utf-8"?>
-<p:sld xmlns:a="http://schemas.openxmlformats.org/drawingml/2006/main" xmlns:r="http://schemas.openxmlformats.org/officeDocument/2006/relationships" xmlns:p="http://schemas.openxmlformats.org/presentationml/2006/main">
-  <p:cSld>
-    <p:spTree>
-      <p:nvGrpSpPr>
-        <p:cNvPr id="1" name=""/>
-        <p:cNvGrpSpPr/>
-        <p:nvPr/>
-      </p:nvGrpSpPr>
-      <p:grpSpPr>
-        <a:xfrm>
-          <a:off x="0" y="0"/>
-          <a:ext cx="0" cy="0"/>
-          <a:chOff x="0" y="0"/>
-          <a:chExt cx="0" cy="0"/>
-        </a:xfrm>
-      </p:grpSpPr>
-      <p:sp>
-        <p:nvSpPr>
-          <p:cNvPr id="22" name="Rectangle 21">
-            <a:extLst>
-              <a:ext uri="{FF2B5EF4-FFF2-40B4-BE49-F238E27FC236}">
-                <a16:creationId xmlns:a16="http://schemas.microsoft.com/office/drawing/2014/main" id="{94C9E510-304C-2914-DBEC-32718339BBFD}"/>
-              </a:ext>
-            </a:extLst>
-          </p:cNvPr>
-          <p:cNvSpPr/>
-          <p:nvPr/>
-        </p:nvSpPr>
-        <p:spPr>
-          <a:xfrm>
-            <a:off x="-1" y="6289765"/>
-            <a:ext cx="12192000" cy="609551"/>
-          </a:xfrm>
-          <a:prstGeom prst="rect">
-            <a:avLst/>
-          </a:prstGeom>
-          <a:solidFill>
-            <a:srgbClr val="ED8531"/>
-          </a:solidFill>
-          <a:ln>
-            <a:noFill/>
-          </a:ln>
-        </p:spPr>
-        <p:style>
-          <a:lnRef idx="2">
-            <a:schemeClr val="accent1">
-              <a:shade val="15000"/>
-            </a:schemeClr>
-          </a:lnRef>
-          <a:fillRef idx="1">
-            <a:schemeClr val="accent1"/>
-          </a:fillRef>
-          <a:effectRef idx="0">
-            <a:schemeClr val="accent1"/>
-          </a:effectRef>
-          <a:fontRef idx="minor">
-            <a:schemeClr val="lt1"/>
-          </a:fontRef>
-        </p:style>
-        <p:txBody>
-          <a:bodyPr rtlCol="0" anchor="ctr"/>
-          <a:lstStyle/>
-          <a:p>
-            <a:pPr algn="ctr"/>
-            <a:endParaRPr lang="en-US"/>
-          </a:p>
-        </p:txBody>
-      </p:sp>
-      <p:sp>
-        <p:nvSpPr>
-          <p:cNvPr id="21" name="Rectangle 20">
-            <a:extLst>
-              <a:ext uri="{FF2B5EF4-FFF2-40B4-BE49-F238E27FC236}">
-                <a16:creationId xmlns:a16="http://schemas.microsoft.com/office/drawing/2014/main" id="{DE7558AC-07FC-127F-2649-D0B8A3A07A13}"/>
-              </a:ext>
-            </a:extLst>
-          </p:cNvPr>
-          <p:cNvSpPr/>
-          <p:nvPr/>
-        </p:nvSpPr>
-        <p:spPr>
-          <a:xfrm>
-            <a:off x="0" y="0"/>
-            <a:ext cx="12192000" cy="957630"/>
-          </a:xfrm>
-          <a:prstGeom prst="rect">
-            <a:avLst/>
-          </a:prstGeom>
-          <a:solidFill>
-            <a:srgbClr val="229A9C"/>
-          </a:solidFill>
-          <a:ln>
-            <a:noFill/>
-          </a:ln>
-        </p:spPr>
-        <p:style>
-          <a:lnRef idx="2">
-            <a:schemeClr val="accent1">
-              <a:shade val="15000"/>
-            </a:schemeClr>
-          </a:lnRef>
-          <a:fillRef idx="1">
-            <a:schemeClr val="accent1"/>
-          </a:fillRef>
-          <a:effectRef idx="0">
-            <a:schemeClr val="accent1"/>
-          </a:effectRef>
-          <a:fontRef idx="minor">
-            <a:schemeClr val="lt1"/>
-          </a:fontRef>
-        </p:style>
-        <p:txBody>
-          <a:bodyPr rtlCol="0" anchor="ctr"/>
-          <a:lstStyle/>
-          <a:p>
-            <a:pPr algn="ctr"/>
-            <a:endParaRPr lang="en-US"/>
-          </a:p>
-        </p:txBody>
-      </p:sp>
-      <p:sp>
-        <p:nvSpPr>
-          <p:cNvPr id="18" name="Text Box 37">
-            <a:extLst>
-              <a:ext uri="{FF2B5EF4-FFF2-40B4-BE49-F238E27FC236}">
-                <a16:creationId xmlns:a16="http://schemas.microsoft.com/office/drawing/2014/main" id="{B74E683E-D313-B9B5-3575-847CACD37698}"/>
-              </a:ext>
-            </a:extLst>
-          </p:cNvPr>
-          <p:cNvSpPr txBox="1">
-            <a:spLocks noChangeArrowheads="1"/>
-          </p:cNvSpPr>
-          <p:nvPr/>
-        </p:nvSpPr>
-        <p:spPr bwMode="auto">
-          <a:xfrm>
-            <a:off x="-159954" y="131124"/>
-            <a:ext cx="12192000" cy="638331"/>
-          </a:xfrm>
-          <a:prstGeom prst="rect">
-            <a:avLst/>
-          </a:prstGeom>
-          <a:noFill/>
-          <a:ln>
-            <a:noFill/>
-          </a:ln>
-          <a:effectLst/>
-          <a:extLst>
-            <a:ext uri="{909E8E84-426E-40DD-AFC4-6F175D3DCCD1}">
-              <a14:hiddenFill xmlns:a14="http://schemas.microsoft.com/office/drawing/2010/main">
-                <a:solidFill>
-                  <a:srgbClr val="5B9BD5"/>
-                </a:solidFill>
-              </a14:hiddenFill>
-            </a:ext>
-            <a:ext uri="{91240B29-F687-4F45-9708-019B960494DF}">
-              <a14:hiddenLine xmlns:a14="http://schemas.microsoft.com/office/drawing/2010/main" w="25400" algn="ctr">
-                <a:solidFill>
-                  <a:srgbClr val="000000"/>
-                </a:solidFill>
-                <a:miter lim="800000"/>
-                <a:headEnd/>
-                <a:tailEnd/>
-              </a14:hiddenLine>
-            </a:ext>
-            <a:ext uri="{AF507438-7753-43E0-B8FC-AC1667EBCBE1}">
-              <a14:hiddenEffects xmlns:a14="http://schemas.microsoft.com/office/drawing/2010/main">
-                <a:effectLst>
-                  <a:outerShdw dist="35921" dir="2700000" algn="ctr" rotWithShape="0">
-                    <a:srgbClr val="000000"/>
-                  </a:outerShdw>
-                </a:effectLst>
-              </a14:hiddenEffects>
-            </a:ext>
-          </a:extLst>
-        </p:spPr>
-        <p:txBody>
-          <a:bodyPr vert="horz" wrap="square" lIns="36576" tIns="36576" rIns="36576" bIns="36576" numCol="1" anchor="t" anchorCtr="0" compatLnSpc="1">
-            <a:prstTxWarp prst="textNoShape">
-              <a:avLst/>
-            </a:prstTxWarp>
-          </a:bodyPr>
-          <a:lstStyle/>
-          <a:p>
-            <a:pPr marL="0" marR="0" lvl="0" indent="0" algn="ctr" defTabSz="914400" rtl="0" eaLnBrk="0" fontAlgn="base" latinLnBrk="0" hangingPunct="0">
-              <a:lnSpc>
-                <a:spcPct val="100000"/>
-              </a:lnSpc>
-              <a:spcBef>
-                <a:spcPct val="0"/>
-              </a:spcBef>
-              <a:spcAft>
-                <a:spcPct val="0"/>
-              </a:spcAft>
-              <a:buClrTx/>
-              <a:buSzTx/>
-              <a:buFontTx/>
-              <a:buNone/>
-              <a:tabLst/>
-            </a:pPr>
-            <a:r>
-              <a:rPr kumimoji="0" lang="en-US" altLang="en-US" sz="3200" b="0" i="0" u="none" strike="noStrike" cap="none" normalizeH="0" baseline="0" dirty="0">
-                <a:ln>
-                  <a:noFill/>
-                </a:ln>
-                <a:solidFill>
-                  <a:schemeClr val="bg1"/>
-                </a:solidFill>
-                <a:effectLst/>
-                <a:latin typeface="Berlin Sans FB" panose="020E0602020502020306" pitchFamily="34" charset="0"/>
-              </a:rPr>
-              <a:t>SQL Saturday Baton Rouge 2024</a:t>
-            </a:r>
-          </a:p>
-        </p:txBody>
-      </p:sp>
-      <p:pic>
-        <p:nvPicPr>
-          <p:cNvPr id="1064" name="Picture 40">
-            <a:extLst>
-              <a:ext uri="{FF2B5EF4-FFF2-40B4-BE49-F238E27FC236}">
-                <a16:creationId xmlns:a16="http://schemas.microsoft.com/office/drawing/2014/main" id="{36506C78-B6AE-C975-F995-560BBC21E396}"/>
-              </a:ext>
-            </a:extLst>
-          </p:cNvPr>
-          <p:cNvPicPr>
-            <a:picLocks noChangeAspect="1" noChangeArrowheads="1"/>
-          </p:cNvPicPr>
-          <p:nvPr/>
-        </p:nvPicPr>
-        <p:blipFill>
-          <a:blip r:embed="rId2">
-            <a:extLst>
-              <a:ext uri="{28A0092B-C50C-407E-A947-70E740481C1C}">
-                <a14:useLocalDpi xmlns:a14="http://schemas.microsoft.com/office/drawing/2010/main" val="0"/>
-              </a:ext>
-            </a:extLst>
-          </a:blip>
-          <a:srcRect/>
-          <a:stretch>
-            <a:fillRect/>
-          </a:stretch>
-        </p:blipFill>
-        <p:spPr bwMode="auto">
-          <a:xfrm>
-            <a:off x="199790" y="5581958"/>
-            <a:ext cx="2670609" cy="717108"/>
-          </a:xfrm>
-          <a:prstGeom prst="rect">
-            <a:avLst/>
-          </a:prstGeom>
-          <a:noFill/>
-          <a:ln>
-            <a:noFill/>
-          </a:ln>
-          <a:extLst>
-            <a:ext uri="{909E8E84-426E-40DD-AFC4-6F175D3DCCD1}">
-              <a14:hiddenFill xmlns:a14="http://schemas.microsoft.com/office/drawing/2010/main">
-                <a:solidFill>
-                  <a:srgbClr val="FFFFFF"/>
-                </a:solidFill>
-              </a14:hiddenFill>
-            </a:ext>
-            <a:ext uri="{91240B29-F687-4F45-9708-019B960494DF}">
-              <a14:hiddenLine xmlns:a14="http://schemas.microsoft.com/office/drawing/2010/main" w="9525" algn="in">
-                <a:solidFill>
-                  <a:srgbClr val="000000"/>
-                </a:solidFill>
-                <a:miter lim="800000"/>
-                <a:headEnd/>
-                <a:tailEnd/>
-              </a14:hiddenLine>
-            </a:ext>
-          </a:extLst>
-        </p:spPr>
-      </p:pic>
-      <p:pic>
-        <p:nvPicPr>
-          <p:cNvPr id="1065" name="Picture 41">
-            <a:extLst>
-              <a:ext uri="{FF2B5EF4-FFF2-40B4-BE49-F238E27FC236}">
-                <a16:creationId xmlns:a16="http://schemas.microsoft.com/office/drawing/2014/main" id="{EAE762CD-4BF0-E2EE-8033-52D237A794C6}"/>
-              </a:ext>
-            </a:extLst>
-          </p:cNvPr>
-          <p:cNvPicPr>
-            <a:picLocks noChangeAspect="1" noChangeArrowheads="1"/>
-          </p:cNvPicPr>
-          <p:nvPr/>
-        </p:nvPicPr>
-        <p:blipFill>
-          <a:blip r:embed="rId3">
-            <a:extLst>
-              <a:ext uri="{28A0092B-C50C-407E-A947-70E740481C1C}">
-                <a14:useLocalDpi xmlns:a14="http://schemas.microsoft.com/office/drawing/2010/main" val="0"/>
-              </a:ext>
-            </a:extLst>
-          </a:blip>
-          <a:srcRect/>
-          <a:stretch>
-            <a:fillRect/>
-          </a:stretch>
-        </p:blipFill>
-        <p:spPr bwMode="auto">
-          <a:xfrm>
-            <a:off x="2795662" y="3643169"/>
-            <a:ext cx="1828800" cy="520700"/>
-          </a:xfrm>
-          <a:prstGeom prst="rect">
-            <a:avLst/>
-          </a:prstGeom>
-          <a:noFill/>
-          <a:ln>
-            <a:noFill/>
-          </a:ln>
-          <a:extLst>
-            <a:ext uri="{909E8E84-426E-40DD-AFC4-6F175D3DCCD1}">
-              <a14:hiddenFill xmlns:a14="http://schemas.microsoft.com/office/drawing/2010/main">
-                <a:solidFill>
-                  <a:srgbClr val="FFFFFF"/>
-                </a:solidFill>
-              </a14:hiddenFill>
-            </a:ext>
-            <a:ext uri="{91240B29-F687-4F45-9708-019B960494DF}">
-              <a14:hiddenLine xmlns:a14="http://schemas.microsoft.com/office/drawing/2010/main" w="9525" algn="in">
-                <a:solidFill>
-                  <a:srgbClr val="000000"/>
-                </a:solidFill>
-                <a:miter lim="800000"/>
-                <a:headEnd/>
-                <a:tailEnd/>
-              </a14:hiddenLine>
-            </a:ext>
-          </a:extLst>
-        </p:spPr>
-      </p:pic>
-      <p:pic>
-        <p:nvPicPr>
-          <p:cNvPr id="1067" name="Picture 43">
-            <a:extLst>
-              <a:ext uri="{FF2B5EF4-FFF2-40B4-BE49-F238E27FC236}">
-                <a16:creationId xmlns:a16="http://schemas.microsoft.com/office/drawing/2014/main" id="{CD372E17-B0BD-CD8E-93BB-D42E8EF2186D}"/>
-              </a:ext>
-            </a:extLst>
-          </p:cNvPr>
-          <p:cNvPicPr>
-            <a:picLocks noChangeAspect="1" noChangeArrowheads="1"/>
-          </p:cNvPicPr>
-          <p:nvPr/>
-        </p:nvPicPr>
-        <p:blipFill>
-          <a:blip r:embed="rId4">
-            <a:extLst>
-              <a:ext uri="{28A0092B-C50C-407E-A947-70E740481C1C}">
-                <a14:useLocalDpi xmlns:a14="http://schemas.microsoft.com/office/drawing/2010/main" val="0"/>
-              </a:ext>
-            </a:extLst>
-          </a:blip>
-          <a:srcRect/>
-          <a:stretch>
-            <a:fillRect/>
-          </a:stretch>
-        </p:blipFill>
-        <p:spPr bwMode="auto">
-          <a:xfrm>
-            <a:off x="7413904" y="2569913"/>
-            <a:ext cx="1828800" cy="325438"/>
-          </a:xfrm>
-          <a:prstGeom prst="rect">
-            <a:avLst/>
-          </a:prstGeom>
-          <a:noFill/>
-          <a:ln>
-            <a:noFill/>
-          </a:ln>
-          <a:extLst>
-            <a:ext uri="{909E8E84-426E-40DD-AFC4-6F175D3DCCD1}">
-              <a14:hiddenFill xmlns:a14="http://schemas.microsoft.com/office/drawing/2010/main">
-                <a:solidFill>
-                  <a:srgbClr val="FFFFFF"/>
-                </a:solidFill>
-              </a14:hiddenFill>
-            </a:ext>
-            <a:ext uri="{91240B29-F687-4F45-9708-019B960494DF}">
-              <a14:hiddenLine xmlns:a14="http://schemas.microsoft.com/office/drawing/2010/main" w="9525" algn="in">
-                <a:solidFill>
-                  <a:srgbClr val="000000"/>
-                </a:solidFill>
-                <a:miter lim="800000"/>
-                <a:headEnd/>
-                <a:tailEnd/>
-              </a14:hiddenLine>
-            </a:ext>
-          </a:extLst>
-        </p:spPr>
-      </p:pic>
-      <p:pic>
-        <p:nvPicPr>
-          <p:cNvPr id="1068" name="Picture 44">
-            <a:extLst>
-              <a:ext uri="{FF2B5EF4-FFF2-40B4-BE49-F238E27FC236}">
-                <a16:creationId xmlns:a16="http://schemas.microsoft.com/office/drawing/2014/main" id="{9CFCE9AC-F285-EAC8-058A-E9CCEF913BC3}"/>
-              </a:ext>
-            </a:extLst>
-          </p:cNvPr>
-          <p:cNvPicPr>
-            <a:picLocks noChangeAspect="1" noChangeArrowheads="1"/>
-          </p:cNvPicPr>
-          <p:nvPr/>
-        </p:nvPicPr>
-        <p:blipFill>
-          <a:blip r:embed="rId5">
-            <a:extLst>
-              <a:ext uri="{28A0092B-C50C-407E-A947-70E740481C1C}">
-                <a14:useLocalDpi xmlns:a14="http://schemas.microsoft.com/office/drawing/2010/main" val="0"/>
-              </a:ext>
-            </a:extLst>
-          </a:blip>
-          <a:srcRect/>
-          <a:stretch>
-            <a:fillRect/>
-          </a:stretch>
-        </p:blipFill>
-        <p:spPr bwMode="auto">
-          <a:xfrm>
-            <a:off x="392096" y="2775006"/>
-            <a:ext cx="1828800" cy="257175"/>
-          </a:xfrm>
-          <a:prstGeom prst="rect">
-            <a:avLst/>
-          </a:prstGeom>
-          <a:noFill/>
-          <a:ln>
-            <a:noFill/>
-          </a:ln>
-          <a:extLst>
-            <a:ext uri="{909E8E84-426E-40DD-AFC4-6F175D3DCCD1}">
-              <a14:hiddenFill xmlns:a14="http://schemas.microsoft.com/office/drawing/2010/main">
-                <a:solidFill>
-                  <a:srgbClr val="FFFFFF"/>
-                </a:solidFill>
-              </a14:hiddenFill>
-            </a:ext>
-            <a:ext uri="{91240B29-F687-4F45-9708-019B960494DF}">
-              <a14:hiddenLine xmlns:a14="http://schemas.microsoft.com/office/drawing/2010/main" w="9525" algn="in">
-                <a:solidFill>
-                  <a:srgbClr val="000000"/>
-                </a:solidFill>
-                <a:miter lim="800000"/>
-                <a:headEnd/>
-                <a:tailEnd/>
-              </a14:hiddenLine>
-            </a:ext>
-          </a:extLst>
-        </p:spPr>
-      </p:pic>
-      <p:pic>
-        <p:nvPicPr>
-          <p:cNvPr id="1071" name="Picture 47">
-            <a:extLst>
-              <a:ext uri="{FF2B5EF4-FFF2-40B4-BE49-F238E27FC236}">
-                <a16:creationId xmlns:a16="http://schemas.microsoft.com/office/drawing/2014/main" id="{F1DBE340-0728-946F-8042-90648624737B}"/>
-              </a:ext>
-            </a:extLst>
-          </p:cNvPr>
-          <p:cNvPicPr>
-            <a:picLocks noChangeAspect="1" noChangeArrowheads="1"/>
-          </p:cNvPicPr>
-          <p:nvPr/>
-        </p:nvPicPr>
-        <p:blipFill>
-          <a:blip r:embed="rId6">
-            <a:extLst>
-              <a:ext uri="{28A0092B-C50C-407E-A947-70E740481C1C}">
-                <a14:useLocalDpi xmlns:a14="http://schemas.microsoft.com/office/drawing/2010/main" val="0"/>
-              </a:ext>
-            </a:extLst>
-          </a:blip>
-          <a:srcRect/>
-          <a:stretch>
-            <a:fillRect/>
-          </a:stretch>
-        </p:blipFill>
-        <p:spPr bwMode="auto">
-          <a:xfrm>
-            <a:off x="7297837" y="4573240"/>
-            <a:ext cx="1828800" cy="420688"/>
-          </a:xfrm>
-          <a:prstGeom prst="rect">
-            <a:avLst/>
-          </a:prstGeom>
-          <a:noFill/>
-          <a:ln>
-            <a:noFill/>
-          </a:ln>
-          <a:extLst>
-            <a:ext uri="{909E8E84-426E-40DD-AFC4-6F175D3DCCD1}">
-              <a14:hiddenFill xmlns:a14="http://schemas.microsoft.com/office/drawing/2010/main">
-                <a:solidFill>
-                  <a:srgbClr val="FFFFFF"/>
-                </a:solidFill>
-              </a14:hiddenFill>
-            </a:ext>
-            <a:ext uri="{91240B29-F687-4F45-9708-019B960494DF}">
-              <a14:hiddenLine xmlns:a14="http://schemas.microsoft.com/office/drawing/2010/main" w="9525" algn="in">
-                <a:solidFill>
-                  <a:srgbClr val="000000"/>
-                </a:solidFill>
-                <a:miter lim="800000"/>
-                <a:headEnd/>
-                <a:tailEnd/>
-              </a14:hiddenLine>
-            </a:ext>
-          </a:extLst>
-        </p:spPr>
-      </p:pic>
-      <p:pic>
-        <p:nvPicPr>
-          <p:cNvPr id="1075" name="Picture 51">
-            <a:extLst>
-              <a:ext uri="{FF2B5EF4-FFF2-40B4-BE49-F238E27FC236}">
-                <a16:creationId xmlns:a16="http://schemas.microsoft.com/office/drawing/2014/main" id="{131361AC-9B62-EA17-5F75-61689A68B2D9}"/>
-              </a:ext>
-            </a:extLst>
-          </p:cNvPr>
-          <p:cNvPicPr>
-            <a:picLocks noChangeAspect="1" noChangeArrowheads="1"/>
-          </p:cNvPicPr>
-          <p:nvPr/>
-        </p:nvPicPr>
-        <p:blipFill>
-          <a:blip r:embed="rId7">
-            <a:extLst>
-              <a:ext uri="{28A0092B-C50C-407E-A947-70E740481C1C}">
-                <a14:useLocalDpi xmlns:a14="http://schemas.microsoft.com/office/drawing/2010/main" val="0"/>
-              </a:ext>
-            </a:extLst>
-          </a:blip>
-          <a:srcRect/>
-          <a:stretch>
-            <a:fillRect/>
-          </a:stretch>
-        </p:blipFill>
-        <p:spPr bwMode="auto">
-          <a:xfrm>
-            <a:off x="3831723" y="4694107"/>
-            <a:ext cx="1905000" cy="246062"/>
-          </a:xfrm>
-          <a:prstGeom prst="rect">
-            <a:avLst/>
-          </a:prstGeom>
-          <a:noFill/>
-          <a:ln>
-            <a:noFill/>
-          </a:ln>
-          <a:extLst>
-            <a:ext uri="{909E8E84-426E-40DD-AFC4-6F175D3DCCD1}">
-              <a14:hiddenFill xmlns:a14="http://schemas.microsoft.com/office/drawing/2010/main">
-                <a:solidFill>
-                  <a:srgbClr val="FFFFFF"/>
-                </a:solidFill>
-              </a14:hiddenFill>
-            </a:ext>
-            <a:ext uri="{91240B29-F687-4F45-9708-019B960494DF}">
-              <a14:hiddenLine xmlns:a14="http://schemas.microsoft.com/office/drawing/2010/main" w="9525" algn="in">
-                <a:solidFill>
-                  <a:srgbClr val="000000"/>
-                </a:solidFill>
-                <a:miter lim="800000"/>
-                <a:headEnd/>
-                <a:tailEnd/>
-              </a14:hiddenLine>
-            </a:ext>
-          </a:extLst>
-        </p:spPr>
-      </p:pic>
-      <p:pic>
-        <p:nvPicPr>
-          <p:cNvPr id="1078" name="Picture 54">
-            <a:extLst>
-              <a:ext uri="{FF2B5EF4-FFF2-40B4-BE49-F238E27FC236}">
-                <a16:creationId xmlns:a16="http://schemas.microsoft.com/office/drawing/2014/main" id="{D27CEBAD-47AC-BB28-AE3F-0615AB3C2A31}"/>
-              </a:ext>
-            </a:extLst>
-          </p:cNvPr>
-          <p:cNvPicPr>
-            <a:picLocks noChangeAspect="1" noChangeArrowheads="1"/>
-          </p:cNvPicPr>
-          <p:nvPr/>
-        </p:nvPicPr>
-        <p:blipFill>
-          <a:blip r:embed="rId8">
-            <a:extLst>
-              <a:ext uri="{28A0092B-C50C-407E-A947-70E740481C1C}">
-                <a14:useLocalDpi xmlns:a14="http://schemas.microsoft.com/office/drawing/2010/main" val="0"/>
-              </a:ext>
-            </a:extLst>
-          </a:blip>
-          <a:srcRect/>
-          <a:stretch>
-            <a:fillRect/>
-          </a:stretch>
-        </p:blipFill>
-        <p:spPr bwMode="auto">
-          <a:xfrm>
-            <a:off x="9800241" y="5158510"/>
-            <a:ext cx="2057400" cy="1008063"/>
-          </a:xfrm>
-          <a:prstGeom prst="rect">
-            <a:avLst/>
-          </a:prstGeom>
-          <a:noFill/>
-          <a:ln>
-            <a:noFill/>
-          </a:ln>
-          <a:extLst>
-            <a:ext uri="{909E8E84-426E-40DD-AFC4-6F175D3DCCD1}">
-              <a14:hiddenFill xmlns:a14="http://schemas.microsoft.com/office/drawing/2010/main">
-                <a:solidFill>
-                  <a:srgbClr val="FFFFFF"/>
-                </a:solidFill>
-              </a14:hiddenFill>
-            </a:ext>
-            <a:ext uri="{91240B29-F687-4F45-9708-019B960494DF}">
-              <a14:hiddenLine xmlns:a14="http://schemas.microsoft.com/office/drawing/2010/main" w="9525" algn="in">
-                <a:solidFill>
-                  <a:srgbClr val="000000"/>
-                </a:solidFill>
-                <a:miter lim="800000"/>
-                <a:headEnd/>
-                <a:tailEnd/>
-              </a14:hiddenLine>
-            </a:ext>
-          </a:extLst>
-        </p:spPr>
-      </p:pic>
-      <p:sp>
-        <p:nvSpPr>
-          <p:cNvPr id="20" name="TextBox 19">
-            <a:extLst>
-              <a:ext uri="{FF2B5EF4-FFF2-40B4-BE49-F238E27FC236}">
-                <a16:creationId xmlns:a16="http://schemas.microsoft.com/office/drawing/2014/main" id="{9A31DF5D-18A1-8118-9E4C-067CED2B39F3}"/>
-              </a:ext>
-            </a:extLst>
-          </p:cNvPr>
-          <p:cNvSpPr txBox="1"/>
-          <p:nvPr/>
-        </p:nvSpPr>
-        <p:spPr>
-          <a:xfrm>
-            <a:off x="-78572" y="6234448"/>
-            <a:ext cx="12191999" cy="584775"/>
-          </a:xfrm>
-          <a:prstGeom prst="rect">
-            <a:avLst/>
-          </a:prstGeom>
-          <a:noFill/>
-        </p:spPr>
-        <p:txBody>
-          <a:bodyPr wrap="square">
-            <a:spAutoFit/>
-          </a:bodyPr>
-          <a:lstStyle/>
-          <a:p>
-            <a:pPr marL="0" marR="0" lvl="0" indent="0" algn="ctr" defTabSz="914400" rtl="0" eaLnBrk="0" fontAlgn="base" latinLnBrk="0" hangingPunct="0">
-              <a:lnSpc>
-                <a:spcPct val="100000"/>
-              </a:lnSpc>
-              <a:spcBef>
-                <a:spcPct val="0"/>
-              </a:spcBef>
-              <a:spcAft>
-                <a:spcPct val="0"/>
-              </a:spcAft>
-              <a:buClrTx/>
-              <a:buSzTx/>
-              <a:buFontTx/>
-              <a:buNone/>
-              <a:tabLst/>
-            </a:pPr>
-            <a:r>
-              <a:rPr lang="en-US" altLang="en-US" sz="3200" dirty="0">
-                <a:solidFill>
-                  <a:schemeClr val="bg1"/>
-                </a:solidFill>
-                <a:latin typeface="Berlin Sans FB" panose="020E0602020502020306" pitchFamily="34" charset="0"/>
-              </a:rPr>
-              <a:t>Thank you, Sponsors!</a:t>
-            </a:r>
-            <a:endParaRPr kumimoji="0" lang="en-US" altLang="en-US" sz="2000" b="0" i="0" u="none" strike="noStrike" cap="none" normalizeH="0" baseline="0" dirty="0">
-              <a:ln>
-                <a:noFill/>
-              </a:ln>
-              <a:solidFill>
-                <a:schemeClr val="bg1"/>
-              </a:solidFill>
-              <a:effectLst/>
-              <a:latin typeface="Berlin Sans FB" panose="020E0602020502020306" pitchFamily="34" charset="0"/>
-            </a:endParaRPr>
-          </a:p>
-        </p:txBody>
-      </p:sp>
-      <p:pic>
-        <p:nvPicPr>
-          <p:cNvPr id="1062" name="Picture 38">
-            <a:extLst>
-              <a:ext uri="{FF2B5EF4-FFF2-40B4-BE49-F238E27FC236}">
-                <a16:creationId xmlns:a16="http://schemas.microsoft.com/office/drawing/2014/main" id="{40B08D65-3F33-C5EE-0526-A47B269921D8}"/>
-              </a:ext>
-            </a:extLst>
-          </p:cNvPr>
-          <p:cNvPicPr>
-            <a:picLocks noChangeAspect="1" noChangeArrowheads="1"/>
-          </p:cNvPicPr>
-          <p:nvPr/>
-        </p:nvPicPr>
-        <p:blipFill>
-          <a:blip r:embed="rId9">
-            <a:extLst>
-              <a:ext uri="{28A0092B-C50C-407E-A947-70E740481C1C}">
-                <a14:useLocalDpi xmlns:a14="http://schemas.microsoft.com/office/drawing/2010/main" val="0"/>
-              </a:ext>
-            </a:extLst>
-          </a:blip>
-          <a:srcRect/>
-          <a:stretch>
-            <a:fillRect/>
-          </a:stretch>
-        </p:blipFill>
-        <p:spPr bwMode="auto">
-          <a:xfrm>
-            <a:off x="5926237" y="1142444"/>
-            <a:ext cx="2286000" cy="975430"/>
-          </a:xfrm>
-          <a:prstGeom prst="rect">
-            <a:avLst/>
-          </a:prstGeom>
-          <a:noFill/>
-          <a:ln>
-            <a:noFill/>
-          </a:ln>
-          <a:effectLst/>
-          <a:extLst>
-            <a:ext uri="{909E8E84-426E-40DD-AFC4-6F175D3DCCD1}">
-              <a14:hiddenFill xmlns:a14="http://schemas.microsoft.com/office/drawing/2010/main">
-                <a:solidFill>
-                  <a:srgbClr val="5B9BD5"/>
-                </a:solidFill>
-              </a14:hiddenFill>
-            </a:ext>
-            <a:ext uri="{91240B29-F687-4F45-9708-019B960494DF}">
-              <a14:hiddenLine xmlns:a14="http://schemas.microsoft.com/office/drawing/2010/main" w="25400" algn="ctr">
-                <a:solidFill>
-                  <a:srgbClr val="000000"/>
-                </a:solidFill>
-                <a:miter lim="800000"/>
-                <a:headEnd/>
-                <a:tailEnd/>
-              </a14:hiddenLine>
-            </a:ext>
-            <a:ext uri="{AF507438-7753-43E0-B8FC-AC1667EBCBE1}">
-              <a14:hiddenEffects xmlns:a14="http://schemas.microsoft.com/office/drawing/2010/main">
-                <a:effectLst>
-                  <a:outerShdw dist="35921" dir="2700000" algn="ctr" rotWithShape="0">
-                    <a:srgbClr val="000000"/>
-                  </a:outerShdw>
-                </a:effectLst>
-              </a14:hiddenEffects>
-            </a:ext>
-          </a:extLst>
-        </p:spPr>
-      </p:pic>
-      <p:pic>
-        <p:nvPicPr>
-          <p:cNvPr id="4" name="Picture 3" descr="A logo with text on it&#10;&#10;Description automatically generated">
-            <a:extLst>
-              <a:ext uri="{FF2B5EF4-FFF2-40B4-BE49-F238E27FC236}">
-                <a16:creationId xmlns:a16="http://schemas.microsoft.com/office/drawing/2014/main" id="{FBA75C01-4D8F-AD47-3851-669093900904}"/>
-              </a:ext>
-            </a:extLst>
-          </p:cNvPr>
-          <p:cNvPicPr>
-            <a:picLocks noChangeAspect="1"/>
-          </p:cNvPicPr>
-          <p:nvPr/>
-        </p:nvPicPr>
-        <p:blipFill>
-          <a:blip r:embed="rId10">
-            <a:extLst>
-              <a:ext uri="{28A0092B-C50C-407E-A947-70E740481C1C}">
-                <a14:useLocalDpi xmlns:a14="http://schemas.microsoft.com/office/drawing/2010/main" val="0"/>
-              </a:ext>
-            </a:extLst>
-          </a:blip>
-          <a:stretch>
-            <a:fillRect/>
-          </a:stretch>
-        </p:blipFill>
-        <p:spPr>
-          <a:xfrm>
-            <a:off x="3078611" y="1308831"/>
-            <a:ext cx="2286000" cy="680473"/>
-          </a:xfrm>
-          <a:prstGeom prst="rect">
-            <a:avLst/>
-          </a:prstGeom>
-        </p:spPr>
-      </p:pic>
-      <p:pic>
-        <p:nvPicPr>
-          <p:cNvPr id="6" name="Picture 5" descr="A black letter on a white background&#10;&#10;Description automatically generated">
-            <a:extLst>
-              <a:ext uri="{FF2B5EF4-FFF2-40B4-BE49-F238E27FC236}">
-                <a16:creationId xmlns:a16="http://schemas.microsoft.com/office/drawing/2014/main" id="{866C11A9-4413-C5B5-E1D3-FE1589534202}"/>
-              </a:ext>
-            </a:extLst>
-          </p:cNvPr>
-          <p:cNvPicPr>
-            <a:picLocks noChangeAspect="1"/>
-          </p:cNvPicPr>
-          <p:nvPr/>
-        </p:nvPicPr>
-        <p:blipFill>
-          <a:blip r:embed="rId11">
-            <a:extLst>
-              <a:ext uri="{28A0092B-C50C-407E-A947-70E740481C1C}">
-                <a14:useLocalDpi xmlns:a14="http://schemas.microsoft.com/office/drawing/2010/main" val="0"/>
-              </a:ext>
-            </a:extLst>
-          </a:blip>
-          <a:stretch>
-            <a:fillRect/>
-          </a:stretch>
-        </p:blipFill>
-        <p:spPr>
-          <a:xfrm>
-            <a:off x="230985" y="1288663"/>
-            <a:ext cx="2286000" cy="422910"/>
-          </a:xfrm>
-          <a:prstGeom prst="rect">
-            <a:avLst/>
-          </a:prstGeom>
-        </p:spPr>
-      </p:pic>
-      <p:pic>
-        <p:nvPicPr>
-          <p:cNvPr id="8" name="Picture 7" descr="A red letters on a black background&#10;&#10;Description automatically generated">
-            <a:extLst>
-              <a:ext uri="{FF2B5EF4-FFF2-40B4-BE49-F238E27FC236}">
-                <a16:creationId xmlns:a16="http://schemas.microsoft.com/office/drawing/2014/main" id="{7992A642-FF51-7788-E74C-221CDEF70E1C}"/>
-              </a:ext>
-            </a:extLst>
-          </p:cNvPr>
-          <p:cNvPicPr>
-            <a:picLocks noChangeAspect="1"/>
-          </p:cNvPicPr>
-          <p:nvPr/>
-        </p:nvPicPr>
-        <p:blipFill>
-          <a:blip r:embed="rId12">
-            <a:extLst>
-              <a:ext uri="{28A0092B-C50C-407E-A947-70E740481C1C}">
-                <a14:useLocalDpi xmlns:a14="http://schemas.microsoft.com/office/drawing/2010/main" val="0"/>
-              </a:ext>
-            </a:extLst>
-          </a:blip>
-          <a:stretch>
-            <a:fillRect/>
-          </a:stretch>
-        </p:blipFill>
-        <p:spPr>
-          <a:xfrm>
-            <a:off x="9239194" y="1167203"/>
-            <a:ext cx="2286000" cy="1063765"/>
-          </a:xfrm>
-          <a:prstGeom prst="rect">
-            <a:avLst/>
-          </a:prstGeom>
-        </p:spPr>
-      </p:pic>
-      <p:pic>
-        <p:nvPicPr>
-          <p:cNvPr id="10" name="Picture 9" descr="A close-up of a logo&#10;&#10;Description automatically generated">
-            <a:extLst>
-              <a:ext uri="{FF2B5EF4-FFF2-40B4-BE49-F238E27FC236}">
-                <a16:creationId xmlns:a16="http://schemas.microsoft.com/office/drawing/2014/main" id="{35A37125-608E-9CE6-4316-91F67D70FF1A}"/>
-              </a:ext>
-            </a:extLst>
-          </p:cNvPr>
-          <p:cNvPicPr>
-            <a:picLocks noChangeAspect="1"/>
-          </p:cNvPicPr>
-          <p:nvPr/>
-        </p:nvPicPr>
-        <p:blipFill>
-          <a:blip r:embed="rId13">
-            <a:extLst>
-              <a:ext uri="{28A0092B-C50C-407E-A947-70E740481C1C}">
-                <a14:useLocalDpi xmlns:a14="http://schemas.microsoft.com/office/drawing/2010/main" val="0"/>
-              </a:ext>
-            </a:extLst>
-          </a:blip>
-          <a:stretch>
-            <a:fillRect/>
-          </a:stretch>
-        </p:blipFill>
-        <p:spPr>
-          <a:xfrm>
-            <a:off x="2795662" y="2653985"/>
-            <a:ext cx="1828800" cy="598516"/>
-          </a:xfrm>
-          <a:prstGeom prst="rect">
-            <a:avLst/>
-          </a:prstGeom>
-        </p:spPr>
-      </p:pic>
-      <p:pic>
-        <p:nvPicPr>
-          <p:cNvPr id="12" name="Picture 11" descr="A black background with a black square&#10;&#10;Description automatically generated with medium confidence">
-            <a:extLst>
-              <a:ext uri="{FF2B5EF4-FFF2-40B4-BE49-F238E27FC236}">
-                <a16:creationId xmlns:a16="http://schemas.microsoft.com/office/drawing/2014/main" id="{3982CC36-95AF-7A91-045A-AFCA65AD4EDC}"/>
-              </a:ext>
-            </a:extLst>
-          </p:cNvPr>
-          <p:cNvPicPr>
-            <a:picLocks noChangeAspect="1"/>
-          </p:cNvPicPr>
-          <p:nvPr/>
-        </p:nvPicPr>
-        <p:blipFill>
-          <a:blip r:embed="rId14">
-            <a:extLst>
-              <a:ext uri="{28A0092B-C50C-407E-A947-70E740481C1C}">
-                <a14:useLocalDpi xmlns:a14="http://schemas.microsoft.com/office/drawing/2010/main" val="0"/>
-              </a:ext>
-            </a:extLst>
-          </a:blip>
-          <a:stretch>
-            <a:fillRect/>
-          </a:stretch>
-        </p:blipFill>
-        <p:spPr>
-          <a:xfrm>
-            <a:off x="5103028" y="2379769"/>
-            <a:ext cx="1828800" cy="1010024"/>
-          </a:xfrm>
-          <a:prstGeom prst="rect">
-            <a:avLst/>
-          </a:prstGeom>
-        </p:spPr>
-      </p:pic>
-      <p:pic>
-        <p:nvPicPr>
-          <p:cNvPr id="14" name="Picture 13" descr="A close up of a logo&#10;&#10;Description automatically generated">
-            <a:extLst>
-              <a:ext uri="{FF2B5EF4-FFF2-40B4-BE49-F238E27FC236}">
-                <a16:creationId xmlns:a16="http://schemas.microsoft.com/office/drawing/2014/main" id="{9E3E2EF3-BB49-3563-39E6-BA5B2E591E4D}"/>
-              </a:ext>
-            </a:extLst>
-          </p:cNvPr>
-          <p:cNvPicPr>
-            <a:picLocks noChangeAspect="1"/>
-          </p:cNvPicPr>
-          <p:nvPr/>
-        </p:nvPicPr>
-        <p:blipFill>
-          <a:blip r:embed="rId15">
-            <a:extLst>
-              <a:ext uri="{28A0092B-C50C-407E-A947-70E740481C1C}">
-                <a14:useLocalDpi xmlns:a14="http://schemas.microsoft.com/office/drawing/2010/main" val="0"/>
-              </a:ext>
-            </a:extLst>
-          </a:blip>
-          <a:stretch>
-            <a:fillRect/>
-          </a:stretch>
-        </p:blipFill>
-        <p:spPr>
-          <a:xfrm>
-            <a:off x="9724780" y="2454358"/>
-            <a:ext cx="1828800" cy="803874"/>
-          </a:xfrm>
-          <a:prstGeom prst="rect">
-            <a:avLst/>
-          </a:prstGeom>
-        </p:spPr>
-      </p:pic>
-      <p:pic>
-        <p:nvPicPr>
-          <p:cNvPr id="16" name="Picture 15" descr="A close up of a logo&#10;&#10;Description automatically generated">
-            <a:extLst>
-              <a:ext uri="{FF2B5EF4-FFF2-40B4-BE49-F238E27FC236}">
-                <a16:creationId xmlns:a16="http://schemas.microsoft.com/office/drawing/2014/main" id="{1EE2EE2D-826F-74D0-794C-92EC8B5BCF74}"/>
-              </a:ext>
-            </a:extLst>
-          </p:cNvPr>
-          <p:cNvPicPr>
-            <a:picLocks noChangeAspect="1"/>
-          </p:cNvPicPr>
-          <p:nvPr/>
-        </p:nvPicPr>
-        <p:blipFill>
-          <a:blip r:embed="rId16">
-            <a:extLst>
-              <a:ext uri="{28A0092B-C50C-407E-A947-70E740481C1C}">
-                <a14:useLocalDpi xmlns:a14="http://schemas.microsoft.com/office/drawing/2010/main" val="0"/>
-              </a:ext>
-            </a:extLst>
-          </a:blip>
-          <a:stretch>
-            <a:fillRect/>
-          </a:stretch>
-        </p:blipFill>
-        <p:spPr>
-          <a:xfrm>
-            <a:off x="7413904" y="3564220"/>
-            <a:ext cx="1828800" cy="502920"/>
-          </a:xfrm>
-          <a:prstGeom prst="rect">
-            <a:avLst/>
-          </a:prstGeom>
-        </p:spPr>
-      </p:pic>
-      <p:pic>
-        <p:nvPicPr>
-          <p:cNvPr id="25" name="Picture 24" descr="A red and black logo&#10;&#10;Description automatically generated">
-            <a:extLst>
-              <a:ext uri="{FF2B5EF4-FFF2-40B4-BE49-F238E27FC236}">
-                <a16:creationId xmlns:a16="http://schemas.microsoft.com/office/drawing/2014/main" id="{33692A19-8A91-5C05-4881-E805D0A36C54}"/>
-              </a:ext>
-            </a:extLst>
-          </p:cNvPr>
-          <p:cNvPicPr>
-            <a:picLocks noChangeAspect="1"/>
-          </p:cNvPicPr>
-          <p:nvPr/>
-        </p:nvPicPr>
-        <p:blipFill>
-          <a:blip r:embed="rId17">
-            <a:extLst>
-              <a:ext uri="{28A0092B-C50C-407E-A947-70E740481C1C}">
-                <a14:useLocalDpi xmlns:a14="http://schemas.microsoft.com/office/drawing/2010/main" val="0"/>
-              </a:ext>
-            </a:extLst>
-          </a:blip>
-          <a:stretch>
-            <a:fillRect/>
-          </a:stretch>
-        </p:blipFill>
-        <p:spPr>
-          <a:xfrm>
-            <a:off x="3710062" y="5705651"/>
-            <a:ext cx="914400" cy="385559"/>
-          </a:xfrm>
-          <a:prstGeom prst="rect">
-            <a:avLst/>
-          </a:prstGeom>
-        </p:spPr>
-      </p:pic>
-      <p:pic>
-        <p:nvPicPr>
-          <p:cNvPr id="27" name="Picture 26" descr="A black and white logo&#10;&#10;Description automatically generated">
-            <a:extLst>
-              <a:ext uri="{FF2B5EF4-FFF2-40B4-BE49-F238E27FC236}">
-                <a16:creationId xmlns:a16="http://schemas.microsoft.com/office/drawing/2014/main" id="{C718D14C-5CE6-1C4C-E31D-5459BCEED172}"/>
-              </a:ext>
-            </a:extLst>
-          </p:cNvPr>
-          <p:cNvPicPr>
-            <a:picLocks noChangeAspect="1"/>
-          </p:cNvPicPr>
-          <p:nvPr/>
-        </p:nvPicPr>
-        <p:blipFill>
-          <a:blip r:embed="rId18">
-            <a:extLst>
-              <a:ext uri="{28A0092B-C50C-407E-A947-70E740481C1C}">
-                <a14:useLocalDpi xmlns:a14="http://schemas.microsoft.com/office/drawing/2010/main" val="0"/>
-              </a:ext>
-            </a:extLst>
-          </a:blip>
-          <a:stretch>
-            <a:fillRect/>
-          </a:stretch>
-        </p:blipFill>
-        <p:spPr>
-          <a:xfrm>
-            <a:off x="7968021" y="5837642"/>
-            <a:ext cx="914400" cy="205740"/>
-          </a:xfrm>
-          <a:prstGeom prst="rect">
-            <a:avLst/>
-          </a:prstGeom>
-        </p:spPr>
-      </p:pic>
-      <p:pic>
-        <p:nvPicPr>
-          <p:cNvPr id="29" name="Picture 28" descr="A black background with a black square&#10;&#10;Description automatically generated with medium confidence">
-            <a:extLst>
-              <a:ext uri="{FF2B5EF4-FFF2-40B4-BE49-F238E27FC236}">
-                <a16:creationId xmlns:a16="http://schemas.microsoft.com/office/drawing/2014/main" id="{CA317AB9-6934-BE65-65D1-65877E715CC7}"/>
-              </a:ext>
-            </a:extLst>
-          </p:cNvPr>
-          <p:cNvPicPr>
-            <a:picLocks noChangeAspect="1"/>
-          </p:cNvPicPr>
-          <p:nvPr/>
-        </p:nvPicPr>
-        <p:blipFill>
-          <a:blip r:embed="rId19">
-            <a:extLst>
-              <a:ext uri="{28A0092B-C50C-407E-A947-70E740481C1C}">
-                <a14:useLocalDpi xmlns:a14="http://schemas.microsoft.com/office/drawing/2010/main" val="0"/>
-              </a:ext>
-            </a:extLst>
-          </a:blip>
-          <a:stretch>
-            <a:fillRect/>
-          </a:stretch>
-        </p:blipFill>
-        <p:spPr>
-          <a:xfrm>
-            <a:off x="392096" y="4389841"/>
-            <a:ext cx="1600200" cy="870265"/>
-          </a:xfrm>
-          <a:prstGeom prst="rect">
-            <a:avLst/>
-          </a:prstGeom>
-        </p:spPr>
-      </p:pic>
-      <p:pic>
-        <p:nvPicPr>
-          <p:cNvPr id="3" name="Picture 2" descr="A blue and white logo&#10;&#10;Description automatically generated">
-            <a:extLst>
-              <a:ext uri="{FF2B5EF4-FFF2-40B4-BE49-F238E27FC236}">
-                <a16:creationId xmlns:a16="http://schemas.microsoft.com/office/drawing/2014/main" id="{C32E934E-7A6C-A2B1-14B1-58B242E558D2}"/>
-              </a:ext>
-            </a:extLst>
-          </p:cNvPr>
-          <p:cNvPicPr>
-            <a:picLocks noChangeAspect="1"/>
-          </p:cNvPicPr>
-          <p:nvPr/>
-        </p:nvPicPr>
-        <p:blipFill>
-          <a:blip r:embed="rId20">
-            <a:extLst>
-              <a:ext uri="{28A0092B-C50C-407E-A947-70E740481C1C}">
-                <a14:useLocalDpi xmlns:a14="http://schemas.microsoft.com/office/drawing/2010/main" val="0"/>
-              </a:ext>
-            </a:extLst>
-          </a:blip>
-          <a:stretch>
-            <a:fillRect/>
-          </a:stretch>
-        </p:blipFill>
-        <p:spPr>
-          <a:xfrm>
-            <a:off x="5181599" y="3482900"/>
-            <a:ext cx="1828800" cy="749808"/>
-          </a:xfrm>
-          <a:prstGeom prst="rect">
-            <a:avLst/>
-          </a:prstGeom>
-        </p:spPr>
-      </p:pic>
-      <p:pic>
-        <p:nvPicPr>
-          <p:cNvPr id="7" name="Picture 6" descr="A pink sign with white letters&#10;&#10;Description automatically generated">
-            <a:extLst>
-              <a:ext uri="{FF2B5EF4-FFF2-40B4-BE49-F238E27FC236}">
-                <a16:creationId xmlns:a16="http://schemas.microsoft.com/office/drawing/2014/main" id="{AE5D2649-857C-5DAD-31F6-C182655212F8}"/>
-              </a:ext>
-            </a:extLst>
-          </p:cNvPr>
-          <p:cNvPicPr>
-            <a:picLocks noChangeAspect="1"/>
-          </p:cNvPicPr>
-          <p:nvPr/>
-        </p:nvPicPr>
-        <p:blipFill>
-          <a:blip r:embed="rId21">
-            <a:extLst>
-              <a:ext uri="{28A0092B-C50C-407E-A947-70E740481C1C}">
-                <a14:useLocalDpi xmlns:a14="http://schemas.microsoft.com/office/drawing/2010/main" val="0"/>
-              </a:ext>
-            </a:extLst>
-          </a:blip>
-          <a:stretch>
-            <a:fillRect/>
-          </a:stretch>
-        </p:blipFill>
-        <p:spPr>
-          <a:xfrm>
-            <a:off x="10381258" y="4229207"/>
-            <a:ext cx="895365" cy="895365"/>
-          </a:xfrm>
-          <a:prstGeom prst="rect">
-            <a:avLst/>
-          </a:prstGeom>
-        </p:spPr>
-      </p:pic>
-      <p:pic>
-        <p:nvPicPr>
-          <p:cNvPr id="2" name="Picture 1" descr="A blue text on a white background&#10;&#10;Description automatically generated">
-            <a:extLst>
-              <a:ext uri="{FF2B5EF4-FFF2-40B4-BE49-F238E27FC236}">
-                <a16:creationId xmlns:a16="http://schemas.microsoft.com/office/drawing/2014/main" id="{FA2BDB7A-8DAE-BFB8-ACCD-970AF7FDDDDC}"/>
-              </a:ext>
-            </a:extLst>
-          </p:cNvPr>
-          <p:cNvPicPr>
-            <a:picLocks noChangeAspect="1"/>
-          </p:cNvPicPr>
-          <p:nvPr/>
-        </p:nvPicPr>
-        <p:blipFill>
-          <a:blip r:embed="rId22">
-            <a:extLst>
-              <a:ext uri="{28A0092B-C50C-407E-A947-70E740481C1C}">
-                <a14:useLocalDpi xmlns:a14="http://schemas.microsoft.com/office/drawing/2010/main" val="0"/>
-              </a:ext>
-            </a:extLst>
-          </a:blip>
-          <a:stretch>
-            <a:fillRect/>
-          </a:stretch>
-        </p:blipFill>
-        <p:spPr>
-          <a:xfrm>
-            <a:off x="5796475" y="5165220"/>
-            <a:ext cx="1371600" cy="550800"/>
-          </a:xfrm>
-          <a:prstGeom prst="rect">
-            <a:avLst/>
-          </a:prstGeom>
-        </p:spPr>
-      </p:pic>
-      <p:pic>
-        <p:nvPicPr>
-          <p:cNvPr id="9" name="Picture 8" descr="A close-up of a logo&#10;&#10;Description automatically generated">
-            <a:extLst>
-              <a:ext uri="{FF2B5EF4-FFF2-40B4-BE49-F238E27FC236}">
-                <a16:creationId xmlns:a16="http://schemas.microsoft.com/office/drawing/2014/main" id="{733DB701-81E9-BF36-7592-D4778DBAB8EB}"/>
-              </a:ext>
-            </a:extLst>
-          </p:cNvPr>
-          <p:cNvPicPr>
-            <a:picLocks noChangeAspect="1"/>
-          </p:cNvPicPr>
-          <p:nvPr/>
-        </p:nvPicPr>
-        <p:blipFill>
-          <a:blip r:embed="rId23">
-            <a:extLst>
-              <a:ext uri="{28A0092B-C50C-407E-A947-70E740481C1C}">
-                <a14:useLocalDpi xmlns:a14="http://schemas.microsoft.com/office/drawing/2010/main" val="0"/>
-              </a:ext>
-            </a:extLst>
-          </a:blip>
-          <a:stretch>
-            <a:fillRect/>
-          </a:stretch>
-        </p:blipFill>
-        <p:spPr>
-          <a:xfrm>
-            <a:off x="2584791" y="5263277"/>
-            <a:ext cx="1371600" cy="346841"/>
-          </a:xfrm>
-          <a:prstGeom prst="rect">
-            <a:avLst/>
-          </a:prstGeom>
-        </p:spPr>
-      </p:pic>
-    </p:spTree>
-    <p:extLst>
-      <p:ext uri="{BB962C8B-B14F-4D97-AF65-F5344CB8AC3E}">
-        <p14:creationId xmlns:p14="http://schemas.microsoft.com/office/powerpoint/2010/main" val="1378408298"/>
       </p:ext>
     </p:extLst>
   </p:cSld>
@@ -7742,6 +11513,321 @@
 </file>
 
 <file path=ppt/theme/theme2.xml><?xml version="1.0" encoding="utf-8"?>
+<a:theme xmlns:a="http://schemas.openxmlformats.org/drawingml/2006/main" name="Custom Design">
+  <a:themeElements>
+    <a:clrScheme name="Office">
+      <a:dk1>
+        <a:sysClr val="windowText" lastClr="000000"/>
+      </a:dk1>
+      <a:lt1>
+        <a:sysClr val="window" lastClr="FFFFFF"/>
+      </a:lt1>
+      <a:dk2>
+        <a:srgbClr val="0E2841"/>
+      </a:dk2>
+      <a:lt2>
+        <a:srgbClr val="E8E8E8"/>
+      </a:lt2>
+      <a:accent1>
+        <a:srgbClr val="156082"/>
+      </a:accent1>
+      <a:accent2>
+        <a:srgbClr val="E97132"/>
+      </a:accent2>
+      <a:accent3>
+        <a:srgbClr val="196B24"/>
+      </a:accent3>
+      <a:accent4>
+        <a:srgbClr val="0F9ED5"/>
+      </a:accent4>
+      <a:accent5>
+        <a:srgbClr val="A02B93"/>
+      </a:accent5>
+      <a:accent6>
+        <a:srgbClr val="4EA72E"/>
+      </a:accent6>
+      <a:hlink>
+        <a:srgbClr val="467886"/>
+      </a:hlink>
+      <a:folHlink>
+        <a:srgbClr val="96607D"/>
+      </a:folHlink>
+    </a:clrScheme>
+    <a:fontScheme name="Office">
+      <a:majorFont>
+        <a:latin typeface="Aptos Display" panose="02110004020202020204"/>
+        <a:ea typeface=""/>
+        <a:cs typeface=""/>
+        <a:font script="Jpan" typeface="游ゴシック Light"/>
+        <a:font script="Hang" typeface="맑은 고딕"/>
+        <a:font script="Hans" typeface="等线 Light"/>
+        <a:font script="Hant" typeface="新細明體"/>
+        <a:font script="Arab" typeface="Times New Roman"/>
+        <a:font script="Hebr" typeface="Times New Roman"/>
+        <a:font script="Thai" typeface="Angsana New"/>
+        <a:font script="Ethi" typeface="Nyala"/>
+        <a:font script="Beng" typeface="Vrinda"/>
+        <a:font script="Gujr" typeface="Shruti"/>
+        <a:font script="Khmr" typeface="MoolBoran"/>
+        <a:font script="Knda" typeface="Tunga"/>
+        <a:font script="Guru" typeface="Raavi"/>
+        <a:font script="Cans" typeface="Euphemia"/>
+        <a:font script="Cher" typeface="Plantagenet Cherokee"/>
+        <a:font script="Yiii" typeface="Microsoft Yi Baiti"/>
+        <a:font script="Tibt" typeface="Microsoft Himalaya"/>
+        <a:font script="Thaa" typeface="MV Boli"/>
+        <a:font script="Deva" typeface="Mangal"/>
+        <a:font script="Telu" typeface="Gautami"/>
+        <a:font script="Taml" typeface="Latha"/>
+        <a:font script="Syrc" typeface="Estrangelo Edessa"/>
+        <a:font script="Orya" typeface="Kalinga"/>
+        <a:font script="Mlym" typeface="Kartika"/>
+        <a:font script="Laoo" typeface="DokChampa"/>
+        <a:font script="Sinh" typeface="Iskoola Pota"/>
+        <a:font script="Mong" typeface="Mongolian Baiti"/>
+        <a:font script="Viet" typeface="Times New Roman"/>
+        <a:font script="Uigh" typeface="Microsoft Uighur"/>
+        <a:font script="Geor" typeface="Sylfaen"/>
+        <a:font script="Armn" typeface="Arial"/>
+        <a:font script="Bugi" typeface="Leelawadee UI"/>
+        <a:font script="Bopo" typeface="Microsoft JhengHei"/>
+        <a:font script="Java" typeface="Javanese Text"/>
+        <a:font script="Lisu" typeface="Segoe UI"/>
+        <a:font script="Mymr" typeface="Myanmar Text"/>
+        <a:font script="Nkoo" typeface="Ebrima"/>
+        <a:font script="Olck" typeface="Nirmala UI"/>
+        <a:font script="Osma" typeface="Ebrima"/>
+        <a:font script="Phag" typeface="Phagspa"/>
+        <a:font script="Syrn" typeface="Estrangelo Edessa"/>
+        <a:font script="Syrj" typeface="Estrangelo Edessa"/>
+        <a:font script="Syre" typeface="Estrangelo Edessa"/>
+        <a:font script="Sora" typeface="Nirmala UI"/>
+        <a:font script="Tale" typeface="Microsoft Tai Le"/>
+        <a:font script="Talu" typeface="Microsoft New Tai Lue"/>
+        <a:font script="Tfng" typeface="Ebrima"/>
+      </a:majorFont>
+      <a:minorFont>
+        <a:latin typeface="Aptos" panose="02110004020202020204"/>
+        <a:ea typeface=""/>
+        <a:cs typeface=""/>
+        <a:font script="Jpan" typeface="游ゴシック"/>
+        <a:font script="Hang" typeface="맑은 고딕"/>
+        <a:font script="Hans" typeface="等线"/>
+        <a:font script="Hant" typeface="新細明體"/>
+        <a:font script="Arab" typeface="Arial"/>
+        <a:font script="Hebr" typeface="Arial"/>
+        <a:font script="Thai" typeface="Cordia New"/>
+        <a:font script="Ethi" typeface="Nyala"/>
+        <a:font script="Beng" typeface="Vrinda"/>
+        <a:font script="Gujr" typeface="Shruti"/>
+        <a:font script="Khmr" typeface="DaunPenh"/>
+        <a:font script="Knda" typeface="Tunga"/>
+        <a:font script="Guru" typeface="Raavi"/>
+        <a:font script="Cans" typeface="Euphemia"/>
+        <a:font script="Cher" typeface="Plantagenet Cherokee"/>
+        <a:font script="Yiii" typeface="Microsoft Yi Baiti"/>
+        <a:font script="Tibt" typeface="Microsoft Himalaya"/>
+        <a:font script="Thaa" typeface="MV Boli"/>
+        <a:font script="Deva" typeface="Mangal"/>
+        <a:font script="Telu" typeface="Gautami"/>
+        <a:font script="Taml" typeface="Latha"/>
+        <a:font script="Syrc" typeface="Estrangelo Edessa"/>
+        <a:font script="Orya" typeface="Kalinga"/>
+        <a:font script="Mlym" typeface="Kartika"/>
+        <a:font script="Laoo" typeface="DokChampa"/>
+        <a:font script="Sinh" typeface="Iskoola Pota"/>
+        <a:font script="Mong" typeface="Mongolian Baiti"/>
+        <a:font script="Viet" typeface="Arial"/>
+        <a:font script="Uigh" typeface="Microsoft Uighur"/>
+        <a:font script="Geor" typeface="Sylfaen"/>
+        <a:font script="Armn" typeface="Arial"/>
+        <a:font script="Bugi" typeface="Leelawadee UI"/>
+        <a:font script="Bopo" typeface="Microsoft JhengHei"/>
+        <a:font script="Java" typeface="Javanese Text"/>
+        <a:font script="Lisu" typeface="Segoe UI"/>
+        <a:font script="Mymr" typeface="Myanmar Text"/>
+        <a:font script="Nkoo" typeface="Ebrima"/>
+        <a:font script="Olck" typeface="Nirmala UI"/>
+        <a:font script="Osma" typeface="Ebrima"/>
+        <a:font script="Phag" typeface="Phagspa"/>
+        <a:font script="Syrn" typeface="Estrangelo Edessa"/>
+        <a:font script="Syrj" typeface="Estrangelo Edessa"/>
+        <a:font script="Syre" typeface="Estrangelo Edessa"/>
+        <a:font script="Sora" typeface="Nirmala UI"/>
+        <a:font script="Tale" typeface="Microsoft Tai Le"/>
+        <a:font script="Talu" typeface="Microsoft New Tai Lue"/>
+        <a:font script="Tfng" typeface="Ebrima"/>
+      </a:minorFont>
+    </a:fontScheme>
+    <a:fmtScheme name="Office">
+      <a:fillStyleLst>
+        <a:solidFill>
+          <a:schemeClr val="phClr"/>
+        </a:solidFill>
+        <a:gradFill rotWithShape="1">
+          <a:gsLst>
+            <a:gs pos="0">
+              <a:schemeClr val="phClr">
+                <a:lumMod val="110000"/>
+                <a:satMod val="105000"/>
+                <a:tint val="67000"/>
+              </a:schemeClr>
+            </a:gs>
+            <a:gs pos="50000">
+              <a:schemeClr val="phClr">
+                <a:lumMod val="105000"/>
+                <a:satMod val="103000"/>
+                <a:tint val="73000"/>
+              </a:schemeClr>
+            </a:gs>
+            <a:gs pos="100000">
+              <a:schemeClr val="phClr">
+                <a:lumMod val="105000"/>
+                <a:satMod val="109000"/>
+                <a:tint val="81000"/>
+              </a:schemeClr>
+            </a:gs>
+          </a:gsLst>
+          <a:lin ang="5400000" scaled="0"/>
+        </a:gradFill>
+        <a:gradFill rotWithShape="1">
+          <a:gsLst>
+            <a:gs pos="0">
+              <a:schemeClr val="phClr">
+                <a:satMod val="103000"/>
+                <a:lumMod val="102000"/>
+                <a:tint val="94000"/>
+              </a:schemeClr>
+            </a:gs>
+            <a:gs pos="50000">
+              <a:schemeClr val="phClr">
+                <a:satMod val="110000"/>
+                <a:lumMod val="100000"/>
+                <a:shade val="100000"/>
+              </a:schemeClr>
+            </a:gs>
+            <a:gs pos="100000">
+              <a:schemeClr val="phClr">
+                <a:lumMod val="99000"/>
+                <a:satMod val="120000"/>
+                <a:shade val="78000"/>
+              </a:schemeClr>
+            </a:gs>
+          </a:gsLst>
+          <a:lin ang="5400000" scaled="0"/>
+        </a:gradFill>
+      </a:fillStyleLst>
+      <a:lnStyleLst>
+        <a:ln w="12700" cap="flat" cmpd="sng" algn="ctr">
+          <a:solidFill>
+            <a:schemeClr val="phClr"/>
+          </a:solidFill>
+          <a:prstDash val="solid"/>
+          <a:miter lim="800000"/>
+        </a:ln>
+        <a:ln w="19050" cap="flat" cmpd="sng" algn="ctr">
+          <a:solidFill>
+            <a:schemeClr val="phClr"/>
+          </a:solidFill>
+          <a:prstDash val="solid"/>
+          <a:miter lim="800000"/>
+        </a:ln>
+        <a:ln w="25400" cap="flat" cmpd="sng" algn="ctr">
+          <a:solidFill>
+            <a:schemeClr val="phClr"/>
+          </a:solidFill>
+          <a:prstDash val="solid"/>
+          <a:miter lim="800000"/>
+        </a:ln>
+      </a:lnStyleLst>
+      <a:effectStyleLst>
+        <a:effectStyle>
+          <a:effectLst/>
+        </a:effectStyle>
+        <a:effectStyle>
+          <a:effectLst/>
+        </a:effectStyle>
+        <a:effectStyle>
+          <a:effectLst>
+            <a:outerShdw blurRad="57150" dist="19050" dir="5400000" algn="ctr" rotWithShape="0">
+              <a:srgbClr val="000000">
+                <a:alpha val="63000"/>
+              </a:srgbClr>
+            </a:outerShdw>
+          </a:effectLst>
+        </a:effectStyle>
+      </a:effectStyleLst>
+      <a:bgFillStyleLst>
+        <a:solidFill>
+          <a:schemeClr val="phClr"/>
+        </a:solidFill>
+        <a:solidFill>
+          <a:schemeClr val="phClr">
+            <a:tint val="95000"/>
+            <a:satMod val="170000"/>
+          </a:schemeClr>
+        </a:solidFill>
+        <a:gradFill rotWithShape="1">
+          <a:gsLst>
+            <a:gs pos="0">
+              <a:schemeClr val="phClr">
+                <a:tint val="93000"/>
+                <a:satMod val="150000"/>
+                <a:shade val="98000"/>
+                <a:lumMod val="102000"/>
+              </a:schemeClr>
+            </a:gs>
+            <a:gs pos="50000">
+              <a:schemeClr val="phClr">
+                <a:tint val="98000"/>
+                <a:satMod val="130000"/>
+                <a:shade val="90000"/>
+                <a:lumMod val="103000"/>
+              </a:schemeClr>
+            </a:gs>
+            <a:gs pos="100000">
+              <a:schemeClr val="phClr">
+                <a:shade val="63000"/>
+                <a:satMod val="120000"/>
+              </a:schemeClr>
+            </a:gs>
+          </a:gsLst>
+          <a:lin ang="5400000" scaled="0"/>
+        </a:gradFill>
+      </a:bgFillStyleLst>
+    </a:fmtScheme>
+  </a:themeElements>
+  <a:objectDefaults>
+    <a:lnDef>
+      <a:spPr/>
+      <a:bodyPr/>
+      <a:lstStyle/>
+      <a:style>
+        <a:lnRef idx="2">
+          <a:schemeClr val="accent1"/>
+        </a:lnRef>
+        <a:fillRef idx="0">
+          <a:schemeClr val="accent1"/>
+        </a:fillRef>
+        <a:effectRef idx="1">
+          <a:schemeClr val="accent1"/>
+        </a:effectRef>
+        <a:fontRef idx="minor">
+          <a:schemeClr val="tx1"/>
+        </a:fontRef>
+      </a:style>
+    </a:lnDef>
+  </a:objectDefaults>
+  <a:extraClrSchemeLst/>
+  <a:extLst>
+    <a:ext uri="{05A4C25C-085E-4340-85A3-A5531E510DB2}">
+      <thm15:themeFamily xmlns:thm15="http://schemas.microsoft.com/office/thememl/2012/main" name="Office Theme" id="{2E142A2C-CD16-42D6-873A-C26D2A0506FA}" vid="{1BDDFF52-6CD6-40A5-AB3C-68EB2F1E4D0A}"/>
+    </a:ext>
+  </a:extLst>
+</a:theme>
+</file>
+
+<file path=ppt/theme/theme3.xml><?xml version="1.0" encoding="utf-8"?>
 <a:theme xmlns:a="http://schemas.openxmlformats.org/drawingml/2006/main" name="Office Theme">
   <a:themeElements>
     <a:clrScheme name="Office">
